--- a/影像效果项目部-夏鹏宇.pptx
+++ b/影像效果项目部-夏鹏宇.pptx
@@ -1,29 +1,30 @@
 
 <file path=ppt/presentation.xml><?xml version="1.0" encoding="utf-8"?>
-<p:presentation xmlns:a="http://schemas.openxmlformats.org/drawingml/2006/main" xmlns:r="http://schemas.openxmlformats.org/officeDocument/2006/relationships" xmlns:p="http://schemas.openxmlformats.org/presentationml/2006/main" saveSubsetFonts="1">
+<p:presentation xmlns:a="http://schemas.openxmlformats.org/drawingml/2006/main" xmlns:r="http://schemas.openxmlformats.org/officeDocument/2006/relationships" xmlns:p="http://schemas.openxmlformats.org/presentationml/2006/main">
   <p:sldMasterIdLst>
     <p:sldMasterId id="2147483648" r:id="rId1"/>
   </p:sldMasterIdLst>
   <p:sldIdLst>
-    <p:sldId id="256" r:id="rId2"/>
-    <p:sldId id="257" r:id="rId3"/>
-    <p:sldId id="260" r:id="rId4"/>
-    <p:sldId id="271" r:id="rId5"/>
-    <p:sldId id="262" r:id="rId6"/>
-    <p:sldId id="278" r:id="rId7"/>
-    <p:sldId id="281" r:id="rId8"/>
-    <p:sldId id="282" r:id="rId9"/>
-    <p:sldId id="283" r:id="rId10"/>
-    <p:sldId id="284" r:id="rId11"/>
-    <p:sldId id="277" r:id="rId12"/>
-    <p:sldId id="285" r:id="rId13"/>
-    <p:sldId id="286" r:id="rId14"/>
-    <p:sldId id="287" r:id="rId15"/>
-    <p:sldId id="276" r:id="rId16"/>
-    <p:sldId id="267" r:id="rId17"/>
-    <p:sldId id="279" r:id="rId18"/>
-    <p:sldId id="280" r:id="rId19"/>
-    <p:sldId id="270" r:id="rId20"/>
+    <p:sldId id="256" r:id="rId3"/>
+    <p:sldId id="257" r:id="rId4"/>
+    <p:sldId id="260" r:id="rId5"/>
+    <p:sldId id="271" r:id="rId6"/>
+    <p:sldId id="262" r:id="rId7"/>
+    <p:sldId id="278" r:id="rId8"/>
+    <p:sldId id="281" r:id="rId9"/>
+    <p:sldId id="282" r:id="rId10"/>
+    <p:sldId id="283" r:id="rId11"/>
+    <p:sldId id="284" r:id="rId12"/>
+    <p:sldId id="277" r:id="rId13"/>
+    <p:sldId id="285" r:id="rId14"/>
+    <p:sldId id="286" r:id="rId15"/>
+    <p:sldId id="287" r:id="rId16"/>
+    <p:sldId id="276" r:id="rId17"/>
+    <p:sldId id="267" r:id="rId18"/>
+    <p:sldId id="294" r:id="rId19"/>
+    <p:sldId id="279" r:id="rId20"/>
+    <p:sldId id="280" r:id="rId21"/>
+    <p:sldId id="270" r:id="rId22"/>
   </p:sldIdLst>
   <p:sldSz cx="12192000" cy="6858000"/>
   <p:notesSz cx="6858000" cy="9144000"/>
@@ -122,34 +123,12 @@
       </a:defRPr>
     </a:lvl9pPr>
   </p:defaultTextStyle>
-  <p:extLst>
-    <p:ext uri="{EFAFB233-063F-42B5-8137-9DF3F51BA10A}">
-      <p15:sldGuideLst xmlns:p15="http://schemas.microsoft.com/office/powerpoint/2012/main">
-        <p15:guide id="1" orient="horz" pos="2160" userDrawn="1">
-          <p15:clr>
-            <a:srgbClr val="A4A3A4"/>
-          </p15:clr>
-        </p15:guide>
-        <p15:guide id="2" pos="3840" userDrawn="1">
-          <p15:clr>
-            <a:srgbClr val="A4A3A4"/>
-          </p15:clr>
-        </p15:guide>
-      </p15:sldGuideLst>
-    </p:ext>
-  </p:extLst>
 </p:presentation>
 </file>
 
 <file path=ppt/commentAuthors.xml><?xml version="1.0" encoding="utf-8"?>
 <p:cmAuthorLst xmlns:a="http://schemas.openxmlformats.org/drawingml/2006/main" xmlns:r="http://schemas.openxmlformats.org/officeDocument/2006/relationships" xmlns:p="http://schemas.openxmlformats.org/presentationml/2006/main">
-  <p:cmAuthor id="1" name="夏鹏宇" initials="夏鹏宇" lastIdx="2" clrIdx="0">
-    <p:extLst>
-      <p:ext uri="{19B8F6BF-5375-455C-9EA6-DF929625EA0E}">
-        <p15:presenceInfo xmlns:p15="http://schemas.microsoft.com/office/powerpoint/2012/main" userId="S-1-5-21-2660122827-3251746268-3620619969-159817" providerId="AD"/>
-      </p:ext>
-    </p:extLst>
-  </p:cmAuthor>
+  <p:cmAuthor id="1" name="夏鹏宇" initials="夏鹏宇" lastIdx="2" clrIdx="0"/>
 </p:cmAuthorLst>
 </file>
 
@@ -160,117 +139,39 @@
   <dgm:catLst>
     <dgm:cat type="accent1" pri="11200"/>
   </dgm:catLst>
-  <dgm:styleLbl name="node0">
+  <dgm:styleLbl name="alignAcc1">
     <dgm:fillClrLst meth="repeat">
-      <a:schemeClr val="accent1"/>
-    </dgm:fillClrLst>
-    <dgm:linClrLst meth="repeat">
-      <a:schemeClr val="lt1"/>
-    </dgm:linClrLst>
-    <dgm:effectClrLst/>
-    <dgm:txLinClrLst/>
-    <dgm:txFillClrLst/>
-    <dgm:txEffectClrLst/>
-  </dgm:styleLbl>
-  <dgm:styleLbl name="alignNode1">
-    <dgm:fillClrLst meth="repeat">
-      <a:schemeClr val="accent1"/>
+      <a:schemeClr val="lt1">
+        <a:alpha val="90000"/>
+      </a:schemeClr>
     </dgm:fillClrLst>
     <dgm:linClrLst meth="repeat">
       <a:schemeClr val="accent1"/>
     </dgm:linClrLst>
     <dgm:effectClrLst/>
     <dgm:txLinClrLst/>
-    <dgm:txFillClrLst/>
+    <dgm:txFillClrLst meth="repeat">
+      <a:schemeClr val="dk1"/>
+    </dgm:txFillClrLst>
     <dgm:txEffectClrLst/>
   </dgm:styleLbl>
-  <dgm:styleLbl name="node1">
-    <dgm:fillClrLst meth="repeat">
-      <a:schemeClr val="accent1"/>
-    </dgm:fillClrLst>
-    <dgm:linClrLst meth="repeat">
-      <a:schemeClr val="lt1"/>
-    </dgm:linClrLst>
-    <dgm:effectClrLst/>
-    <dgm:txLinClrLst/>
-    <dgm:txFillClrLst/>
-    <dgm:txEffectClrLst/>
-  </dgm:styleLbl>
-  <dgm:styleLbl name="lnNode1">
-    <dgm:fillClrLst meth="repeat">
-      <a:schemeClr val="accent1"/>
-    </dgm:fillClrLst>
-    <dgm:linClrLst meth="repeat">
-      <a:schemeClr val="lt1"/>
-    </dgm:linClrLst>
-    <dgm:effectClrLst/>
-    <dgm:txLinClrLst/>
-    <dgm:txFillClrLst/>
-    <dgm:txEffectClrLst/>
-  </dgm:styleLbl>
-  <dgm:styleLbl name="vennNode1">
+  <dgm:styleLbl name="alignAccFollowNode1">
     <dgm:fillClrLst meth="repeat">
       <a:schemeClr val="accent1">
-        <a:alpha val="50000"/>
+        <a:alpha val="90000"/>
+        <a:tint val="40000"/>
       </a:schemeClr>
     </dgm:fillClrLst>
     <dgm:linClrLst meth="repeat">
-      <a:schemeClr val="lt1"/>
-    </dgm:linClrLst>
-    <dgm:effectClrLst/>
-    <dgm:txLinClrLst/>
-    <dgm:txFillClrLst/>
-    <dgm:txEffectClrLst/>
-  </dgm:styleLbl>
-  <dgm:styleLbl name="node2">
-    <dgm:fillClrLst meth="repeat">
-      <a:schemeClr val="accent1"/>
-    </dgm:fillClrLst>
-    <dgm:linClrLst meth="repeat">
-      <a:schemeClr val="lt1"/>
-    </dgm:linClrLst>
-    <dgm:effectClrLst/>
-    <dgm:txLinClrLst/>
-    <dgm:txFillClrLst/>
-    <dgm:txEffectClrLst/>
-  </dgm:styleLbl>
-  <dgm:styleLbl name="node3">
-    <dgm:fillClrLst meth="repeat">
-      <a:schemeClr val="accent1"/>
-    </dgm:fillClrLst>
-    <dgm:linClrLst meth="repeat">
-      <a:schemeClr val="lt1"/>
-    </dgm:linClrLst>
-    <dgm:effectClrLst/>
-    <dgm:txLinClrLst/>
-    <dgm:txFillClrLst/>
-    <dgm:txEffectClrLst/>
-  </dgm:styleLbl>
-  <dgm:styleLbl name="node4">
-    <dgm:fillClrLst meth="repeat">
-      <a:schemeClr val="accent1"/>
-    </dgm:fillClrLst>
-    <dgm:linClrLst meth="repeat">
-      <a:schemeClr val="lt1"/>
-    </dgm:linClrLst>
-    <dgm:effectClrLst/>
-    <dgm:txLinClrLst/>
-    <dgm:txFillClrLst/>
-    <dgm:txEffectClrLst/>
-  </dgm:styleLbl>
-  <dgm:styleLbl name="fgImgPlace1">
-    <dgm:fillClrLst meth="repeat">
       <a:schemeClr val="accent1">
-        <a:tint val="50000"/>
+        <a:alpha val="90000"/>
+        <a:tint val="40000"/>
       </a:schemeClr>
-    </dgm:fillClrLst>
-    <dgm:linClrLst meth="repeat">
-      <a:schemeClr val="lt1"/>
     </dgm:linClrLst>
     <dgm:effectClrLst/>
     <dgm:txLinClrLst/>
     <dgm:txFillClrLst meth="repeat">
-      <a:schemeClr val="lt1"/>
+      <a:schemeClr val="dk1"/>
     </dgm:txFillClrLst>
     <dgm:txEffectClrLst/>
   </dgm:styleLbl>
@@ -290,71 +191,7 @@
     </dgm:txFillClrLst>
     <dgm:txEffectClrLst/>
   </dgm:styleLbl>
-  <dgm:styleLbl name="bgImgPlace1">
-    <dgm:fillClrLst meth="repeat">
-      <a:schemeClr val="accent1">
-        <a:tint val="50000"/>
-      </a:schemeClr>
-    </dgm:fillClrLst>
-    <dgm:linClrLst meth="repeat">
-      <a:schemeClr val="lt1"/>
-    </dgm:linClrLst>
-    <dgm:effectClrLst/>
-    <dgm:txLinClrLst/>
-    <dgm:txFillClrLst meth="repeat">
-      <a:schemeClr val="lt1"/>
-    </dgm:txFillClrLst>
-    <dgm:txEffectClrLst/>
-  </dgm:styleLbl>
-  <dgm:styleLbl name="sibTrans2D1">
-    <dgm:fillClrLst meth="repeat">
-      <a:schemeClr val="accent1">
-        <a:tint val="60000"/>
-      </a:schemeClr>
-    </dgm:fillClrLst>
-    <dgm:linClrLst meth="repeat">
-      <a:schemeClr val="accent1">
-        <a:tint val="60000"/>
-      </a:schemeClr>
-    </dgm:linClrLst>
-    <dgm:effectClrLst/>
-    <dgm:txLinClrLst/>
-    <dgm:txFillClrLst/>
-    <dgm:txEffectClrLst/>
-  </dgm:styleLbl>
-  <dgm:styleLbl name="fgSibTrans2D1">
-    <dgm:fillClrLst meth="repeat">
-      <a:schemeClr val="accent1">
-        <a:tint val="60000"/>
-      </a:schemeClr>
-    </dgm:fillClrLst>
-    <dgm:linClrLst meth="repeat">
-      <a:schemeClr val="accent1">
-        <a:tint val="60000"/>
-      </a:schemeClr>
-    </dgm:linClrLst>
-    <dgm:effectClrLst/>
-    <dgm:txLinClrLst/>
-    <dgm:txFillClrLst/>
-    <dgm:txEffectClrLst/>
-  </dgm:styleLbl>
-  <dgm:styleLbl name="bgSibTrans2D1">
-    <dgm:fillClrLst meth="repeat">
-      <a:schemeClr val="accent1">
-        <a:tint val="60000"/>
-      </a:schemeClr>
-    </dgm:fillClrLst>
-    <dgm:linClrLst meth="repeat">
-      <a:schemeClr val="accent1">
-        <a:tint val="60000"/>
-      </a:schemeClr>
-    </dgm:linClrLst>
-    <dgm:effectClrLst/>
-    <dgm:txLinClrLst/>
-    <dgm:txFillClrLst/>
-    <dgm:txEffectClrLst/>
-  </dgm:styleLbl>
-  <dgm:styleLbl name="sibTrans1D1">
+  <dgm:styleLbl name="alignNode1">
     <dgm:fillClrLst meth="repeat">
       <a:schemeClr val="accent1"/>
     </dgm:fillClrLst>
@@ -363,25 +200,7 @@
     </dgm:linClrLst>
     <dgm:effectClrLst/>
     <dgm:txLinClrLst/>
-    <dgm:txFillClrLst meth="repeat">
-      <a:schemeClr val="tx1"/>
-    </dgm:txFillClrLst>
-    <dgm:txEffectClrLst/>
-  </dgm:styleLbl>
-  <dgm:styleLbl name="callout">
-    <dgm:fillClrLst meth="repeat">
-      <a:schemeClr val="accent1"/>
-    </dgm:fillClrLst>
-    <dgm:linClrLst meth="repeat">
-      <a:schemeClr val="accent1">
-        <a:tint val="50000"/>
-      </a:schemeClr>
-    </dgm:linClrLst>
-    <dgm:effectClrLst/>
-    <dgm:txLinClrLst/>
-    <dgm:txFillClrLst meth="repeat">
-      <a:schemeClr val="tx1"/>
-    </dgm:txFillClrLst>
+    <dgm:txFillClrLst/>
     <dgm:txEffectClrLst/>
   </dgm:styleLbl>
   <dgm:styleLbl name="asst0">
@@ -444,7 +263,75 @@
     <dgm:txFillClrLst/>
     <dgm:txEffectClrLst/>
   </dgm:styleLbl>
-  <dgm:styleLbl name="parChTrans2D1">
+  <dgm:styleLbl name="bgAcc1">
+    <dgm:fillClrLst meth="repeat">
+      <a:schemeClr val="lt1">
+        <a:alpha val="90000"/>
+      </a:schemeClr>
+    </dgm:fillClrLst>
+    <dgm:linClrLst meth="repeat">
+      <a:schemeClr val="accent1"/>
+    </dgm:linClrLst>
+    <dgm:effectClrLst/>
+    <dgm:txLinClrLst/>
+    <dgm:txFillClrLst meth="repeat">
+      <a:schemeClr val="dk1"/>
+    </dgm:txFillClrLst>
+    <dgm:txEffectClrLst/>
+  </dgm:styleLbl>
+  <dgm:styleLbl name="bgAccFollowNode1">
+    <dgm:fillClrLst meth="repeat">
+      <a:schemeClr val="accent1">
+        <a:alpha val="90000"/>
+        <a:tint val="40000"/>
+      </a:schemeClr>
+    </dgm:fillClrLst>
+    <dgm:linClrLst meth="repeat">
+      <a:schemeClr val="accent1">
+        <a:alpha val="90000"/>
+        <a:tint val="40000"/>
+      </a:schemeClr>
+    </dgm:linClrLst>
+    <dgm:effectClrLst/>
+    <dgm:txLinClrLst/>
+    <dgm:txFillClrLst meth="repeat">
+      <a:schemeClr val="dk1"/>
+    </dgm:txFillClrLst>
+    <dgm:txEffectClrLst/>
+  </dgm:styleLbl>
+  <dgm:styleLbl name="bgImgPlace1">
+    <dgm:fillClrLst meth="repeat">
+      <a:schemeClr val="accent1">
+        <a:tint val="50000"/>
+      </a:schemeClr>
+    </dgm:fillClrLst>
+    <dgm:linClrLst meth="repeat">
+      <a:schemeClr val="lt1"/>
+    </dgm:linClrLst>
+    <dgm:effectClrLst/>
+    <dgm:txLinClrLst/>
+    <dgm:txFillClrLst meth="repeat">
+      <a:schemeClr val="lt1"/>
+    </dgm:txFillClrLst>
+    <dgm:txEffectClrLst/>
+  </dgm:styleLbl>
+  <dgm:styleLbl name="bgShp">
+    <dgm:fillClrLst meth="repeat">
+      <a:schemeClr val="accent1">
+        <a:tint val="40000"/>
+      </a:schemeClr>
+    </dgm:fillClrLst>
+    <dgm:linClrLst meth="repeat">
+      <a:schemeClr val="accent1"/>
+    </dgm:linClrLst>
+    <dgm:effectClrLst/>
+    <dgm:txLinClrLst/>
+    <dgm:txFillClrLst meth="repeat">
+      <a:schemeClr val="dk1"/>
+    </dgm:txFillClrLst>
+    <dgm:txEffectClrLst/>
+  </dgm:styleLbl>
+  <dgm:styleLbl name="bgSibTrans2D1">
     <dgm:fillClrLst meth="repeat">
       <a:schemeClr val="accent1">
         <a:tint val="60000"/>
@@ -457,14 +344,46 @@
     </dgm:linClrLst>
     <dgm:effectClrLst/>
     <dgm:txLinClrLst/>
+    <dgm:txFillClrLst/>
+    <dgm:txEffectClrLst/>
+  </dgm:styleLbl>
+  <dgm:styleLbl name="callout">
+    <dgm:fillClrLst meth="repeat">
+      <a:schemeClr val="accent1"/>
+    </dgm:fillClrLst>
+    <dgm:linClrLst meth="repeat">
+      <a:schemeClr val="accent1">
+        <a:tint val="50000"/>
+      </a:schemeClr>
+    </dgm:linClrLst>
+    <dgm:effectClrLst/>
+    <dgm:txLinClrLst/>
     <dgm:txFillClrLst meth="repeat">
-      <a:schemeClr val="lt1"/>
+      <a:schemeClr val="tx1"/>
     </dgm:txFillClrLst>
     <dgm:txEffectClrLst/>
   </dgm:styleLbl>
-  <dgm:styleLbl name="parChTrans2D2">
+  <dgm:styleLbl name="conFgAcc1">
     <dgm:fillClrLst meth="repeat">
+      <a:schemeClr val="lt1">
+        <a:alpha val="90000"/>
+      </a:schemeClr>
+    </dgm:fillClrLst>
+    <dgm:linClrLst meth="repeat">
       <a:schemeClr val="accent1"/>
+    </dgm:linClrLst>
+    <dgm:effectClrLst/>
+    <dgm:txLinClrLst/>
+    <dgm:txFillClrLst meth="repeat">
+      <a:schemeClr val="dk1"/>
+    </dgm:txFillClrLst>
+    <dgm:txEffectClrLst/>
+  </dgm:styleLbl>
+  <dgm:styleLbl name="dkBgShp">
+    <dgm:fillClrLst meth="repeat">
+      <a:schemeClr val="accent1">
+        <a:shade val="80000"/>
+      </a:schemeClr>
     </dgm:fillClrLst>
     <dgm:linClrLst meth="repeat">
       <a:schemeClr val="accent1"/>
@@ -476,12 +395,114 @@
     </dgm:txFillClrLst>
     <dgm:txEffectClrLst/>
   </dgm:styleLbl>
-  <dgm:styleLbl name="parChTrans2D3">
+  <dgm:styleLbl name="fgAcc0">
     <dgm:fillClrLst meth="repeat">
-      <a:schemeClr val="accent1"/>
+      <a:schemeClr val="lt1">
+        <a:alpha val="90000"/>
+      </a:schemeClr>
     </dgm:fillClrLst>
     <dgm:linClrLst meth="repeat">
       <a:schemeClr val="accent1"/>
+    </dgm:linClrLst>
+    <dgm:effectClrLst/>
+    <dgm:txLinClrLst/>
+    <dgm:txFillClrLst meth="repeat">
+      <a:schemeClr val="dk1"/>
+    </dgm:txFillClrLst>
+    <dgm:txEffectClrLst/>
+  </dgm:styleLbl>
+  <dgm:styleLbl name="fgAcc1">
+    <dgm:fillClrLst meth="repeat">
+      <a:schemeClr val="lt1">
+        <a:alpha val="90000"/>
+      </a:schemeClr>
+    </dgm:fillClrLst>
+    <dgm:linClrLst meth="repeat">
+      <a:schemeClr val="accent1"/>
+    </dgm:linClrLst>
+    <dgm:effectClrLst/>
+    <dgm:txLinClrLst/>
+    <dgm:txFillClrLst meth="repeat">
+      <a:schemeClr val="dk1"/>
+    </dgm:txFillClrLst>
+    <dgm:txEffectClrLst/>
+  </dgm:styleLbl>
+  <dgm:styleLbl name="fgAcc2">
+    <dgm:fillClrLst meth="repeat">
+      <a:schemeClr val="lt1">
+        <a:alpha val="90000"/>
+      </a:schemeClr>
+    </dgm:fillClrLst>
+    <dgm:linClrLst meth="repeat">
+      <a:schemeClr val="accent1"/>
+    </dgm:linClrLst>
+    <dgm:effectClrLst/>
+    <dgm:txLinClrLst/>
+    <dgm:txFillClrLst meth="repeat">
+      <a:schemeClr val="dk1"/>
+    </dgm:txFillClrLst>
+    <dgm:txEffectClrLst/>
+  </dgm:styleLbl>
+  <dgm:styleLbl name="fgAcc3">
+    <dgm:fillClrLst meth="repeat">
+      <a:schemeClr val="lt1">
+        <a:alpha val="90000"/>
+      </a:schemeClr>
+    </dgm:fillClrLst>
+    <dgm:linClrLst meth="repeat">
+      <a:schemeClr val="accent1"/>
+    </dgm:linClrLst>
+    <dgm:effectClrLst/>
+    <dgm:txLinClrLst/>
+    <dgm:txFillClrLst meth="repeat">
+      <a:schemeClr val="dk1"/>
+    </dgm:txFillClrLst>
+    <dgm:txEffectClrLst/>
+  </dgm:styleLbl>
+  <dgm:styleLbl name="fgAcc4">
+    <dgm:fillClrLst meth="repeat">
+      <a:schemeClr val="lt1">
+        <a:alpha val="90000"/>
+      </a:schemeClr>
+    </dgm:fillClrLst>
+    <dgm:linClrLst meth="repeat">
+      <a:schemeClr val="accent1"/>
+    </dgm:linClrLst>
+    <dgm:effectClrLst/>
+    <dgm:txLinClrLst/>
+    <dgm:txFillClrLst meth="repeat">
+      <a:schemeClr val="dk1"/>
+    </dgm:txFillClrLst>
+    <dgm:txEffectClrLst/>
+  </dgm:styleLbl>
+  <dgm:styleLbl name="fgAccFollowNode1">
+    <dgm:fillClrLst meth="repeat">
+      <a:schemeClr val="accent1">
+        <a:alpha val="90000"/>
+        <a:tint val="40000"/>
+      </a:schemeClr>
+    </dgm:fillClrLst>
+    <dgm:linClrLst meth="repeat">
+      <a:schemeClr val="accent1">
+        <a:alpha val="90000"/>
+        <a:tint val="40000"/>
+      </a:schemeClr>
+    </dgm:linClrLst>
+    <dgm:effectClrLst/>
+    <dgm:txLinClrLst/>
+    <dgm:txFillClrLst meth="repeat">
+      <a:schemeClr val="dk1"/>
+    </dgm:txFillClrLst>
+    <dgm:txEffectClrLst/>
+  </dgm:styleLbl>
+  <dgm:styleLbl name="fgImgPlace1">
+    <dgm:fillClrLst meth="repeat">
+      <a:schemeClr val="accent1">
+        <a:tint val="50000"/>
+      </a:schemeClr>
+    </dgm:fillClrLst>
+    <dgm:linClrLst meth="repeat">
+      <a:schemeClr val="lt1"/>
     </dgm:linClrLst>
     <dgm:effectClrLst/>
     <dgm:txLinClrLst/>
@@ -490,18 +511,108 @@
     </dgm:txFillClrLst>
     <dgm:txEffectClrLst/>
   </dgm:styleLbl>
-  <dgm:styleLbl name="parChTrans2D4">
+  <dgm:styleLbl name="fgShp">
+    <dgm:fillClrLst meth="repeat">
+      <a:schemeClr val="accent1">
+        <a:tint val="60000"/>
+      </a:schemeClr>
+    </dgm:fillClrLst>
+    <dgm:linClrLst meth="repeat">
+      <a:schemeClr val="lt1"/>
+    </dgm:linClrLst>
+    <dgm:effectClrLst/>
+    <dgm:txLinClrLst/>
+    <dgm:txFillClrLst meth="repeat">
+      <a:schemeClr val="dk1"/>
+    </dgm:txFillClrLst>
+    <dgm:txEffectClrLst/>
+  </dgm:styleLbl>
+  <dgm:styleLbl name="fgSibTrans2D1">
+    <dgm:fillClrLst meth="repeat">
+      <a:schemeClr val="accent1">
+        <a:tint val="60000"/>
+      </a:schemeClr>
+    </dgm:fillClrLst>
+    <dgm:linClrLst meth="repeat">
+      <a:schemeClr val="accent1">
+        <a:tint val="60000"/>
+      </a:schemeClr>
+    </dgm:linClrLst>
+    <dgm:effectClrLst/>
+    <dgm:txLinClrLst/>
+    <dgm:txFillClrLst/>
+    <dgm:txEffectClrLst/>
+  </dgm:styleLbl>
+  <dgm:styleLbl name="lnNode1">
     <dgm:fillClrLst meth="repeat">
       <a:schemeClr val="accent1"/>
     </dgm:fillClrLst>
     <dgm:linClrLst meth="repeat">
-      <a:schemeClr val="accent1"/>
+      <a:schemeClr val="lt1"/>
     </dgm:linClrLst>
     <dgm:effectClrLst/>
     <dgm:txLinClrLst/>
-    <dgm:txFillClrLst meth="repeat">
+    <dgm:txFillClrLst/>
+    <dgm:txEffectClrLst/>
+  </dgm:styleLbl>
+  <dgm:styleLbl name="node0">
+    <dgm:fillClrLst meth="repeat">
+      <a:schemeClr val="accent1"/>
+    </dgm:fillClrLst>
+    <dgm:linClrLst meth="repeat">
       <a:schemeClr val="lt1"/>
-    </dgm:txFillClrLst>
+    </dgm:linClrLst>
+    <dgm:effectClrLst/>
+    <dgm:txLinClrLst/>
+    <dgm:txFillClrLst/>
+    <dgm:txEffectClrLst/>
+  </dgm:styleLbl>
+  <dgm:styleLbl name="node1">
+    <dgm:fillClrLst meth="repeat">
+      <a:schemeClr val="accent1"/>
+    </dgm:fillClrLst>
+    <dgm:linClrLst meth="repeat">
+      <a:schemeClr val="lt1"/>
+    </dgm:linClrLst>
+    <dgm:effectClrLst/>
+    <dgm:txLinClrLst/>
+    <dgm:txFillClrLst/>
+    <dgm:txEffectClrLst/>
+  </dgm:styleLbl>
+  <dgm:styleLbl name="node2">
+    <dgm:fillClrLst meth="repeat">
+      <a:schemeClr val="accent1"/>
+    </dgm:fillClrLst>
+    <dgm:linClrLst meth="repeat">
+      <a:schemeClr val="lt1"/>
+    </dgm:linClrLst>
+    <dgm:effectClrLst/>
+    <dgm:txLinClrLst/>
+    <dgm:txFillClrLst/>
+    <dgm:txEffectClrLst/>
+  </dgm:styleLbl>
+  <dgm:styleLbl name="node3">
+    <dgm:fillClrLst meth="repeat">
+      <a:schemeClr val="accent1"/>
+    </dgm:fillClrLst>
+    <dgm:linClrLst meth="repeat">
+      <a:schemeClr val="lt1"/>
+    </dgm:linClrLst>
+    <dgm:effectClrLst/>
+    <dgm:txLinClrLst/>
+    <dgm:txFillClrLst/>
+    <dgm:txEffectClrLst/>
+  </dgm:styleLbl>
+  <dgm:styleLbl name="node4">
+    <dgm:fillClrLst meth="repeat">
+      <a:schemeClr val="accent1"/>
+    </dgm:fillClrLst>
+    <dgm:linClrLst meth="repeat">
+      <a:schemeClr val="lt1"/>
+    </dgm:linClrLst>
+    <dgm:effectClrLst/>
+    <dgm:txLinClrLst/>
+    <dgm:txFillClrLst/>
     <dgm:txEffectClrLst/>
   </dgm:styleLbl>
   <dgm:styleLbl name="parChTrans1D1">
@@ -568,11 +679,27 @@
     </dgm:txFillClrLst>
     <dgm:txEffectClrLst/>
   </dgm:styleLbl>
-  <dgm:styleLbl name="fgAcc1">
+  <dgm:styleLbl name="parChTrans2D1">
     <dgm:fillClrLst meth="repeat">
-      <a:schemeClr val="lt1">
-        <a:alpha val="90000"/>
+      <a:schemeClr val="accent1">
+        <a:tint val="60000"/>
       </a:schemeClr>
+    </dgm:fillClrLst>
+    <dgm:linClrLst meth="repeat">
+      <a:schemeClr val="accent1">
+        <a:tint val="60000"/>
+      </a:schemeClr>
+    </dgm:linClrLst>
+    <dgm:effectClrLst/>
+    <dgm:txLinClrLst/>
+    <dgm:txFillClrLst meth="repeat">
+      <a:schemeClr val="lt1"/>
+    </dgm:txFillClrLst>
+    <dgm:txEffectClrLst/>
+  </dgm:styleLbl>
+  <dgm:styleLbl name="parChTrans2D2">
+    <dgm:fillClrLst meth="repeat">
+      <a:schemeClr val="accent1"/>
     </dgm:fillClrLst>
     <dgm:linClrLst meth="repeat">
       <a:schemeClr val="accent1"/>
@@ -580,15 +707,13 @@
     <dgm:effectClrLst/>
     <dgm:txLinClrLst/>
     <dgm:txFillClrLst meth="repeat">
-      <a:schemeClr val="dk1"/>
+      <a:schemeClr val="lt1"/>
     </dgm:txFillClrLst>
     <dgm:txEffectClrLst/>
   </dgm:styleLbl>
-  <dgm:styleLbl name="conFgAcc1">
+  <dgm:styleLbl name="parChTrans2D3">
     <dgm:fillClrLst meth="repeat">
-      <a:schemeClr val="lt1">
-        <a:alpha val="90000"/>
-      </a:schemeClr>
+      <a:schemeClr val="accent1"/>
     </dgm:fillClrLst>
     <dgm:linClrLst meth="repeat">
       <a:schemeClr val="accent1"/>
@@ -596,15 +721,13 @@
     <dgm:effectClrLst/>
     <dgm:txLinClrLst/>
     <dgm:txFillClrLst meth="repeat">
-      <a:schemeClr val="dk1"/>
+      <a:schemeClr val="lt1"/>
     </dgm:txFillClrLst>
     <dgm:txEffectClrLst/>
   </dgm:styleLbl>
-  <dgm:styleLbl name="alignAcc1">
+  <dgm:styleLbl name="parChTrans2D4">
     <dgm:fillClrLst meth="repeat">
-      <a:schemeClr val="lt1">
-        <a:alpha val="90000"/>
-      </a:schemeClr>
+      <a:schemeClr val="accent1"/>
     </dgm:fillClrLst>
     <dgm:linClrLst meth="repeat">
       <a:schemeClr val="accent1"/>
@@ -612,15 +735,31 @@
     <dgm:effectClrLst/>
     <dgm:txLinClrLst/>
     <dgm:txFillClrLst meth="repeat">
-      <a:schemeClr val="dk1"/>
+      <a:schemeClr val="lt1"/>
     </dgm:txFillClrLst>
     <dgm:txEffectClrLst/>
   </dgm:styleLbl>
-  <dgm:styleLbl name="trAlignAcc1">
+  <dgm:styleLbl name="revTx">
     <dgm:fillClrLst meth="repeat">
       <a:schemeClr val="lt1">
-        <a:alpha val="40000"/>
+        <a:alpha val="0"/>
       </a:schemeClr>
+    </dgm:fillClrLst>
+    <dgm:linClrLst meth="repeat">
+      <a:schemeClr val="dk1">
+        <a:alpha val="0"/>
+      </a:schemeClr>
+    </dgm:linClrLst>
+    <dgm:effectClrLst/>
+    <dgm:txLinClrLst/>
+    <dgm:txFillClrLst meth="repeat">
+      <a:schemeClr val="tx1"/>
+    </dgm:txFillClrLst>
+    <dgm:txEffectClrLst/>
+  </dgm:styleLbl>
+  <dgm:styleLbl name="sibTrans1D1">
+    <dgm:fillClrLst meth="repeat">
+      <a:schemeClr val="accent1"/>
     </dgm:fillClrLst>
     <dgm:linClrLst meth="repeat">
       <a:schemeClr val="accent1"/>
@@ -628,38 +767,24 @@
     <dgm:effectClrLst/>
     <dgm:txLinClrLst/>
     <dgm:txFillClrLst meth="repeat">
-      <a:schemeClr val="dk1"/>
+      <a:schemeClr val="tx1"/>
     </dgm:txFillClrLst>
     <dgm:txEffectClrLst/>
   </dgm:styleLbl>
-  <dgm:styleLbl name="bgAcc1">
+  <dgm:styleLbl name="sibTrans2D1">
     <dgm:fillClrLst meth="repeat">
-      <a:schemeClr val="lt1">
-        <a:alpha val="90000"/>
+      <a:schemeClr val="accent1">
+        <a:tint val="60000"/>
       </a:schemeClr>
     </dgm:fillClrLst>
     <dgm:linClrLst meth="repeat">
-      <a:schemeClr val="accent1"/>
+      <a:schemeClr val="accent1">
+        <a:tint val="60000"/>
+      </a:schemeClr>
     </dgm:linClrLst>
     <dgm:effectClrLst/>
     <dgm:txLinClrLst/>
-    <dgm:txFillClrLst meth="repeat">
-      <a:schemeClr val="dk1"/>
-    </dgm:txFillClrLst>
-    <dgm:txEffectClrLst/>
-  </dgm:styleLbl>
-  <dgm:styleLbl name="solidFgAcc1">
-    <dgm:fillClrLst meth="repeat">
-      <a:schemeClr val="lt1"/>
-    </dgm:fillClrLst>
-    <dgm:linClrLst meth="repeat">
-      <a:schemeClr val="accent1"/>
-    </dgm:linClrLst>
-    <dgm:effectClrLst/>
-    <dgm:txLinClrLst/>
-    <dgm:txFillClrLst meth="repeat">
-      <a:schemeClr val="dk1"/>
-    </dgm:txFillClrLst>
+    <dgm:txFillClrLst/>
     <dgm:txEffectClrLst/>
   </dgm:styleLbl>
   <dgm:styleLbl name="solidAlignAcc1">
@@ -690,71 +815,9 @@
     </dgm:txFillClrLst>
     <dgm:txEffectClrLst/>
   </dgm:styleLbl>
-  <dgm:styleLbl name="fgAccFollowNode1">
+  <dgm:styleLbl name="solidFgAcc1">
     <dgm:fillClrLst meth="repeat">
-      <a:schemeClr val="accent1">
-        <a:alpha val="90000"/>
-        <a:tint val="40000"/>
-      </a:schemeClr>
-    </dgm:fillClrLst>
-    <dgm:linClrLst meth="repeat">
-      <a:schemeClr val="accent1">
-        <a:alpha val="90000"/>
-        <a:tint val="40000"/>
-      </a:schemeClr>
-    </dgm:linClrLst>
-    <dgm:effectClrLst/>
-    <dgm:txLinClrLst/>
-    <dgm:txFillClrLst meth="repeat">
-      <a:schemeClr val="dk1"/>
-    </dgm:txFillClrLst>
-    <dgm:txEffectClrLst/>
-  </dgm:styleLbl>
-  <dgm:styleLbl name="alignAccFollowNode1">
-    <dgm:fillClrLst meth="repeat">
-      <a:schemeClr val="accent1">
-        <a:alpha val="90000"/>
-        <a:tint val="40000"/>
-      </a:schemeClr>
-    </dgm:fillClrLst>
-    <dgm:linClrLst meth="repeat">
-      <a:schemeClr val="accent1">
-        <a:alpha val="90000"/>
-        <a:tint val="40000"/>
-      </a:schemeClr>
-    </dgm:linClrLst>
-    <dgm:effectClrLst/>
-    <dgm:txLinClrLst/>
-    <dgm:txFillClrLst meth="repeat">
-      <a:schemeClr val="dk1"/>
-    </dgm:txFillClrLst>
-    <dgm:txEffectClrLst/>
-  </dgm:styleLbl>
-  <dgm:styleLbl name="bgAccFollowNode1">
-    <dgm:fillClrLst meth="repeat">
-      <a:schemeClr val="accent1">
-        <a:alpha val="90000"/>
-        <a:tint val="40000"/>
-      </a:schemeClr>
-    </dgm:fillClrLst>
-    <dgm:linClrLst meth="repeat">
-      <a:schemeClr val="accent1">
-        <a:alpha val="90000"/>
-        <a:tint val="40000"/>
-      </a:schemeClr>
-    </dgm:linClrLst>
-    <dgm:effectClrLst/>
-    <dgm:txLinClrLst/>
-    <dgm:txFillClrLst meth="repeat">
-      <a:schemeClr val="dk1"/>
-    </dgm:txFillClrLst>
-    <dgm:txEffectClrLst/>
-  </dgm:styleLbl>
-  <dgm:styleLbl name="fgAcc0">
-    <dgm:fillClrLst meth="repeat">
-      <a:schemeClr val="lt1">
-        <a:alpha val="90000"/>
-      </a:schemeClr>
+      <a:schemeClr val="lt1"/>
     </dgm:fillClrLst>
     <dgm:linClrLst meth="repeat">
       <a:schemeClr val="accent1"/>
@@ -766,10 +829,10 @@
     </dgm:txFillClrLst>
     <dgm:txEffectClrLst/>
   </dgm:styleLbl>
-  <dgm:styleLbl name="fgAcc2">
+  <dgm:styleLbl name="trAlignAcc1">
     <dgm:fillClrLst meth="repeat">
       <a:schemeClr val="lt1">
-        <a:alpha val="90000"/>
+        <a:alpha val="40000"/>
       </a:schemeClr>
     </dgm:fillClrLst>
     <dgm:linClrLst meth="repeat">
@@ -779,70 +842,6 @@
     <dgm:txLinClrLst/>
     <dgm:txFillClrLst meth="repeat">
       <a:schemeClr val="dk1"/>
-    </dgm:txFillClrLst>
-    <dgm:txEffectClrLst/>
-  </dgm:styleLbl>
-  <dgm:styleLbl name="fgAcc3">
-    <dgm:fillClrLst meth="repeat">
-      <a:schemeClr val="lt1">
-        <a:alpha val="90000"/>
-      </a:schemeClr>
-    </dgm:fillClrLst>
-    <dgm:linClrLst meth="repeat">
-      <a:schemeClr val="accent1"/>
-    </dgm:linClrLst>
-    <dgm:effectClrLst/>
-    <dgm:txLinClrLst/>
-    <dgm:txFillClrLst meth="repeat">
-      <a:schemeClr val="dk1"/>
-    </dgm:txFillClrLst>
-    <dgm:txEffectClrLst/>
-  </dgm:styleLbl>
-  <dgm:styleLbl name="fgAcc4">
-    <dgm:fillClrLst meth="repeat">
-      <a:schemeClr val="lt1">
-        <a:alpha val="90000"/>
-      </a:schemeClr>
-    </dgm:fillClrLst>
-    <dgm:linClrLst meth="repeat">
-      <a:schemeClr val="accent1"/>
-    </dgm:linClrLst>
-    <dgm:effectClrLst/>
-    <dgm:txLinClrLst/>
-    <dgm:txFillClrLst meth="repeat">
-      <a:schemeClr val="dk1"/>
-    </dgm:txFillClrLst>
-    <dgm:txEffectClrLst/>
-  </dgm:styleLbl>
-  <dgm:styleLbl name="bgShp">
-    <dgm:fillClrLst meth="repeat">
-      <a:schemeClr val="accent1">
-        <a:tint val="40000"/>
-      </a:schemeClr>
-    </dgm:fillClrLst>
-    <dgm:linClrLst meth="repeat">
-      <a:schemeClr val="accent1"/>
-    </dgm:linClrLst>
-    <dgm:effectClrLst/>
-    <dgm:txLinClrLst/>
-    <dgm:txFillClrLst meth="repeat">
-      <a:schemeClr val="dk1"/>
-    </dgm:txFillClrLst>
-    <dgm:txEffectClrLst/>
-  </dgm:styleLbl>
-  <dgm:styleLbl name="dkBgShp">
-    <dgm:fillClrLst meth="repeat">
-      <a:schemeClr val="accent1">
-        <a:shade val="80000"/>
-      </a:schemeClr>
-    </dgm:fillClrLst>
-    <dgm:linClrLst meth="repeat">
-      <a:schemeClr val="accent1"/>
-    </dgm:linClrLst>
-    <dgm:effectClrLst/>
-    <dgm:txLinClrLst/>
-    <dgm:txFillClrLst meth="repeat">
-      <a:schemeClr val="lt1"/>
     </dgm:txFillClrLst>
     <dgm:txEffectClrLst/>
   </dgm:styleLbl>
@@ -863,10 +862,10 @@
     </dgm:txFillClrLst>
     <dgm:txEffectClrLst/>
   </dgm:styleLbl>
-  <dgm:styleLbl name="fgShp">
+  <dgm:styleLbl name="vennNode1">
     <dgm:fillClrLst meth="repeat">
       <a:schemeClr val="accent1">
-        <a:tint val="60000"/>
+        <a:alpha val="50000"/>
       </a:schemeClr>
     </dgm:fillClrLst>
     <dgm:linClrLst meth="repeat">
@@ -874,27 +873,7 @@
     </dgm:linClrLst>
     <dgm:effectClrLst/>
     <dgm:txLinClrLst/>
-    <dgm:txFillClrLst meth="repeat">
-      <a:schemeClr val="dk1"/>
-    </dgm:txFillClrLst>
-    <dgm:txEffectClrLst/>
-  </dgm:styleLbl>
-  <dgm:styleLbl name="revTx">
-    <dgm:fillClrLst meth="repeat">
-      <a:schemeClr val="lt1">
-        <a:alpha val="0"/>
-      </a:schemeClr>
-    </dgm:fillClrLst>
-    <dgm:linClrLst meth="repeat">
-      <a:schemeClr val="dk1">
-        <a:alpha val="0"/>
-      </a:schemeClr>
-    </dgm:linClrLst>
-    <dgm:effectClrLst/>
-    <dgm:txLinClrLst/>
-    <dgm:txFillClrLst meth="repeat">
-      <a:schemeClr val="tx1"/>
-    </dgm:txFillClrLst>
+    <dgm:txFillClrLst/>
     <dgm:txEffectClrLst/>
   </dgm:styleLbl>
 </dgm:colorsDef>
@@ -927,16 +906,8 @@
           </a:r>
         </a:p>
       </dgm:t>
-      <dgm:extLst>
-        <a:ext uri="{E40237B7-FDA0-4F09-8148-C483321AD2D9}">
-          <dgm14:cNvPr xmlns:dgm14="http://schemas.microsoft.com/office/drawing/2010/diagram" id="0" name="">
-            <a:hlinkClick xmlns:r="http://schemas.openxmlformats.org/officeDocument/2006/relationships" r:id="rId1" action="ppaction://hlinksldjump"/>
-            <a:hlinkHover xmlns:r="http://schemas.openxmlformats.org/officeDocument/2006/relationships" r:id="" action="ppaction://noaction" highlightClick="1"/>
-          </dgm14:cNvPr>
-        </a:ext>
-      </dgm:extLst>
     </dgm:pt>
-    <dgm:pt modelId="{9A416136-352D-4EC9-864E-38F335625169}" type="parTrans" cxnId="{6E506C43-DD8E-42B6-BC1D-8D8D96324A1D}">
+    <dgm:pt modelId="{9A416136-352D-4EC9-864E-38F335625169}" cxnId="{6E506C43-DD8E-42B6-BC1D-8D8D96324A1D}" type="parTrans">
       <dgm:prSet/>
       <dgm:spPr/>
       <dgm:t>
@@ -947,7 +918,7 @@
         </a:p>
       </dgm:t>
     </dgm:pt>
-    <dgm:pt modelId="{2ACE7DB7-4B1F-43C7-9441-681E09FA12FC}" type="sibTrans" cxnId="{6E506C43-DD8E-42B6-BC1D-8D8D96324A1D}">
+    <dgm:pt modelId="{2ACE7DB7-4B1F-43C7-9441-681E09FA12FC}" cxnId="{6E506C43-DD8E-42B6-BC1D-8D8D96324A1D}" type="sibTrans">
       <dgm:prSet/>
       <dgm:spPr/>
       <dgm:t>
@@ -971,16 +942,8 @@
           </a:r>
         </a:p>
       </dgm:t>
-      <dgm:extLst>
-        <a:ext uri="{E40237B7-FDA0-4F09-8148-C483321AD2D9}">
-          <dgm14:cNvPr xmlns:dgm14="http://schemas.microsoft.com/office/drawing/2010/diagram" id="0" name="">
-            <a:hlinkClick xmlns:r="http://schemas.openxmlformats.org/officeDocument/2006/relationships" r:id="rId2" action="ppaction://hlinksldjump"/>
-            <a:hlinkHover xmlns:r="http://schemas.openxmlformats.org/officeDocument/2006/relationships" r:id="" action="ppaction://noaction" highlightClick="1"/>
-          </dgm14:cNvPr>
-        </a:ext>
-      </dgm:extLst>
     </dgm:pt>
-    <dgm:pt modelId="{BBB106A9-D488-4971-8CDF-418CFAEEFAC2}" type="parTrans" cxnId="{335F7783-C302-434B-9E8C-1FA966C6740D}">
+    <dgm:pt modelId="{BBB106A9-D488-4971-8CDF-418CFAEEFAC2}" cxnId="{335F7783-C302-434B-9E8C-1FA966C6740D}" type="parTrans">
       <dgm:prSet/>
       <dgm:spPr/>
       <dgm:t>
@@ -991,7 +954,7 @@
         </a:p>
       </dgm:t>
     </dgm:pt>
-    <dgm:pt modelId="{2FA8F02D-C8F8-46B5-8CCA-C4560C3EF317}" type="sibTrans" cxnId="{335F7783-C302-434B-9E8C-1FA966C6740D}">
+    <dgm:pt modelId="{2FA8F02D-C8F8-46B5-8CCA-C4560C3EF317}" cxnId="{335F7783-C302-434B-9E8C-1FA966C6740D}" type="sibTrans">
       <dgm:prSet/>
       <dgm:spPr/>
       <dgm:t>
@@ -1015,16 +978,8 @@
           </a:r>
         </a:p>
       </dgm:t>
-      <dgm:extLst>
-        <a:ext uri="{E40237B7-FDA0-4F09-8148-C483321AD2D9}">
-          <dgm14:cNvPr xmlns:dgm14="http://schemas.microsoft.com/office/drawing/2010/diagram" id="0" name="">
-            <a:hlinkClick xmlns:r="http://schemas.openxmlformats.org/officeDocument/2006/relationships" r:id="rId3" action="ppaction://hlinksldjump"/>
-            <a:hlinkHover xmlns:r="http://schemas.openxmlformats.org/officeDocument/2006/relationships" r:id="" action="ppaction://noaction" highlightClick="1"/>
-          </dgm14:cNvPr>
-        </a:ext>
-      </dgm:extLst>
     </dgm:pt>
-    <dgm:pt modelId="{6E55E7CA-27B6-4E8B-80E4-8DBD641B8B6F}" type="parTrans" cxnId="{15D2A371-934A-4221-85B0-6E8BB6DE9A6A}">
+    <dgm:pt modelId="{6E55E7CA-27B6-4E8B-80E4-8DBD641B8B6F}" cxnId="{15D2A371-934A-4221-85B0-6E8BB6DE9A6A}" type="parTrans">
       <dgm:prSet/>
       <dgm:spPr/>
       <dgm:t>
@@ -1035,7 +990,7 @@
         </a:p>
       </dgm:t>
     </dgm:pt>
-    <dgm:pt modelId="{4BF2F8F5-94BD-45A7-88B2-32546B43CBC0}" type="sibTrans" cxnId="{15D2A371-934A-4221-85B0-6E8BB6DE9A6A}">
+    <dgm:pt modelId="{4BF2F8F5-94BD-45A7-88B2-32546B43CBC0}" cxnId="{15D2A371-934A-4221-85B0-6E8BB6DE9A6A}" type="sibTrans">
       <dgm:prSet/>
       <dgm:spPr/>
       <dgm:t>
@@ -1059,16 +1014,8 @@
           </a:r>
         </a:p>
       </dgm:t>
-      <dgm:extLst>
-        <a:ext uri="{E40237B7-FDA0-4F09-8148-C483321AD2D9}">
-          <dgm14:cNvPr xmlns:dgm14="http://schemas.microsoft.com/office/drawing/2010/diagram" id="0" name="">
-            <a:hlinkClick xmlns:r="http://schemas.openxmlformats.org/officeDocument/2006/relationships" r:id="rId4" action="ppaction://hlinksldjump"/>
-            <a:hlinkHover xmlns:r="http://schemas.openxmlformats.org/officeDocument/2006/relationships" r:id="" action="ppaction://noaction" highlightClick="1"/>
-          </dgm14:cNvPr>
-        </a:ext>
-      </dgm:extLst>
     </dgm:pt>
-    <dgm:pt modelId="{2AD66A16-898E-4D9C-B15D-BF088262FEE9}" type="parTrans" cxnId="{70B23728-D8B7-4DB3-95B6-F4FFC56BD726}">
+    <dgm:pt modelId="{2AD66A16-898E-4D9C-B15D-BF088262FEE9}" cxnId="{70B23728-D8B7-4DB3-95B6-F4FFC56BD726}" type="parTrans">
       <dgm:prSet/>
       <dgm:spPr/>
       <dgm:t>
@@ -1079,7 +1026,7 @@
         </a:p>
       </dgm:t>
     </dgm:pt>
-    <dgm:pt modelId="{08FD2AE7-D954-4D5C-AFFC-4E2200C280F7}" type="sibTrans" cxnId="{70B23728-D8B7-4DB3-95B6-F4FFC56BD726}">
+    <dgm:pt modelId="{08FD2AE7-D954-4D5C-AFFC-4E2200C280F7}" cxnId="{70B23728-D8B7-4DB3-95B6-F4FFC56BD726}" type="sibTrans">
       <dgm:prSet/>
       <dgm:spPr/>
       <dgm:t>
@@ -1104,7 +1051,7 @@
         </a:p>
       </dgm:t>
     </dgm:pt>
-    <dgm:pt modelId="{24F760AA-49FE-4EEF-A108-715F04432CAB}" type="parTrans" cxnId="{13A207E3-9270-4CB1-AD47-7A4FB0C97EC2}">
+    <dgm:pt modelId="{24F760AA-49FE-4EEF-A108-715F04432CAB}" cxnId="{13A207E3-9270-4CB1-AD47-7A4FB0C97EC2}" type="parTrans">
       <dgm:prSet/>
       <dgm:spPr/>
       <dgm:t>
@@ -1115,7 +1062,7 @@
         </a:p>
       </dgm:t>
     </dgm:pt>
-    <dgm:pt modelId="{B04E1A1F-2A1C-4057-BFF0-013CA6F514E2}" type="sibTrans" cxnId="{13A207E3-9270-4CB1-AD47-7A4FB0C97EC2}">
+    <dgm:pt modelId="{B04E1A1F-2A1C-4057-BFF0-013CA6F514E2}" cxnId="{13A207E3-9270-4CB1-AD47-7A4FB0C97EC2}" type="sibTrans">
       <dgm:prSet/>
       <dgm:spPr/>
       <dgm:t>
@@ -1140,7 +1087,7 @@
         </a:p>
       </dgm:t>
     </dgm:pt>
-    <dgm:pt modelId="{A3D4E408-C551-41FC-A961-4AB3971D4896}" type="parTrans" cxnId="{B5C99F30-D239-4A58-8CD9-158E67F5894B}">
+    <dgm:pt modelId="{A3D4E408-C551-41FC-A961-4AB3971D4896}" cxnId="{B5C99F30-D239-4A58-8CD9-158E67F5894B}" type="parTrans">
       <dgm:prSet/>
       <dgm:spPr/>
       <dgm:t>
@@ -1151,7 +1098,7 @@
         </a:p>
       </dgm:t>
     </dgm:pt>
-    <dgm:pt modelId="{C825E22E-20E2-401C-954A-C08DA2342214}" type="sibTrans" cxnId="{B5C99F30-D239-4A58-8CD9-158E67F5894B}">
+    <dgm:pt modelId="{C825E22E-20E2-401C-954A-C08DA2342214}" cxnId="{B5C99F30-D239-4A58-8CD9-158E67F5894B}" type="sibTrans">
       <dgm:prSet/>
       <dgm:spPr/>
       <dgm:t>
@@ -1276,7 +1223,7 @@
   <dgm:whole/>
   <dgm:extLst>
     <a:ext uri="http://schemas.microsoft.com/office/drawing/2008/diagram">
-      <dsp:dataModelExt xmlns:dsp="http://schemas.microsoft.com/office/drawing/2008/diagram" relId="rId8" minVer="http://schemas.openxmlformats.org/drawingml/2006/diagram"/>
+      <dsp:dataModelExt xmlns:dsp="http://schemas.microsoft.com/office/drawing/2008/diagram" relId="rId7" minVer="http://schemas.openxmlformats.org/drawingml/2006/diagram"/>
     </a:ext>
   </dgm:extLst>
 </dgm:dataModel>
@@ -1888,8 +1835,8 @@
               <dgm:bulletEnabled val="1"/>
             </dgm:varLst>
             <dgm:alg type="tx">
+              <dgm:param type="lnSpAfChP" val="20"/>
               <dgm:param type="stBulletLvl" val="1"/>
-              <dgm:param type="lnSpAfChP" val="20"/>
             </dgm:alg>
             <dgm:shape xmlns:r="http://schemas.openxmlformats.org/officeDocument/2006/relationships" type="rect" r:blip="">
               <dgm:adjLst/>
@@ -1940,15 +1887,503 @@
     <a:camera prst="orthographicFront"/>
     <a:lightRig rig="threePt" dir="t"/>
   </dgm:scene3d>
-  <dgm:styleLbl name="node0">
+  <dgm:styleLbl name="alignAcc1">
     <dgm:scene3d>
       <a:camera prst="orthographicFront"/>
       <a:lightRig rig="threePt" dir="t"/>
     </dgm:scene3d>
-    <dgm:sp3d/>
     <dgm:txPr/>
     <dgm:style>
       <a:lnRef idx="2">
+        <a:scrgbClr r="0" g="0" b="0"/>
+      </a:lnRef>
+      <a:fillRef idx="1">
+        <a:scrgbClr r="0" g="0" b="0"/>
+      </a:fillRef>
+      <a:effectRef idx="0">
+        <a:scrgbClr r="0" g="0" b="0"/>
+      </a:effectRef>
+      <a:fontRef idx="minor"/>
+    </dgm:style>
+  </dgm:styleLbl>
+  <dgm:styleLbl name="alignAccFollowNode1">
+    <dgm:scene3d>
+      <a:camera prst="orthographicFront"/>
+      <a:lightRig rig="threePt" dir="t"/>
+    </dgm:scene3d>
+    <dgm:txPr/>
+    <dgm:style>
+      <a:lnRef idx="2">
+        <a:scrgbClr r="0" g="0" b="0"/>
+      </a:lnRef>
+      <a:fillRef idx="1">
+        <a:scrgbClr r="0" g="0" b="0"/>
+      </a:fillRef>
+      <a:effectRef idx="0">
+        <a:scrgbClr r="0" g="0" b="0"/>
+      </a:effectRef>
+      <a:fontRef idx="minor"/>
+    </dgm:style>
+  </dgm:styleLbl>
+  <dgm:styleLbl name="alignImgPlace1">
+    <dgm:scene3d>
+      <a:camera prst="orthographicFront"/>
+      <a:lightRig rig="threePt" dir="t"/>
+    </dgm:scene3d>
+    <dgm:txPr/>
+    <dgm:style>
+      <a:lnRef idx="2">
+        <a:scrgbClr r="0" g="0" b="0"/>
+      </a:lnRef>
+      <a:fillRef idx="1">
+        <a:scrgbClr r="0" g="0" b="0"/>
+      </a:fillRef>
+      <a:effectRef idx="0">
+        <a:scrgbClr r="0" g="0" b="0"/>
+      </a:effectRef>
+      <a:fontRef idx="minor"/>
+    </dgm:style>
+  </dgm:styleLbl>
+  <dgm:styleLbl name="alignNode1">
+    <dgm:scene3d>
+      <a:camera prst="orthographicFront"/>
+      <a:lightRig rig="threePt" dir="t"/>
+    </dgm:scene3d>
+    <dgm:txPr/>
+    <dgm:style>
+      <a:lnRef idx="2">
+        <a:scrgbClr r="0" g="0" b="0"/>
+      </a:lnRef>
+      <a:fillRef idx="1">
+        <a:scrgbClr r="0" g="0" b="0"/>
+      </a:fillRef>
+      <a:effectRef idx="0">
+        <a:scrgbClr r="0" g="0" b="0"/>
+      </a:effectRef>
+      <a:fontRef idx="minor">
+        <a:schemeClr val="lt1"/>
+      </a:fontRef>
+    </dgm:style>
+  </dgm:styleLbl>
+  <dgm:styleLbl name="asst0">
+    <dgm:scene3d>
+      <a:camera prst="orthographicFront"/>
+      <a:lightRig rig="threePt" dir="t"/>
+    </dgm:scene3d>
+    <dgm:txPr/>
+    <dgm:style>
+      <a:lnRef idx="2">
+        <a:scrgbClr r="0" g="0" b="0"/>
+      </a:lnRef>
+      <a:fillRef idx="1">
+        <a:scrgbClr r="0" g="0" b="0"/>
+      </a:fillRef>
+      <a:effectRef idx="0">
+        <a:scrgbClr r="0" g="0" b="0"/>
+      </a:effectRef>
+      <a:fontRef idx="minor">
+        <a:schemeClr val="lt1"/>
+      </a:fontRef>
+    </dgm:style>
+  </dgm:styleLbl>
+  <dgm:styleLbl name="asst1">
+    <dgm:scene3d>
+      <a:camera prst="orthographicFront"/>
+      <a:lightRig rig="threePt" dir="t"/>
+    </dgm:scene3d>
+    <dgm:txPr/>
+    <dgm:style>
+      <a:lnRef idx="2">
+        <a:scrgbClr r="0" g="0" b="0"/>
+      </a:lnRef>
+      <a:fillRef idx="1">
+        <a:scrgbClr r="0" g="0" b="0"/>
+      </a:fillRef>
+      <a:effectRef idx="0">
+        <a:scrgbClr r="0" g="0" b="0"/>
+      </a:effectRef>
+      <a:fontRef idx="minor">
+        <a:schemeClr val="lt1"/>
+      </a:fontRef>
+    </dgm:style>
+  </dgm:styleLbl>
+  <dgm:styleLbl name="asst2">
+    <dgm:scene3d>
+      <a:camera prst="orthographicFront"/>
+      <a:lightRig rig="threePt" dir="t"/>
+    </dgm:scene3d>
+    <dgm:txPr/>
+    <dgm:style>
+      <a:lnRef idx="2">
+        <a:scrgbClr r="0" g="0" b="0"/>
+      </a:lnRef>
+      <a:fillRef idx="1">
+        <a:scrgbClr r="0" g="0" b="0"/>
+      </a:fillRef>
+      <a:effectRef idx="0">
+        <a:scrgbClr r="0" g="0" b="0"/>
+      </a:effectRef>
+      <a:fontRef idx="minor">
+        <a:schemeClr val="lt1"/>
+      </a:fontRef>
+    </dgm:style>
+  </dgm:styleLbl>
+  <dgm:styleLbl name="asst3">
+    <dgm:scene3d>
+      <a:camera prst="orthographicFront"/>
+      <a:lightRig rig="threePt" dir="t"/>
+    </dgm:scene3d>
+    <dgm:txPr/>
+    <dgm:style>
+      <a:lnRef idx="2">
+        <a:scrgbClr r="0" g="0" b="0"/>
+      </a:lnRef>
+      <a:fillRef idx="1">
+        <a:scrgbClr r="0" g="0" b="0"/>
+      </a:fillRef>
+      <a:effectRef idx="0">
+        <a:scrgbClr r="0" g="0" b="0"/>
+      </a:effectRef>
+      <a:fontRef idx="minor">
+        <a:schemeClr val="lt1"/>
+      </a:fontRef>
+    </dgm:style>
+  </dgm:styleLbl>
+  <dgm:styleLbl name="asst4">
+    <dgm:scene3d>
+      <a:camera prst="orthographicFront"/>
+      <a:lightRig rig="threePt" dir="t"/>
+    </dgm:scene3d>
+    <dgm:txPr/>
+    <dgm:style>
+      <a:lnRef idx="2">
+        <a:scrgbClr r="0" g="0" b="0"/>
+      </a:lnRef>
+      <a:fillRef idx="1">
+        <a:scrgbClr r="0" g="0" b="0"/>
+      </a:fillRef>
+      <a:effectRef idx="0">
+        <a:scrgbClr r="0" g="0" b="0"/>
+      </a:effectRef>
+      <a:fontRef idx="minor">
+        <a:schemeClr val="lt1"/>
+      </a:fontRef>
+    </dgm:style>
+  </dgm:styleLbl>
+  <dgm:styleLbl name="bgAcc1">
+    <dgm:scene3d>
+      <a:camera prst="orthographicFront"/>
+      <a:lightRig rig="threePt" dir="t"/>
+    </dgm:scene3d>
+    <dgm:txPr/>
+    <dgm:style>
+      <a:lnRef idx="2">
+        <a:scrgbClr r="0" g="0" b="0"/>
+      </a:lnRef>
+      <a:fillRef idx="1">
+        <a:scrgbClr r="0" g="0" b="0"/>
+      </a:fillRef>
+      <a:effectRef idx="0">
+        <a:scrgbClr r="0" g="0" b="0"/>
+      </a:effectRef>
+      <a:fontRef idx="minor"/>
+    </dgm:style>
+  </dgm:styleLbl>
+  <dgm:styleLbl name="bgAccFollowNode1">
+    <dgm:scene3d>
+      <a:camera prst="orthographicFront"/>
+      <a:lightRig rig="threePt" dir="t"/>
+    </dgm:scene3d>
+    <dgm:txPr/>
+    <dgm:style>
+      <a:lnRef idx="2">
+        <a:scrgbClr r="0" g="0" b="0"/>
+      </a:lnRef>
+      <a:fillRef idx="1">
+        <a:scrgbClr r="0" g="0" b="0"/>
+      </a:fillRef>
+      <a:effectRef idx="0">
+        <a:scrgbClr r="0" g="0" b="0"/>
+      </a:effectRef>
+      <a:fontRef idx="minor"/>
+    </dgm:style>
+  </dgm:styleLbl>
+  <dgm:styleLbl name="bgImgPlace1">
+    <dgm:scene3d>
+      <a:camera prst="orthographicFront"/>
+      <a:lightRig rig="threePt" dir="t"/>
+    </dgm:scene3d>
+    <dgm:txPr/>
+    <dgm:style>
+      <a:lnRef idx="2">
+        <a:scrgbClr r="0" g="0" b="0"/>
+      </a:lnRef>
+      <a:fillRef idx="1">
+        <a:scrgbClr r="0" g="0" b="0"/>
+      </a:fillRef>
+      <a:effectRef idx="0">
+        <a:scrgbClr r="0" g="0" b="0"/>
+      </a:effectRef>
+      <a:fontRef idx="minor"/>
+    </dgm:style>
+  </dgm:styleLbl>
+  <dgm:styleLbl name="bgShp">
+    <dgm:scene3d>
+      <a:camera prst="orthographicFront"/>
+      <a:lightRig rig="threePt" dir="t"/>
+    </dgm:scene3d>
+    <dgm:txPr/>
+    <dgm:style>
+      <a:lnRef idx="0">
+        <a:scrgbClr r="0" g="0" b="0"/>
+      </a:lnRef>
+      <a:fillRef idx="1">
+        <a:scrgbClr r="0" g="0" b="0"/>
+      </a:fillRef>
+      <a:effectRef idx="0">
+        <a:scrgbClr r="0" g="0" b="0"/>
+      </a:effectRef>
+      <a:fontRef idx="minor"/>
+    </dgm:style>
+  </dgm:styleLbl>
+  <dgm:styleLbl name="bgSibTrans2D1">
+    <dgm:scene3d>
+      <a:camera prst="orthographicFront"/>
+      <a:lightRig rig="threePt" dir="t"/>
+    </dgm:scene3d>
+    <dgm:txPr/>
+    <dgm:style>
+      <a:lnRef idx="0">
+        <a:scrgbClr r="0" g="0" b="0"/>
+      </a:lnRef>
+      <a:fillRef idx="1">
+        <a:scrgbClr r="0" g="0" b="0"/>
+      </a:fillRef>
+      <a:effectRef idx="0">
+        <a:scrgbClr r="0" g="0" b="0"/>
+      </a:effectRef>
+      <a:fontRef idx="minor">
+        <a:schemeClr val="lt1"/>
+      </a:fontRef>
+    </dgm:style>
+  </dgm:styleLbl>
+  <dgm:styleLbl name="callout">
+    <dgm:scene3d>
+      <a:camera prst="orthographicFront"/>
+      <a:lightRig rig="threePt" dir="t"/>
+    </dgm:scene3d>
+    <dgm:txPr/>
+    <dgm:style>
+      <a:lnRef idx="2">
+        <a:scrgbClr r="0" g="0" b="0"/>
+      </a:lnRef>
+      <a:fillRef idx="1">
+        <a:scrgbClr r="0" g="0" b="0"/>
+      </a:fillRef>
+      <a:effectRef idx="0">
+        <a:scrgbClr r="0" g="0" b="0"/>
+      </a:effectRef>
+      <a:fontRef idx="minor"/>
+    </dgm:style>
+  </dgm:styleLbl>
+  <dgm:styleLbl name="conFgAcc1">
+    <dgm:scene3d>
+      <a:camera prst="orthographicFront"/>
+      <a:lightRig rig="threePt" dir="t"/>
+    </dgm:scene3d>
+    <dgm:txPr/>
+    <dgm:style>
+      <a:lnRef idx="2">
+        <a:scrgbClr r="0" g="0" b="0"/>
+      </a:lnRef>
+      <a:fillRef idx="1">
+        <a:scrgbClr r="0" g="0" b="0"/>
+      </a:fillRef>
+      <a:effectRef idx="0">
+        <a:scrgbClr r="0" g="0" b="0"/>
+      </a:effectRef>
+      <a:fontRef idx="minor"/>
+    </dgm:style>
+  </dgm:styleLbl>
+  <dgm:styleLbl name="dkBgShp">
+    <dgm:scene3d>
+      <a:camera prst="orthographicFront"/>
+      <a:lightRig rig="threePt" dir="t"/>
+    </dgm:scene3d>
+    <dgm:txPr/>
+    <dgm:style>
+      <a:lnRef idx="0">
+        <a:scrgbClr r="0" g="0" b="0"/>
+      </a:lnRef>
+      <a:fillRef idx="1">
+        <a:scrgbClr r="0" g="0" b="0"/>
+      </a:fillRef>
+      <a:effectRef idx="0">
+        <a:scrgbClr r="0" g="0" b="0"/>
+      </a:effectRef>
+      <a:fontRef idx="minor"/>
+    </dgm:style>
+  </dgm:styleLbl>
+  <dgm:styleLbl name="fgAcc0">
+    <dgm:scene3d>
+      <a:camera prst="orthographicFront"/>
+      <a:lightRig rig="threePt" dir="t"/>
+    </dgm:scene3d>
+    <dgm:txPr/>
+    <dgm:style>
+      <a:lnRef idx="2">
+        <a:scrgbClr r="0" g="0" b="0"/>
+      </a:lnRef>
+      <a:fillRef idx="1">
+        <a:scrgbClr r="0" g="0" b="0"/>
+      </a:fillRef>
+      <a:effectRef idx="0">
+        <a:scrgbClr r="0" g="0" b="0"/>
+      </a:effectRef>
+      <a:fontRef idx="minor"/>
+    </dgm:style>
+  </dgm:styleLbl>
+  <dgm:styleLbl name="fgAcc1">
+    <dgm:scene3d>
+      <a:camera prst="orthographicFront"/>
+      <a:lightRig rig="threePt" dir="t"/>
+    </dgm:scene3d>
+    <dgm:txPr/>
+    <dgm:style>
+      <a:lnRef idx="2">
+        <a:scrgbClr r="0" g="0" b="0"/>
+      </a:lnRef>
+      <a:fillRef idx="1">
+        <a:scrgbClr r="0" g="0" b="0"/>
+      </a:fillRef>
+      <a:effectRef idx="0">
+        <a:scrgbClr r="0" g="0" b="0"/>
+      </a:effectRef>
+      <a:fontRef idx="minor"/>
+    </dgm:style>
+  </dgm:styleLbl>
+  <dgm:styleLbl name="fgAcc2">
+    <dgm:scene3d>
+      <a:camera prst="orthographicFront"/>
+      <a:lightRig rig="threePt" dir="t"/>
+    </dgm:scene3d>
+    <dgm:txPr/>
+    <dgm:style>
+      <a:lnRef idx="2">
+        <a:scrgbClr r="0" g="0" b="0"/>
+      </a:lnRef>
+      <a:fillRef idx="1">
+        <a:scrgbClr r="0" g="0" b="0"/>
+      </a:fillRef>
+      <a:effectRef idx="0">
+        <a:scrgbClr r="0" g="0" b="0"/>
+      </a:effectRef>
+      <a:fontRef idx="minor"/>
+    </dgm:style>
+  </dgm:styleLbl>
+  <dgm:styleLbl name="fgAcc3">
+    <dgm:scene3d>
+      <a:camera prst="orthographicFront"/>
+      <a:lightRig rig="threePt" dir="t"/>
+    </dgm:scene3d>
+    <dgm:txPr/>
+    <dgm:style>
+      <a:lnRef idx="2">
+        <a:scrgbClr r="0" g="0" b="0"/>
+      </a:lnRef>
+      <a:fillRef idx="1">
+        <a:scrgbClr r="0" g="0" b="0"/>
+      </a:fillRef>
+      <a:effectRef idx="0">
+        <a:scrgbClr r="0" g="0" b="0"/>
+      </a:effectRef>
+      <a:fontRef idx="minor"/>
+    </dgm:style>
+  </dgm:styleLbl>
+  <dgm:styleLbl name="fgAcc4">
+    <dgm:scene3d>
+      <a:camera prst="orthographicFront"/>
+      <a:lightRig rig="threePt" dir="t"/>
+    </dgm:scene3d>
+    <dgm:txPr/>
+    <dgm:style>
+      <a:lnRef idx="2">
+        <a:scrgbClr r="0" g="0" b="0"/>
+      </a:lnRef>
+      <a:fillRef idx="1">
+        <a:scrgbClr r="0" g="0" b="0"/>
+      </a:fillRef>
+      <a:effectRef idx="0">
+        <a:scrgbClr r="0" g="0" b="0"/>
+      </a:effectRef>
+      <a:fontRef idx="minor"/>
+    </dgm:style>
+  </dgm:styleLbl>
+  <dgm:styleLbl name="fgAccFollowNode1">
+    <dgm:scene3d>
+      <a:camera prst="orthographicFront"/>
+      <a:lightRig rig="threePt" dir="t"/>
+    </dgm:scene3d>
+    <dgm:txPr/>
+    <dgm:style>
+      <a:lnRef idx="2">
+        <a:scrgbClr r="0" g="0" b="0"/>
+      </a:lnRef>
+      <a:fillRef idx="1">
+        <a:scrgbClr r="0" g="0" b="0"/>
+      </a:fillRef>
+      <a:effectRef idx="0">
+        <a:scrgbClr r="0" g="0" b="0"/>
+      </a:effectRef>
+      <a:fontRef idx="minor"/>
+    </dgm:style>
+  </dgm:styleLbl>
+  <dgm:styleLbl name="fgImgPlace1">
+    <dgm:scene3d>
+      <a:camera prst="orthographicFront"/>
+      <a:lightRig rig="threePt" dir="t"/>
+    </dgm:scene3d>
+    <dgm:txPr/>
+    <dgm:style>
+      <a:lnRef idx="2">
+        <a:scrgbClr r="0" g="0" b="0"/>
+      </a:lnRef>
+      <a:fillRef idx="1">
+        <a:scrgbClr r="0" g="0" b="0"/>
+      </a:fillRef>
+      <a:effectRef idx="0">
+        <a:scrgbClr r="0" g="0" b="0"/>
+      </a:effectRef>
+      <a:fontRef idx="minor"/>
+    </dgm:style>
+  </dgm:styleLbl>
+  <dgm:styleLbl name="fgShp">
+    <dgm:scene3d>
+      <a:camera prst="orthographicFront"/>
+      <a:lightRig rig="threePt" dir="t"/>
+    </dgm:scene3d>
+    <dgm:txPr/>
+    <dgm:style>
+      <a:lnRef idx="2">
+        <a:scrgbClr r="0" g="0" b="0"/>
+      </a:lnRef>
+      <a:fillRef idx="1">
+        <a:scrgbClr r="0" g="0" b="0"/>
+      </a:fillRef>
+      <a:effectRef idx="0">
+        <a:scrgbClr r="0" g="0" b="0"/>
+      </a:effectRef>
+      <a:fontRef idx="minor"/>
+    </dgm:style>
+  </dgm:styleLbl>
+  <dgm:styleLbl name="fgSibTrans2D1">
+    <dgm:scene3d>
+      <a:camera prst="orthographicFront"/>
+      <a:lightRig rig="threePt" dir="t"/>
+    </dgm:scene3d>
+    <dgm:txPr/>
+    <dgm:style>
+      <a:lnRef idx="0">
         <a:scrgbClr r="0" g="0" b="0"/>
       </a:lnRef>
       <a:fillRef idx="1">
@@ -1967,7 +2402,6 @@
       <a:camera prst="orthographicFront"/>
       <a:lightRig rig="threePt" dir="t"/>
     </dgm:scene3d>
-    <dgm:sp3d/>
     <dgm:txPr/>
     <dgm:style>
       <a:lnRef idx="2">
@@ -1984,34 +2418,11 @@
       </a:fontRef>
     </dgm:style>
   </dgm:styleLbl>
-  <dgm:styleLbl name="vennNode1">
+  <dgm:styleLbl name="node0">
     <dgm:scene3d>
       <a:camera prst="orthographicFront"/>
       <a:lightRig rig="threePt" dir="t"/>
     </dgm:scene3d>
-    <dgm:sp3d/>
-    <dgm:txPr/>
-    <dgm:style>
-      <a:lnRef idx="2">
-        <a:scrgbClr r="0" g="0" b="0"/>
-      </a:lnRef>
-      <a:fillRef idx="1">
-        <a:scrgbClr r="0" g="0" b="0"/>
-      </a:fillRef>
-      <a:effectRef idx="0">
-        <a:scrgbClr r="0" g="0" b="0"/>
-      </a:effectRef>
-      <a:fontRef idx="minor">
-        <a:schemeClr val="tx1"/>
-      </a:fontRef>
-    </dgm:style>
-  </dgm:styleLbl>
-  <dgm:styleLbl name="alignNode1">
-    <dgm:scene3d>
-      <a:camera prst="orthographicFront"/>
-      <a:lightRig rig="threePt" dir="t"/>
-    </dgm:scene3d>
-    <dgm:sp3d/>
     <dgm:txPr/>
     <dgm:style>
       <a:lnRef idx="2">
@@ -2033,7 +2444,6 @@
       <a:camera prst="orthographicFront"/>
       <a:lightRig rig="threePt" dir="t"/>
     </dgm:scene3d>
-    <dgm:sp3d/>
     <dgm:txPr/>
     <dgm:style>
       <a:lnRef idx="2">
@@ -2055,7 +2465,6 @@
       <a:camera prst="orthographicFront"/>
       <a:lightRig rig="threePt" dir="t"/>
     </dgm:scene3d>
-    <dgm:sp3d/>
     <dgm:txPr/>
     <dgm:style>
       <a:lnRef idx="2">
@@ -2077,7 +2486,6 @@
       <a:camera prst="orthographicFront"/>
       <a:lightRig rig="threePt" dir="t"/>
     </dgm:scene3d>
-    <dgm:sp3d/>
     <dgm:txPr/>
     <dgm:style>
       <a:lnRef idx="2">
@@ -2099,7 +2507,6 @@
       <a:camera prst="orthographicFront"/>
       <a:lightRig rig="threePt" dir="t"/>
     </dgm:scene3d>
-    <dgm:sp3d/>
     <dgm:txPr/>
     <dgm:style>
       <a:lnRef idx="2">
@@ -2116,18 +2523,17 @@
       </a:fontRef>
     </dgm:style>
   </dgm:styleLbl>
-  <dgm:styleLbl name="fgImgPlace1">
+  <dgm:styleLbl name="parChTrans1D1">
     <dgm:scene3d>
       <a:camera prst="orthographicFront"/>
       <a:lightRig rig="threePt" dir="t"/>
     </dgm:scene3d>
-    <dgm:sp3d/>
     <dgm:txPr/>
     <dgm:style>
       <a:lnRef idx="2">
         <a:scrgbClr r="0" g="0" b="0"/>
       </a:lnRef>
-      <a:fillRef idx="1">
+      <a:fillRef idx="0">
         <a:scrgbClr r="0" g="0" b="0"/>
       </a:fillRef>
       <a:effectRef idx="0">
@@ -2136,18 +2542,17 @@
       <a:fontRef idx="minor"/>
     </dgm:style>
   </dgm:styleLbl>
-  <dgm:styleLbl name="alignImgPlace1">
+  <dgm:styleLbl name="parChTrans1D2">
     <dgm:scene3d>
       <a:camera prst="orthographicFront"/>
       <a:lightRig rig="threePt" dir="t"/>
     </dgm:scene3d>
-    <dgm:sp3d/>
     <dgm:txPr/>
     <dgm:style>
       <a:lnRef idx="2">
         <a:scrgbClr r="0" g="0" b="0"/>
       </a:lnRef>
-      <a:fillRef idx="1">
+      <a:fillRef idx="0">
         <a:scrgbClr r="0" g="0" b="0"/>
       </a:fillRef>
       <a:effectRef idx="0">
@@ -2156,18 +2561,17 @@
       <a:fontRef idx="minor"/>
     </dgm:style>
   </dgm:styleLbl>
-  <dgm:styleLbl name="bgImgPlace1">
+  <dgm:styleLbl name="parChTrans1D3">
     <dgm:scene3d>
       <a:camera prst="orthographicFront"/>
       <a:lightRig rig="threePt" dir="t"/>
     </dgm:scene3d>
-    <dgm:sp3d/>
     <dgm:txPr/>
     <dgm:style>
       <a:lnRef idx="2">
         <a:scrgbClr r="0" g="0" b="0"/>
       </a:lnRef>
-      <a:fillRef idx="1">
+      <a:fillRef idx="0">
         <a:scrgbClr r="0" g="0" b="0"/>
       </a:fillRef>
       <a:effectRef idx="0">
@@ -2176,220 +2580,23 @@
       <a:fontRef idx="minor"/>
     </dgm:style>
   </dgm:styleLbl>
-  <dgm:styleLbl name="sibTrans2D1">
+  <dgm:styleLbl name="parChTrans1D4">
     <dgm:scene3d>
       <a:camera prst="orthographicFront"/>
       <a:lightRig rig="threePt" dir="t"/>
     </dgm:scene3d>
-    <dgm:sp3d/>
-    <dgm:txPr/>
-    <dgm:style>
-      <a:lnRef idx="0">
-        <a:scrgbClr r="0" g="0" b="0"/>
-      </a:lnRef>
-      <a:fillRef idx="1">
-        <a:scrgbClr r="0" g="0" b="0"/>
-      </a:fillRef>
-      <a:effectRef idx="0">
-        <a:scrgbClr r="0" g="0" b="0"/>
-      </a:effectRef>
-      <a:fontRef idx="minor">
-        <a:schemeClr val="lt1"/>
-      </a:fontRef>
-    </dgm:style>
-  </dgm:styleLbl>
-  <dgm:styleLbl name="fgSibTrans2D1">
-    <dgm:scene3d>
-      <a:camera prst="orthographicFront"/>
-      <a:lightRig rig="threePt" dir="t"/>
-    </dgm:scene3d>
-    <dgm:sp3d/>
-    <dgm:txPr/>
-    <dgm:style>
-      <a:lnRef idx="0">
-        <a:scrgbClr r="0" g="0" b="0"/>
-      </a:lnRef>
-      <a:fillRef idx="1">
-        <a:scrgbClr r="0" g="0" b="0"/>
-      </a:fillRef>
-      <a:effectRef idx="0">
-        <a:scrgbClr r="0" g="0" b="0"/>
-      </a:effectRef>
-      <a:fontRef idx="minor">
-        <a:schemeClr val="lt1"/>
-      </a:fontRef>
-    </dgm:style>
-  </dgm:styleLbl>
-  <dgm:styleLbl name="bgSibTrans2D1">
-    <dgm:scene3d>
-      <a:camera prst="orthographicFront"/>
-      <a:lightRig rig="threePt" dir="t"/>
-    </dgm:scene3d>
-    <dgm:sp3d/>
-    <dgm:txPr/>
-    <dgm:style>
-      <a:lnRef idx="0">
-        <a:scrgbClr r="0" g="0" b="0"/>
-      </a:lnRef>
-      <a:fillRef idx="1">
-        <a:scrgbClr r="0" g="0" b="0"/>
-      </a:fillRef>
-      <a:effectRef idx="0">
-        <a:scrgbClr r="0" g="0" b="0"/>
-      </a:effectRef>
-      <a:fontRef idx="minor">
-        <a:schemeClr val="lt1"/>
-      </a:fontRef>
-    </dgm:style>
-  </dgm:styleLbl>
-  <dgm:styleLbl name="sibTrans1D1">
-    <dgm:scene3d>
-      <a:camera prst="orthographicFront"/>
-      <a:lightRig rig="threePt" dir="t"/>
-    </dgm:scene3d>
-    <dgm:sp3d/>
-    <dgm:txPr/>
-    <dgm:style>
-      <a:lnRef idx="1">
-        <a:scrgbClr r="0" g="0" b="0"/>
-      </a:lnRef>
-      <a:fillRef idx="0">
-        <a:scrgbClr r="0" g="0" b="0"/>
-      </a:fillRef>
-      <a:effectRef idx="0">
-        <a:scrgbClr r="0" g="0" b="0"/>
-      </a:effectRef>
-      <a:fontRef idx="minor"/>
-    </dgm:style>
-  </dgm:styleLbl>
-  <dgm:styleLbl name="callout">
-    <dgm:scene3d>
-      <a:camera prst="orthographicFront"/>
-      <a:lightRig rig="threePt" dir="t"/>
-    </dgm:scene3d>
-    <dgm:sp3d/>
     <dgm:txPr/>
     <dgm:style>
       <a:lnRef idx="2">
         <a:scrgbClr r="0" g="0" b="0"/>
       </a:lnRef>
-      <a:fillRef idx="1">
+      <a:fillRef idx="0">
         <a:scrgbClr r="0" g="0" b="0"/>
       </a:fillRef>
       <a:effectRef idx="0">
         <a:scrgbClr r="0" g="0" b="0"/>
       </a:effectRef>
       <a:fontRef idx="minor"/>
-    </dgm:style>
-  </dgm:styleLbl>
-  <dgm:styleLbl name="asst0">
-    <dgm:scene3d>
-      <a:camera prst="orthographicFront"/>
-      <a:lightRig rig="threePt" dir="t"/>
-    </dgm:scene3d>
-    <dgm:sp3d/>
-    <dgm:txPr/>
-    <dgm:style>
-      <a:lnRef idx="2">
-        <a:scrgbClr r="0" g="0" b="0"/>
-      </a:lnRef>
-      <a:fillRef idx="1">
-        <a:scrgbClr r="0" g="0" b="0"/>
-      </a:fillRef>
-      <a:effectRef idx="0">
-        <a:scrgbClr r="0" g="0" b="0"/>
-      </a:effectRef>
-      <a:fontRef idx="minor">
-        <a:schemeClr val="lt1"/>
-      </a:fontRef>
-    </dgm:style>
-  </dgm:styleLbl>
-  <dgm:styleLbl name="asst1">
-    <dgm:scene3d>
-      <a:camera prst="orthographicFront"/>
-      <a:lightRig rig="threePt" dir="t"/>
-    </dgm:scene3d>
-    <dgm:sp3d/>
-    <dgm:txPr/>
-    <dgm:style>
-      <a:lnRef idx="2">
-        <a:scrgbClr r="0" g="0" b="0"/>
-      </a:lnRef>
-      <a:fillRef idx="1">
-        <a:scrgbClr r="0" g="0" b="0"/>
-      </a:fillRef>
-      <a:effectRef idx="0">
-        <a:scrgbClr r="0" g="0" b="0"/>
-      </a:effectRef>
-      <a:fontRef idx="minor">
-        <a:schemeClr val="lt1"/>
-      </a:fontRef>
-    </dgm:style>
-  </dgm:styleLbl>
-  <dgm:styleLbl name="asst2">
-    <dgm:scene3d>
-      <a:camera prst="orthographicFront"/>
-      <a:lightRig rig="threePt" dir="t"/>
-    </dgm:scene3d>
-    <dgm:sp3d/>
-    <dgm:txPr/>
-    <dgm:style>
-      <a:lnRef idx="2">
-        <a:scrgbClr r="0" g="0" b="0"/>
-      </a:lnRef>
-      <a:fillRef idx="1">
-        <a:scrgbClr r="0" g="0" b="0"/>
-      </a:fillRef>
-      <a:effectRef idx="0">
-        <a:scrgbClr r="0" g="0" b="0"/>
-      </a:effectRef>
-      <a:fontRef idx="minor">
-        <a:schemeClr val="lt1"/>
-      </a:fontRef>
-    </dgm:style>
-  </dgm:styleLbl>
-  <dgm:styleLbl name="asst3">
-    <dgm:scene3d>
-      <a:camera prst="orthographicFront"/>
-      <a:lightRig rig="threePt" dir="t"/>
-    </dgm:scene3d>
-    <dgm:sp3d/>
-    <dgm:txPr/>
-    <dgm:style>
-      <a:lnRef idx="2">
-        <a:scrgbClr r="0" g="0" b="0"/>
-      </a:lnRef>
-      <a:fillRef idx="1">
-        <a:scrgbClr r="0" g="0" b="0"/>
-      </a:fillRef>
-      <a:effectRef idx="0">
-        <a:scrgbClr r="0" g="0" b="0"/>
-      </a:effectRef>
-      <a:fontRef idx="minor">
-        <a:schemeClr val="lt1"/>
-      </a:fontRef>
-    </dgm:style>
-  </dgm:styleLbl>
-  <dgm:styleLbl name="asst4">
-    <dgm:scene3d>
-      <a:camera prst="orthographicFront"/>
-      <a:lightRig rig="threePt" dir="t"/>
-    </dgm:scene3d>
-    <dgm:sp3d/>
-    <dgm:txPr/>
-    <dgm:style>
-      <a:lnRef idx="2">
-        <a:scrgbClr r="0" g="0" b="0"/>
-      </a:lnRef>
-      <a:fillRef idx="1">
-        <a:scrgbClr r="0" g="0" b="0"/>
-      </a:fillRef>
-      <a:effectRef idx="0">
-        <a:scrgbClr r="0" g="0" b="0"/>
-      </a:effectRef>
-      <a:fontRef idx="minor">
-        <a:schemeClr val="lt1"/>
-      </a:fontRef>
     </dgm:style>
   </dgm:styleLbl>
   <dgm:styleLbl name="parChTrans2D1">
@@ -2397,7 +2604,6 @@
       <a:camera prst="orthographicFront"/>
       <a:lightRig rig="threePt" dir="t"/>
     </dgm:scene3d>
-    <dgm:sp3d/>
     <dgm:txPr/>
     <dgm:style>
       <a:lnRef idx="2">
@@ -2419,7 +2625,6 @@
       <a:camera prst="orthographicFront"/>
       <a:lightRig rig="threePt" dir="t"/>
     </dgm:scene3d>
-    <dgm:sp3d/>
     <dgm:txPr/>
     <dgm:style>
       <a:lnRef idx="2">
@@ -2441,7 +2646,6 @@
       <a:camera prst="orthographicFront"/>
       <a:lightRig rig="threePt" dir="t"/>
     </dgm:scene3d>
-    <dgm:sp3d/>
     <dgm:txPr/>
     <dgm:style>
       <a:lnRef idx="2">
@@ -2463,7 +2667,6 @@
       <a:camera prst="orthographicFront"/>
       <a:lightRig rig="threePt" dir="t"/>
     </dgm:scene3d>
-    <dgm:sp3d/>
     <dgm:txPr/>
     <dgm:style>
       <a:lnRef idx="2">
@@ -2480,15 +2683,14 @@
       </a:fontRef>
     </dgm:style>
   </dgm:styleLbl>
-  <dgm:styleLbl name="parChTrans1D1">
+  <dgm:styleLbl name="revTx">
     <dgm:scene3d>
       <a:camera prst="orthographicFront"/>
       <a:lightRig rig="threePt" dir="t"/>
     </dgm:scene3d>
-    <dgm:sp3d/>
     <dgm:txPr/>
     <dgm:style>
-      <a:lnRef idx="2">
+      <a:lnRef idx="0">
         <a:scrgbClr r="0" g="0" b="0"/>
       </a:lnRef>
       <a:fillRef idx="0">
@@ -2500,15 +2702,14 @@
       <a:fontRef idx="minor"/>
     </dgm:style>
   </dgm:styleLbl>
-  <dgm:styleLbl name="parChTrans1D2">
+  <dgm:styleLbl name="sibTrans1D1">
     <dgm:scene3d>
       <a:camera prst="orthographicFront"/>
       <a:lightRig rig="threePt" dir="t"/>
     </dgm:scene3d>
-    <dgm:sp3d/>
     <dgm:txPr/>
     <dgm:style>
-      <a:lnRef idx="2">
+      <a:lnRef idx="1">
         <a:scrgbClr r="0" g="0" b="0"/>
       </a:lnRef>
       <a:fillRef idx="0">
@@ -2520,18 +2721,38 @@
       <a:fontRef idx="minor"/>
     </dgm:style>
   </dgm:styleLbl>
-  <dgm:styleLbl name="parChTrans1D3">
+  <dgm:styleLbl name="sibTrans2D1">
     <dgm:scene3d>
       <a:camera prst="orthographicFront"/>
       <a:lightRig rig="threePt" dir="t"/>
     </dgm:scene3d>
-    <dgm:sp3d/>
+    <dgm:txPr/>
+    <dgm:style>
+      <a:lnRef idx="0">
+        <a:scrgbClr r="0" g="0" b="0"/>
+      </a:lnRef>
+      <a:fillRef idx="1">
+        <a:scrgbClr r="0" g="0" b="0"/>
+      </a:fillRef>
+      <a:effectRef idx="0">
+        <a:scrgbClr r="0" g="0" b="0"/>
+      </a:effectRef>
+      <a:fontRef idx="minor">
+        <a:schemeClr val="lt1"/>
+      </a:fontRef>
+    </dgm:style>
+  </dgm:styleLbl>
+  <dgm:styleLbl name="solidAlignAcc1">
+    <dgm:scene3d>
+      <a:camera prst="orthographicFront"/>
+      <a:lightRig rig="threePt" dir="t"/>
+    </dgm:scene3d>
     <dgm:txPr/>
     <dgm:style>
       <a:lnRef idx="2">
         <a:scrgbClr r="0" g="0" b="0"/>
       </a:lnRef>
-      <a:fillRef idx="0">
+      <a:fillRef idx="1">
         <a:scrgbClr r="0" g="0" b="0"/>
       </a:fillRef>
       <a:effectRef idx="0">
@@ -2540,18 +2761,17 @@
       <a:fontRef idx="minor"/>
     </dgm:style>
   </dgm:styleLbl>
-  <dgm:styleLbl name="parChTrans1D4">
+  <dgm:styleLbl name="solidBgAcc1">
     <dgm:scene3d>
       <a:camera prst="orthographicFront"/>
       <a:lightRig rig="threePt" dir="t"/>
     </dgm:scene3d>
-    <dgm:sp3d/>
     <dgm:txPr/>
     <dgm:style>
       <a:lnRef idx="2">
         <a:scrgbClr r="0" g="0" b="0"/>
       </a:lnRef>
-      <a:fillRef idx="0">
+      <a:fillRef idx="1">
         <a:scrgbClr r="0" g="0" b="0"/>
       </a:fillRef>
       <a:effectRef idx="0">
@@ -2560,52 +2780,11 @@
       <a:fontRef idx="minor"/>
     </dgm:style>
   </dgm:styleLbl>
-  <dgm:styleLbl name="fgAcc1">
+  <dgm:styleLbl name="solidFgAcc1">
     <dgm:scene3d>
       <a:camera prst="orthographicFront"/>
       <a:lightRig rig="threePt" dir="t"/>
     </dgm:scene3d>
-    <dgm:sp3d/>
-    <dgm:txPr/>
-    <dgm:style>
-      <a:lnRef idx="2">
-        <a:scrgbClr r="0" g="0" b="0"/>
-      </a:lnRef>
-      <a:fillRef idx="1">
-        <a:scrgbClr r="0" g="0" b="0"/>
-      </a:fillRef>
-      <a:effectRef idx="0">
-        <a:scrgbClr r="0" g="0" b="0"/>
-      </a:effectRef>
-      <a:fontRef idx="minor"/>
-    </dgm:style>
-  </dgm:styleLbl>
-  <dgm:styleLbl name="conFgAcc1">
-    <dgm:scene3d>
-      <a:camera prst="orthographicFront"/>
-      <a:lightRig rig="threePt" dir="t"/>
-    </dgm:scene3d>
-    <dgm:sp3d/>
-    <dgm:txPr/>
-    <dgm:style>
-      <a:lnRef idx="2">
-        <a:scrgbClr r="0" g="0" b="0"/>
-      </a:lnRef>
-      <a:fillRef idx="1">
-        <a:scrgbClr r="0" g="0" b="0"/>
-      </a:fillRef>
-      <a:effectRef idx="0">
-        <a:scrgbClr r="0" g="0" b="0"/>
-      </a:effectRef>
-      <a:fontRef idx="minor"/>
-    </dgm:style>
-  </dgm:styleLbl>
-  <dgm:styleLbl name="alignAcc1">
-    <dgm:scene3d>
-      <a:camera prst="orthographicFront"/>
-      <a:lightRig rig="threePt" dir="t"/>
-    </dgm:scene3d>
-    <dgm:sp3d/>
     <dgm:txPr/>
     <dgm:style>
       <a:lnRef idx="2">
@@ -2625,270 +2804,9 @@
       <a:camera prst="orthographicFront"/>
       <a:lightRig rig="threePt" dir="t"/>
     </dgm:scene3d>
-    <dgm:sp3d/>
     <dgm:txPr/>
     <dgm:style>
       <a:lnRef idx="1">
-        <a:scrgbClr r="0" g="0" b="0"/>
-      </a:lnRef>
-      <a:fillRef idx="1">
-        <a:scrgbClr r="0" g="0" b="0"/>
-      </a:fillRef>
-      <a:effectRef idx="0">
-        <a:scrgbClr r="0" g="0" b="0"/>
-      </a:effectRef>
-      <a:fontRef idx="minor"/>
-    </dgm:style>
-  </dgm:styleLbl>
-  <dgm:styleLbl name="bgAcc1">
-    <dgm:scene3d>
-      <a:camera prst="orthographicFront"/>
-      <a:lightRig rig="threePt" dir="t"/>
-    </dgm:scene3d>
-    <dgm:sp3d/>
-    <dgm:txPr/>
-    <dgm:style>
-      <a:lnRef idx="2">
-        <a:scrgbClr r="0" g="0" b="0"/>
-      </a:lnRef>
-      <a:fillRef idx="1">
-        <a:scrgbClr r="0" g="0" b="0"/>
-      </a:fillRef>
-      <a:effectRef idx="0">
-        <a:scrgbClr r="0" g="0" b="0"/>
-      </a:effectRef>
-      <a:fontRef idx="minor"/>
-    </dgm:style>
-  </dgm:styleLbl>
-  <dgm:styleLbl name="solidFgAcc1">
-    <dgm:scene3d>
-      <a:camera prst="orthographicFront"/>
-      <a:lightRig rig="threePt" dir="t"/>
-    </dgm:scene3d>
-    <dgm:sp3d/>
-    <dgm:txPr/>
-    <dgm:style>
-      <a:lnRef idx="2">
-        <a:scrgbClr r="0" g="0" b="0"/>
-      </a:lnRef>
-      <a:fillRef idx="1">
-        <a:scrgbClr r="0" g="0" b="0"/>
-      </a:fillRef>
-      <a:effectRef idx="0">
-        <a:scrgbClr r="0" g="0" b="0"/>
-      </a:effectRef>
-      <a:fontRef idx="minor"/>
-    </dgm:style>
-  </dgm:styleLbl>
-  <dgm:styleLbl name="solidAlignAcc1">
-    <dgm:scene3d>
-      <a:camera prst="orthographicFront"/>
-      <a:lightRig rig="threePt" dir="t"/>
-    </dgm:scene3d>
-    <dgm:sp3d/>
-    <dgm:txPr/>
-    <dgm:style>
-      <a:lnRef idx="2">
-        <a:scrgbClr r="0" g="0" b="0"/>
-      </a:lnRef>
-      <a:fillRef idx="1">
-        <a:scrgbClr r="0" g="0" b="0"/>
-      </a:fillRef>
-      <a:effectRef idx="0">
-        <a:scrgbClr r="0" g="0" b="0"/>
-      </a:effectRef>
-      <a:fontRef idx="minor"/>
-    </dgm:style>
-  </dgm:styleLbl>
-  <dgm:styleLbl name="solidBgAcc1">
-    <dgm:scene3d>
-      <a:camera prst="orthographicFront"/>
-      <a:lightRig rig="threePt" dir="t"/>
-    </dgm:scene3d>
-    <dgm:sp3d/>
-    <dgm:txPr/>
-    <dgm:style>
-      <a:lnRef idx="2">
-        <a:scrgbClr r="0" g="0" b="0"/>
-      </a:lnRef>
-      <a:fillRef idx="1">
-        <a:scrgbClr r="0" g="0" b="0"/>
-      </a:fillRef>
-      <a:effectRef idx="0">
-        <a:scrgbClr r="0" g="0" b="0"/>
-      </a:effectRef>
-      <a:fontRef idx="minor"/>
-    </dgm:style>
-  </dgm:styleLbl>
-  <dgm:styleLbl name="fgAccFollowNode1">
-    <dgm:scene3d>
-      <a:camera prst="orthographicFront"/>
-      <a:lightRig rig="threePt" dir="t"/>
-    </dgm:scene3d>
-    <dgm:sp3d/>
-    <dgm:txPr/>
-    <dgm:style>
-      <a:lnRef idx="2">
-        <a:scrgbClr r="0" g="0" b="0"/>
-      </a:lnRef>
-      <a:fillRef idx="1">
-        <a:scrgbClr r="0" g="0" b="0"/>
-      </a:fillRef>
-      <a:effectRef idx="0">
-        <a:scrgbClr r="0" g="0" b="0"/>
-      </a:effectRef>
-      <a:fontRef idx="minor"/>
-    </dgm:style>
-  </dgm:styleLbl>
-  <dgm:styleLbl name="alignAccFollowNode1">
-    <dgm:scene3d>
-      <a:camera prst="orthographicFront"/>
-      <a:lightRig rig="threePt" dir="t"/>
-    </dgm:scene3d>
-    <dgm:sp3d/>
-    <dgm:txPr/>
-    <dgm:style>
-      <a:lnRef idx="2">
-        <a:scrgbClr r="0" g="0" b="0"/>
-      </a:lnRef>
-      <a:fillRef idx="1">
-        <a:scrgbClr r="0" g="0" b="0"/>
-      </a:fillRef>
-      <a:effectRef idx="0">
-        <a:scrgbClr r="0" g="0" b="0"/>
-      </a:effectRef>
-      <a:fontRef idx="minor"/>
-    </dgm:style>
-  </dgm:styleLbl>
-  <dgm:styleLbl name="bgAccFollowNode1">
-    <dgm:scene3d>
-      <a:camera prst="orthographicFront"/>
-      <a:lightRig rig="threePt" dir="t"/>
-    </dgm:scene3d>
-    <dgm:sp3d/>
-    <dgm:txPr/>
-    <dgm:style>
-      <a:lnRef idx="2">
-        <a:scrgbClr r="0" g="0" b="0"/>
-      </a:lnRef>
-      <a:fillRef idx="1">
-        <a:scrgbClr r="0" g="0" b="0"/>
-      </a:fillRef>
-      <a:effectRef idx="0">
-        <a:scrgbClr r="0" g="0" b="0"/>
-      </a:effectRef>
-      <a:fontRef idx="minor"/>
-    </dgm:style>
-  </dgm:styleLbl>
-  <dgm:styleLbl name="fgAcc0">
-    <dgm:scene3d>
-      <a:camera prst="orthographicFront"/>
-      <a:lightRig rig="threePt" dir="t"/>
-    </dgm:scene3d>
-    <dgm:sp3d/>
-    <dgm:txPr/>
-    <dgm:style>
-      <a:lnRef idx="2">
-        <a:scrgbClr r="0" g="0" b="0"/>
-      </a:lnRef>
-      <a:fillRef idx="1">
-        <a:scrgbClr r="0" g="0" b="0"/>
-      </a:fillRef>
-      <a:effectRef idx="0">
-        <a:scrgbClr r="0" g="0" b="0"/>
-      </a:effectRef>
-      <a:fontRef idx="minor"/>
-    </dgm:style>
-  </dgm:styleLbl>
-  <dgm:styleLbl name="fgAcc2">
-    <dgm:scene3d>
-      <a:camera prst="orthographicFront"/>
-      <a:lightRig rig="threePt" dir="t"/>
-    </dgm:scene3d>
-    <dgm:sp3d/>
-    <dgm:txPr/>
-    <dgm:style>
-      <a:lnRef idx="2">
-        <a:scrgbClr r="0" g="0" b="0"/>
-      </a:lnRef>
-      <a:fillRef idx="1">
-        <a:scrgbClr r="0" g="0" b="0"/>
-      </a:fillRef>
-      <a:effectRef idx="0">
-        <a:scrgbClr r="0" g="0" b="0"/>
-      </a:effectRef>
-      <a:fontRef idx="minor"/>
-    </dgm:style>
-  </dgm:styleLbl>
-  <dgm:styleLbl name="fgAcc3">
-    <dgm:scene3d>
-      <a:camera prst="orthographicFront"/>
-      <a:lightRig rig="threePt" dir="t"/>
-    </dgm:scene3d>
-    <dgm:sp3d/>
-    <dgm:txPr/>
-    <dgm:style>
-      <a:lnRef idx="2">
-        <a:scrgbClr r="0" g="0" b="0"/>
-      </a:lnRef>
-      <a:fillRef idx="1">
-        <a:scrgbClr r="0" g="0" b="0"/>
-      </a:fillRef>
-      <a:effectRef idx="0">
-        <a:scrgbClr r="0" g="0" b="0"/>
-      </a:effectRef>
-      <a:fontRef idx="minor"/>
-    </dgm:style>
-  </dgm:styleLbl>
-  <dgm:styleLbl name="fgAcc4">
-    <dgm:scene3d>
-      <a:camera prst="orthographicFront"/>
-      <a:lightRig rig="threePt" dir="t"/>
-    </dgm:scene3d>
-    <dgm:sp3d/>
-    <dgm:txPr/>
-    <dgm:style>
-      <a:lnRef idx="2">
-        <a:scrgbClr r="0" g="0" b="0"/>
-      </a:lnRef>
-      <a:fillRef idx="1">
-        <a:scrgbClr r="0" g="0" b="0"/>
-      </a:fillRef>
-      <a:effectRef idx="0">
-        <a:scrgbClr r="0" g="0" b="0"/>
-      </a:effectRef>
-      <a:fontRef idx="minor"/>
-    </dgm:style>
-  </dgm:styleLbl>
-  <dgm:styleLbl name="bgShp">
-    <dgm:scene3d>
-      <a:camera prst="orthographicFront"/>
-      <a:lightRig rig="threePt" dir="t"/>
-    </dgm:scene3d>
-    <dgm:sp3d/>
-    <dgm:txPr/>
-    <dgm:style>
-      <a:lnRef idx="0">
-        <a:scrgbClr r="0" g="0" b="0"/>
-      </a:lnRef>
-      <a:fillRef idx="1">
-        <a:scrgbClr r="0" g="0" b="0"/>
-      </a:fillRef>
-      <a:effectRef idx="0">
-        <a:scrgbClr r="0" g="0" b="0"/>
-      </a:effectRef>
-      <a:fontRef idx="minor"/>
-    </dgm:style>
-  </dgm:styleLbl>
-  <dgm:styleLbl name="dkBgShp">
-    <dgm:scene3d>
-      <a:camera prst="orthographicFront"/>
-      <a:lightRig rig="threePt" dir="t"/>
-    </dgm:scene3d>
-    <dgm:sp3d/>
-    <dgm:txPr/>
-    <dgm:style>
-      <a:lnRef idx="0">
         <a:scrgbClr r="0" g="0" b="0"/>
       </a:lnRef>
       <a:fillRef idx="1">
@@ -2905,7 +2823,6 @@
       <a:camera prst="orthographicFront"/>
       <a:lightRig rig="threePt" dir="t"/>
     </dgm:scene3d>
-    <dgm:sp3d/>
     <dgm:txPr/>
     <dgm:style>
       <a:lnRef idx="0">
@@ -2920,12 +2837,11 @@
       <a:fontRef idx="minor"/>
     </dgm:style>
   </dgm:styleLbl>
-  <dgm:styleLbl name="fgShp">
+  <dgm:styleLbl name="vennNode1">
     <dgm:scene3d>
       <a:camera prst="orthographicFront"/>
       <a:lightRig rig="threePt" dir="t"/>
     </dgm:scene3d>
-    <dgm:sp3d/>
     <dgm:txPr/>
     <dgm:style>
       <a:lnRef idx="2">
@@ -2937,27 +2853,9 @@
       <a:effectRef idx="0">
         <a:scrgbClr r="0" g="0" b="0"/>
       </a:effectRef>
-      <a:fontRef idx="minor"/>
-    </dgm:style>
-  </dgm:styleLbl>
-  <dgm:styleLbl name="revTx">
-    <dgm:scene3d>
-      <a:camera prst="orthographicFront"/>
-      <a:lightRig rig="threePt" dir="t"/>
-    </dgm:scene3d>
-    <dgm:sp3d/>
-    <dgm:txPr/>
-    <dgm:style>
-      <a:lnRef idx="0">
-        <a:scrgbClr r="0" g="0" b="0"/>
-      </a:lnRef>
-      <a:fillRef idx="0">
-        <a:scrgbClr r="0" g="0" b="0"/>
-      </a:fillRef>
-      <a:effectRef idx="0">
-        <a:scrgbClr r="0" g="0" b="0"/>
-      </a:effectRef>
-      <a:fontRef idx="minor"/>
+      <a:fontRef idx="minor">
+        <a:schemeClr val="tx1"/>
+      </a:fontRef>
     </dgm:style>
   </dgm:styleLbl>
 </dgm:styleDef>
@@ -3008,6 +2906,7 @@
               <a:rPr lang="zh-CN" altLang="en-US"/>
               <a:t>单击此处编辑母版标题样式</a:t>
             </a:r>
+            <a:endParaRPr lang="zh-CN" altLang="en-US"/>
           </a:p>
         </p:txBody>
       </p:sp>
@@ -3072,6 +2971,7 @@
               <a:rPr lang="zh-CN" altLang="en-US"/>
               <a:t>单击此处编辑母版副标题样式</a:t>
             </a:r>
+            <a:endParaRPr lang="zh-CN" altLang="en-US"/>
           </a:p>
         </p:txBody>
       </p:sp>
@@ -3092,7 +2992,6 @@
           <a:p>
             <a:fld id="{9235DC95-CA93-4412-83B5-44E84C2AB4A2}" type="datetimeFigureOut">
               <a:rPr lang="zh-CN" altLang="en-US" smtClean="0"/>
-              <a:t>2021/2/19</a:t>
             </a:fld>
             <a:endParaRPr lang="zh-CN" altLang="en-US"/>
           </a:p>
@@ -3134,18 +3033,12 @@
           <a:p>
             <a:fld id="{41663981-0834-4737-95F4-37FF14E266D2}" type="slidenum">
               <a:rPr lang="zh-CN" altLang="en-US" smtClean="0"/>
-              <a:t>‹#›</a:t>
             </a:fld>
             <a:endParaRPr lang="zh-CN" altLang="en-US"/>
           </a:p>
         </p:txBody>
       </p:sp>
     </p:spTree>
-    <p:extLst>
-      <p:ext uri="{BB962C8B-B14F-4D97-AF65-F5344CB8AC3E}">
-        <p14:creationId xmlns:p14="http://schemas.microsoft.com/office/powerpoint/2010/main" val="4126068656"/>
-      </p:ext>
-    </p:extLst>
   </p:cSld>
   <p:clrMapOvr>
     <a:masterClrMapping/>
@@ -3189,6 +3082,7 @@
               <a:rPr lang="zh-CN" altLang="en-US"/>
               <a:t>单击此处编辑母版标题样式</a:t>
             </a:r>
+            <a:endParaRPr lang="zh-CN" altLang="en-US"/>
           </a:p>
         </p:txBody>
       </p:sp>
@@ -3212,6 +3106,7 @@
               <a:rPr lang="zh-CN" altLang="en-US"/>
               <a:t>单击此处编辑母版文本样式</a:t>
             </a:r>
+            <a:endParaRPr lang="zh-CN" altLang="en-US"/>
           </a:p>
           <a:p>
             <a:pPr lvl="1"/>
@@ -3219,6 +3114,7 @@
               <a:rPr lang="zh-CN" altLang="en-US"/>
               <a:t>第二级</a:t>
             </a:r>
+            <a:endParaRPr lang="zh-CN" altLang="en-US"/>
           </a:p>
           <a:p>
             <a:pPr lvl="2"/>
@@ -3226,6 +3122,7 @@
               <a:rPr lang="zh-CN" altLang="en-US"/>
               <a:t>第三级</a:t>
             </a:r>
+            <a:endParaRPr lang="zh-CN" altLang="en-US"/>
           </a:p>
           <a:p>
             <a:pPr lvl="3"/>
@@ -3233,6 +3130,7 @@
               <a:rPr lang="zh-CN" altLang="en-US"/>
               <a:t>第四级</a:t>
             </a:r>
+            <a:endParaRPr lang="zh-CN" altLang="en-US"/>
           </a:p>
           <a:p>
             <a:pPr lvl="4"/>
@@ -3240,6 +3138,7 @@
               <a:rPr lang="zh-CN" altLang="en-US"/>
               <a:t>第五级</a:t>
             </a:r>
+            <a:endParaRPr lang="zh-CN" altLang="en-US"/>
           </a:p>
         </p:txBody>
       </p:sp>
@@ -3260,7 +3159,6 @@
           <a:p>
             <a:fld id="{9235DC95-CA93-4412-83B5-44E84C2AB4A2}" type="datetimeFigureOut">
               <a:rPr lang="zh-CN" altLang="en-US" smtClean="0"/>
-              <a:t>2021/2/19</a:t>
             </a:fld>
             <a:endParaRPr lang="zh-CN" altLang="en-US"/>
           </a:p>
@@ -3302,18 +3200,12 @@
           <a:p>
             <a:fld id="{41663981-0834-4737-95F4-37FF14E266D2}" type="slidenum">
               <a:rPr lang="zh-CN" altLang="en-US" smtClean="0"/>
-              <a:t>‹#›</a:t>
             </a:fld>
             <a:endParaRPr lang="zh-CN" altLang="en-US"/>
           </a:p>
         </p:txBody>
       </p:sp>
     </p:spTree>
-    <p:extLst>
-      <p:ext uri="{BB962C8B-B14F-4D97-AF65-F5344CB8AC3E}">
-        <p14:creationId xmlns:p14="http://schemas.microsoft.com/office/powerpoint/2010/main" val="2239116952"/>
-      </p:ext>
-    </p:extLst>
   </p:cSld>
   <p:clrMapOvr>
     <a:masterClrMapping/>
@@ -3362,6 +3254,7 @@
               <a:rPr lang="zh-CN" altLang="en-US"/>
               <a:t>单击此处编辑母版标题样式</a:t>
             </a:r>
+            <a:endParaRPr lang="zh-CN" altLang="en-US"/>
           </a:p>
         </p:txBody>
       </p:sp>
@@ -3390,6 +3283,7 @@
               <a:rPr lang="zh-CN" altLang="en-US"/>
               <a:t>单击此处编辑母版文本样式</a:t>
             </a:r>
+            <a:endParaRPr lang="zh-CN" altLang="en-US"/>
           </a:p>
           <a:p>
             <a:pPr lvl="1"/>
@@ -3397,6 +3291,7 @@
               <a:rPr lang="zh-CN" altLang="en-US"/>
               <a:t>第二级</a:t>
             </a:r>
+            <a:endParaRPr lang="zh-CN" altLang="en-US"/>
           </a:p>
           <a:p>
             <a:pPr lvl="2"/>
@@ -3404,6 +3299,7 @@
               <a:rPr lang="zh-CN" altLang="en-US"/>
               <a:t>第三级</a:t>
             </a:r>
+            <a:endParaRPr lang="zh-CN" altLang="en-US"/>
           </a:p>
           <a:p>
             <a:pPr lvl="3"/>
@@ -3411,6 +3307,7 @@
               <a:rPr lang="zh-CN" altLang="en-US"/>
               <a:t>第四级</a:t>
             </a:r>
+            <a:endParaRPr lang="zh-CN" altLang="en-US"/>
           </a:p>
           <a:p>
             <a:pPr lvl="4"/>
@@ -3418,6 +3315,7 @@
               <a:rPr lang="zh-CN" altLang="en-US"/>
               <a:t>第五级</a:t>
             </a:r>
+            <a:endParaRPr lang="zh-CN" altLang="en-US"/>
           </a:p>
         </p:txBody>
       </p:sp>
@@ -3438,7 +3336,6 @@
           <a:p>
             <a:fld id="{9235DC95-CA93-4412-83B5-44E84C2AB4A2}" type="datetimeFigureOut">
               <a:rPr lang="zh-CN" altLang="en-US" smtClean="0"/>
-              <a:t>2021/2/19</a:t>
             </a:fld>
             <a:endParaRPr lang="zh-CN" altLang="en-US"/>
           </a:p>
@@ -3480,18 +3377,12 @@
           <a:p>
             <a:fld id="{41663981-0834-4737-95F4-37FF14E266D2}" type="slidenum">
               <a:rPr lang="zh-CN" altLang="en-US" smtClean="0"/>
-              <a:t>‹#›</a:t>
             </a:fld>
             <a:endParaRPr lang="zh-CN" altLang="en-US"/>
           </a:p>
         </p:txBody>
       </p:sp>
     </p:spTree>
-    <p:extLst>
-      <p:ext uri="{BB962C8B-B14F-4D97-AF65-F5344CB8AC3E}">
-        <p14:creationId xmlns:p14="http://schemas.microsoft.com/office/powerpoint/2010/main" val="4156745622"/>
-      </p:ext>
-    </p:extLst>
   </p:cSld>
   <p:clrMapOvr>
     <a:masterClrMapping/>
@@ -3535,6 +3426,7 @@
               <a:rPr lang="zh-CN" altLang="en-US"/>
               <a:t>单击此处编辑母版标题样式</a:t>
             </a:r>
+            <a:endParaRPr lang="zh-CN" altLang="en-US"/>
           </a:p>
         </p:txBody>
       </p:sp>
@@ -3558,6 +3450,7 @@
               <a:rPr lang="zh-CN" altLang="en-US"/>
               <a:t>单击此处编辑母版文本样式</a:t>
             </a:r>
+            <a:endParaRPr lang="zh-CN" altLang="en-US"/>
           </a:p>
           <a:p>
             <a:pPr lvl="1"/>
@@ -3565,6 +3458,7 @@
               <a:rPr lang="zh-CN" altLang="en-US"/>
               <a:t>第二级</a:t>
             </a:r>
+            <a:endParaRPr lang="zh-CN" altLang="en-US"/>
           </a:p>
           <a:p>
             <a:pPr lvl="2"/>
@@ -3572,6 +3466,7 @@
               <a:rPr lang="zh-CN" altLang="en-US"/>
               <a:t>第三级</a:t>
             </a:r>
+            <a:endParaRPr lang="zh-CN" altLang="en-US"/>
           </a:p>
           <a:p>
             <a:pPr lvl="3"/>
@@ -3579,6 +3474,7 @@
               <a:rPr lang="zh-CN" altLang="en-US"/>
               <a:t>第四级</a:t>
             </a:r>
+            <a:endParaRPr lang="zh-CN" altLang="en-US"/>
           </a:p>
           <a:p>
             <a:pPr lvl="4"/>
@@ -3586,6 +3482,7 @@
               <a:rPr lang="zh-CN" altLang="en-US"/>
               <a:t>第五级</a:t>
             </a:r>
+            <a:endParaRPr lang="zh-CN" altLang="en-US"/>
           </a:p>
         </p:txBody>
       </p:sp>
@@ -3606,7 +3503,6 @@
           <a:p>
             <a:fld id="{9235DC95-CA93-4412-83B5-44E84C2AB4A2}" type="datetimeFigureOut">
               <a:rPr lang="zh-CN" altLang="en-US" smtClean="0"/>
-              <a:t>2021/2/19</a:t>
             </a:fld>
             <a:endParaRPr lang="zh-CN" altLang="en-US"/>
           </a:p>
@@ -3648,18 +3544,12 @@
           <a:p>
             <a:fld id="{41663981-0834-4737-95F4-37FF14E266D2}" type="slidenum">
               <a:rPr lang="zh-CN" altLang="en-US" smtClean="0"/>
-              <a:t>‹#›</a:t>
             </a:fld>
             <a:endParaRPr lang="zh-CN" altLang="en-US"/>
           </a:p>
         </p:txBody>
       </p:sp>
     </p:spTree>
-    <p:extLst>
-      <p:ext uri="{BB962C8B-B14F-4D97-AF65-F5344CB8AC3E}">
-        <p14:creationId xmlns:p14="http://schemas.microsoft.com/office/powerpoint/2010/main" val="177637308"/>
-      </p:ext>
-    </p:extLst>
   </p:cSld>
   <p:clrMapOvr>
     <a:masterClrMapping/>
@@ -3712,6 +3602,7 @@
               <a:rPr lang="zh-CN" altLang="en-US"/>
               <a:t>单击此处编辑母版标题样式</a:t>
             </a:r>
+            <a:endParaRPr lang="zh-CN" altLang="en-US"/>
           </a:p>
         </p:txBody>
       </p:sp>
@@ -3831,6 +3722,7 @@
               <a:rPr lang="zh-CN" altLang="en-US"/>
               <a:t>单击此处编辑母版文本样式</a:t>
             </a:r>
+            <a:endParaRPr lang="zh-CN" altLang="en-US"/>
           </a:p>
         </p:txBody>
       </p:sp>
@@ -3851,7 +3743,6 @@
           <a:p>
             <a:fld id="{9235DC95-CA93-4412-83B5-44E84C2AB4A2}" type="datetimeFigureOut">
               <a:rPr lang="zh-CN" altLang="en-US" smtClean="0"/>
-              <a:t>2021/2/19</a:t>
             </a:fld>
             <a:endParaRPr lang="zh-CN" altLang="en-US"/>
           </a:p>
@@ -3893,18 +3784,12 @@
           <a:p>
             <a:fld id="{41663981-0834-4737-95F4-37FF14E266D2}" type="slidenum">
               <a:rPr lang="zh-CN" altLang="en-US" smtClean="0"/>
-              <a:t>‹#›</a:t>
             </a:fld>
             <a:endParaRPr lang="zh-CN" altLang="en-US"/>
           </a:p>
         </p:txBody>
       </p:sp>
     </p:spTree>
-    <p:extLst>
-      <p:ext uri="{BB962C8B-B14F-4D97-AF65-F5344CB8AC3E}">
-        <p14:creationId xmlns:p14="http://schemas.microsoft.com/office/powerpoint/2010/main" val="399101466"/>
-      </p:ext>
-    </p:extLst>
   </p:cSld>
   <p:clrMapOvr>
     <a:masterClrMapping/>
@@ -3948,6 +3833,7 @@
               <a:rPr lang="zh-CN" altLang="en-US"/>
               <a:t>单击此处编辑母版标题样式</a:t>
             </a:r>
+            <a:endParaRPr lang="zh-CN" altLang="en-US"/>
           </a:p>
         </p:txBody>
       </p:sp>
@@ -3976,6 +3862,7 @@
               <a:rPr lang="zh-CN" altLang="en-US"/>
               <a:t>单击此处编辑母版文本样式</a:t>
             </a:r>
+            <a:endParaRPr lang="zh-CN" altLang="en-US"/>
           </a:p>
           <a:p>
             <a:pPr lvl="1"/>
@@ -3983,6 +3870,7 @@
               <a:rPr lang="zh-CN" altLang="en-US"/>
               <a:t>第二级</a:t>
             </a:r>
+            <a:endParaRPr lang="zh-CN" altLang="en-US"/>
           </a:p>
           <a:p>
             <a:pPr lvl="2"/>
@@ -3990,6 +3878,7 @@
               <a:rPr lang="zh-CN" altLang="en-US"/>
               <a:t>第三级</a:t>
             </a:r>
+            <a:endParaRPr lang="zh-CN" altLang="en-US"/>
           </a:p>
           <a:p>
             <a:pPr lvl="3"/>
@@ -3997,6 +3886,7 @@
               <a:rPr lang="zh-CN" altLang="en-US"/>
               <a:t>第四级</a:t>
             </a:r>
+            <a:endParaRPr lang="zh-CN" altLang="en-US"/>
           </a:p>
           <a:p>
             <a:pPr lvl="4"/>
@@ -4004,6 +3894,7 @@
               <a:rPr lang="zh-CN" altLang="en-US"/>
               <a:t>第五级</a:t>
             </a:r>
+            <a:endParaRPr lang="zh-CN" altLang="en-US"/>
           </a:p>
         </p:txBody>
       </p:sp>
@@ -4032,6 +3923,7 @@
               <a:rPr lang="zh-CN" altLang="en-US"/>
               <a:t>单击此处编辑母版文本样式</a:t>
             </a:r>
+            <a:endParaRPr lang="zh-CN" altLang="en-US"/>
           </a:p>
           <a:p>
             <a:pPr lvl="1"/>
@@ -4039,6 +3931,7 @@
               <a:rPr lang="zh-CN" altLang="en-US"/>
               <a:t>第二级</a:t>
             </a:r>
+            <a:endParaRPr lang="zh-CN" altLang="en-US"/>
           </a:p>
           <a:p>
             <a:pPr lvl="2"/>
@@ -4046,6 +3939,7 @@
               <a:rPr lang="zh-CN" altLang="en-US"/>
               <a:t>第三级</a:t>
             </a:r>
+            <a:endParaRPr lang="zh-CN" altLang="en-US"/>
           </a:p>
           <a:p>
             <a:pPr lvl="3"/>
@@ -4053,6 +3947,7 @@
               <a:rPr lang="zh-CN" altLang="en-US"/>
               <a:t>第四级</a:t>
             </a:r>
+            <a:endParaRPr lang="zh-CN" altLang="en-US"/>
           </a:p>
           <a:p>
             <a:pPr lvl="4"/>
@@ -4060,6 +3955,7 @@
               <a:rPr lang="zh-CN" altLang="en-US"/>
               <a:t>第五级</a:t>
             </a:r>
+            <a:endParaRPr lang="zh-CN" altLang="en-US"/>
           </a:p>
         </p:txBody>
       </p:sp>
@@ -4080,7 +3976,6 @@
           <a:p>
             <a:fld id="{9235DC95-CA93-4412-83B5-44E84C2AB4A2}" type="datetimeFigureOut">
               <a:rPr lang="zh-CN" altLang="en-US" smtClean="0"/>
-              <a:t>2021/2/19</a:t>
             </a:fld>
             <a:endParaRPr lang="zh-CN" altLang="en-US"/>
           </a:p>
@@ -4122,18 +4017,12 @@
           <a:p>
             <a:fld id="{41663981-0834-4737-95F4-37FF14E266D2}" type="slidenum">
               <a:rPr lang="zh-CN" altLang="en-US" smtClean="0"/>
-              <a:t>‹#›</a:t>
             </a:fld>
             <a:endParaRPr lang="zh-CN" altLang="en-US"/>
           </a:p>
         </p:txBody>
       </p:sp>
     </p:spTree>
-    <p:extLst>
-      <p:ext uri="{BB962C8B-B14F-4D97-AF65-F5344CB8AC3E}">
-        <p14:creationId xmlns:p14="http://schemas.microsoft.com/office/powerpoint/2010/main" val="2826731124"/>
-      </p:ext>
-    </p:extLst>
   </p:cSld>
   <p:clrMapOvr>
     <a:masterClrMapping/>
@@ -4182,6 +4071,7 @@
               <a:rPr lang="zh-CN" altLang="en-US"/>
               <a:t>单击此处编辑母版标题样式</a:t>
             </a:r>
+            <a:endParaRPr lang="zh-CN" altLang="en-US"/>
           </a:p>
         </p:txBody>
       </p:sp>
@@ -4247,6 +4137,7 @@
               <a:rPr lang="zh-CN" altLang="en-US"/>
               <a:t>单击此处编辑母版文本样式</a:t>
             </a:r>
+            <a:endParaRPr lang="zh-CN" altLang="en-US"/>
           </a:p>
         </p:txBody>
       </p:sp>
@@ -4275,6 +4166,7 @@
               <a:rPr lang="zh-CN" altLang="en-US"/>
               <a:t>单击此处编辑母版文本样式</a:t>
             </a:r>
+            <a:endParaRPr lang="zh-CN" altLang="en-US"/>
           </a:p>
           <a:p>
             <a:pPr lvl="1"/>
@@ -4282,6 +4174,7 @@
               <a:rPr lang="zh-CN" altLang="en-US"/>
               <a:t>第二级</a:t>
             </a:r>
+            <a:endParaRPr lang="zh-CN" altLang="en-US"/>
           </a:p>
           <a:p>
             <a:pPr lvl="2"/>
@@ -4289,6 +4182,7 @@
               <a:rPr lang="zh-CN" altLang="en-US"/>
               <a:t>第三级</a:t>
             </a:r>
+            <a:endParaRPr lang="zh-CN" altLang="en-US"/>
           </a:p>
           <a:p>
             <a:pPr lvl="3"/>
@@ -4296,6 +4190,7 @@
               <a:rPr lang="zh-CN" altLang="en-US"/>
               <a:t>第四级</a:t>
             </a:r>
+            <a:endParaRPr lang="zh-CN" altLang="en-US"/>
           </a:p>
           <a:p>
             <a:pPr lvl="4"/>
@@ -4303,6 +4198,7 @@
               <a:rPr lang="zh-CN" altLang="en-US"/>
               <a:t>第五级</a:t>
             </a:r>
+            <a:endParaRPr lang="zh-CN" altLang="en-US"/>
           </a:p>
         </p:txBody>
       </p:sp>
@@ -4368,6 +4264,7 @@
               <a:rPr lang="zh-CN" altLang="en-US"/>
               <a:t>单击此处编辑母版文本样式</a:t>
             </a:r>
+            <a:endParaRPr lang="zh-CN" altLang="en-US"/>
           </a:p>
         </p:txBody>
       </p:sp>
@@ -4396,6 +4293,7 @@
               <a:rPr lang="zh-CN" altLang="en-US"/>
               <a:t>单击此处编辑母版文本样式</a:t>
             </a:r>
+            <a:endParaRPr lang="zh-CN" altLang="en-US"/>
           </a:p>
           <a:p>
             <a:pPr lvl="1"/>
@@ -4403,6 +4301,7 @@
               <a:rPr lang="zh-CN" altLang="en-US"/>
               <a:t>第二级</a:t>
             </a:r>
+            <a:endParaRPr lang="zh-CN" altLang="en-US"/>
           </a:p>
           <a:p>
             <a:pPr lvl="2"/>
@@ -4410,6 +4309,7 @@
               <a:rPr lang="zh-CN" altLang="en-US"/>
               <a:t>第三级</a:t>
             </a:r>
+            <a:endParaRPr lang="zh-CN" altLang="en-US"/>
           </a:p>
           <a:p>
             <a:pPr lvl="3"/>
@@ -4417,6 +4317,7 @@
               <a:rPr lang="zh-CN" altLang="en-US"/>
               <a:t>第四级</a:t>
             </a:r>
+            <a:endParaRPr lang="zh-CN" altLang="en-US"/>
           </a:p>
           <a:p>
             <a:pPr lvl="4"/>
@@ -4424,6 +4325,7 @@
               <a:rPr lang="zh-CN" altLang="en-US"/>
               <a:t>第五级</a:t>
             </a:r>
+            <a:endParaRPr lang="zh-CN" altLang="en-US"/>
           </a:p>
         </p:txBody>
       </p:sp>
@@ -4444,7 +4346,6 @@
           <a:p>
             <a:fld id="{9235DC95-CA93-4412-83B5-44E84C2AB4A2}" type="datetimeFigureOut">
               <a:rPr lang="zh-CN" altLang="en-US" smtClean="0"/>
-              <a:t>2021/2/19</a:t>
             </a:fld>
             <a:endParaRPr lang="zh-CN" altLang="en-US"/>
           </a:p>
@@ -4486,18 +4387,12 @@
           <a:p>
             <a:fld id="{41663981-0834-4737-95F4-37FF14E266D2}" type="slidenum">
               <a:rPr lang="zh-CN" altLang="en-US" smtClean="0"/>
-              <a:t>‹#›</a:t>
             </a:fld>
             <a:endParaRPr lang="zh-CN" altLang="en-US"/>
           </a:p>
         </p:txBody>
       </p:sp>
     </p:spTree>
-    <p:extLst>
-      <p:ext uri="{BB962C8B-B14F-4D97-AF65-F5344CB8AC3E}">
-        <p14:creationId xmlns:p14="http://schemas.microsoft.com/office/powerpoint/2010/main" val="3474878399"/>
-      </p:ext>
-    </p:extLst>
   </p:cSld>
   <p:clrMapOvr>
     <a:masterClrMapping/>
@@ -4541,6 +4436,7 @@
               <a:rPr lang="zh-CN" altLang="en-US"/>
               <a:t>单击此处编辑母版标题样式</a:t>
             </a:r>
+            <a:endParaRPr lang="zh-CN" altLang="en-US"/>
           </a:p>
         </p:txBody>
       </p:sp>
@@ -4561,7 +4457,6 @@
           <a:p>
             <a:fld id="{9235DC95-CA93-4412-83B5-44E84C2AB4A2}" type="datetimeFigureOut">
               <a:rPr lang="zh-CN" altLang="en-US" smtClean="0"/>
-              <a:t>2021/2/19</a:t>
             </a:fld>
             <a:endParaRPr lang="zh-CN" altLang="en-US"/>
           </a:p>
@@ -4603,18 +4498,12 @@
           <a:p>
             <a:fld id="{41663981-0834-4737-95F4-37FF14E266D2}" type="slidenum">
               <a:rPr lang="zh-CN" altLang="en-US" smtClean="0"/>
-              <a:t>‹#›</a:t>
             </a:fld>
             <a:endParaRPr lang="zh-CN" altLang="en-US"/>
           </a:p>
         </p:txBody>
       </p:sp>
     </p:spTree>
-    <p:extLst>
-      <p:ext uri="{BB962C8B-B14F-4D97-AF65-F5344CB8AC3E}">
-        <p14:creationId xmlns:p14="http://schemas.microsoft.com/office/powerpoint/2010/main" val="812721336"/>
-      </p:ext>
-    </p:extLst>
   </p:cSld>
   <p:clrMapOvr>
     <a:masterClrMapping/>
@@ -4656,7 +4545,6 @@
           <a:p>
             <a:fld id="{9235DC95-CA93-4412-83B5-44E84C2AB4A2}" type="datetimeFigureOut">
               <a:rPr lang="zh-CN" altLang="en-US" smtClean="0"/>
-              <a:t>2021/2/19</a:t>
             </a:fld>
             <a:endParaRPr lang="zh-CN" altLang="en-US"/>
           </a:p>
@@ -4698,18 +4586,12 @@
           <a:p>
             <a:fld id="{41663981-0834-4737-95F4-37FF14E266D2}" type="slidenum">
               <a:rPr lang="zh-CN" altLang="en-US" smtClean="0"/>
-              <a:t>‹#›</a:t>
             </a:fld>
             <a:endParaRPr lang="zh-CN" altLang="en-US"/>
           </a:p>
         </p:txBody>
       </p:sp>
     </p:spTree>
-    <p:extLst>
-      <p:ext uri="{BB962C8B-B14F-4D97-AF65-F5344CB8AC3E}">
-        <p14:creationId xmlns:p14="http://schemas.microsoft.com/office/powerpoint/2010/main" val="2411305921"/>
-      </p:ext>
-    </p:extLst>
   </p:cSld>
   <p:clrMapOvr>
     <a:masterClrMapping/>
@@ -4762,6 +4644,7 @@
               <a:rPr lang="zh-CN" altLang="en-US"/>
               <a:t>单击此处编辑母版标题样式</a:t>
             </a:r>
+            <a:endParaRPr lang="zh-CN" altLang="en-US"/>
           </a:p>
         </p:txBody>
       </p:sp>
@@ -4818,6 +4701,7 @@
               <a:rPr lang="zh-CN" altLang="en-US"/>
               <a:t>单击此处编辑母版文本样式</a:t>
             </a:r>
+            <a:endParaRPr lang="zh-CN" altLang="en-US"/>
           </a:p>
           <a:p>
             <a:pPr lvl="1"/>
@@ -4825,6 +4709,7 @@
               <a:rPr lang="zh-CN" altLang="en-US"/>
               <a:t>第二级</a:t>
             </a:r>
+            <a:endParaRPr lang="zh-CN" altLang="en-US"/>
           </a:p>
           <a:p>
             <a:pPr lvl="2"/>
@@ -4832,6 +4717,7 @@
               <a:rPr lang="zh-CN" altLang="en-US"/>
               <a:t>第三级</a:t>
             </a:r>
+            <a:endParaRPr lang="zh-CN" altLang="en-US"/>
           </a:p>
           <a:p>
             <a:pPr lvl="3"/>
@@ -4839,6 +4725,7 @@
               <a:rPr lang="zh-CN" altLang="en-US"/>
               <a:t>第四级</a:t>
             </a:r>
+            <a:endParaRPr lang="zh-CN" altLang="en-US"/>
           </a:p>
           <a:p>
             <a:pPr lvl="4"/>
@@ -4846,6 +4733,7 @@
               <a:rPr lang="zh-CN" altLang="en-US"/>
               <a:t>第五级</a:t>
             </a:r>
+            <a:endParaRPr lang="zh-CN" altLang="en-US"/>
           </a:p>
         </p:txBody>
       </p:sp>
@@ -4911,6 +4799,7 @@
               <a:rPr lang="zh-CN" altLang="en-US"/>
               <a:t>单击此处编辑母版文本样式</a:t>
             </a:r>
+            <a:endParaRPr lang="zh-CN" altLang="en-US"/>
           </a:p>
         </p:txBody>
       </p:sp>
@@ -4931,7 +4820,6 @@
           <a:p>
             <a:fld id="{9235DC95-CA93-4412-83B5-44E84C2AB4A2}" type="datetimeFigureOut">
               <a:rPr lang="zh-CN" altLang="en-US" smtClean="0"/>
-              <a:t>2021/2/19</a:t>
             </a:fld>
             <a:endParaRPr lang="zh-CN" altLang="en-US"/>
           </a:p>
@@ -4973,18 +4861,12 @@
           <a:p>
             <a:fld id="{41663981-0834-4737-95F4-37FF14E266D2}" type="slidenum">
               <a:rPr lang="zh-CN" altLang="en-US" smtClean="0"/>
-              <a:t>‹#›</a:t>
             </a:fld>
             <a:endParaRPr lang="zh-CN" altLang="en-US"/>
           </a:p>
         </p:txBody>
       </p:sp>
     </p:spTree>
-    <p:extLst>
-      <p:ext uri="{BB962C8B-B14F-4D97-AF65-F5344CB8AC3E}">
-        <p14:creationId xmlns:p14="http://schemas.microsoft.com/office/powerpoint/2010/main" val="786966150"/>
-      </p:ext>
-    </p:extLst>
   </p:cSld>
   <p:clrMapOvr>
     <a:masterClrMapping/>
@@ -5037,6 +4919,7 @@
               <a:rPr lang="zh-CN" altLang="en-US"/>
               <a:t>单击此处编辑母版标题样式</a:t>
             </a:r>
+            <a:endParaRPr lang="zh-CN" altLang="en-US"/>
           </a:p>
         </p:txBody>
       </p:sp>
@@ -5163,6 +5046,7 @@
               <a:rPr lang="zh-CN" altLang="en-US"/>
               <a:t>单击此处编辑母版文本样式</a:t>
             </a:r>
+            <a:endParaRPr lang="zh-CN" altLang="en-US"/>
           </a:p>
         </p:txBody>
       </p:sp>
@@ -5183,7 +5067,6 @@
           <a:p>
             <a:fld id="{9235DC95-CA93-4412-83B5-44E84C2AB4A2}" type="datetimeFigureOut">
               <a:rPr lang="zh-CN" altLang="en-US" smtClean="0"/>
-              <a:t>2021/2/19</a:t>
             </a:fld>
             <a:endParaRPr lang="zh-CN" altLang="en-US"/>
           </a:p>
@@ -5225,18 +5108,12 @@
           <a:p>
             <a:fld id="{41663981-0834-4737-95F4-37FF14E266D2}" type="slidenum">
               <a:rPr lang="zh-CN" altLang="en-US" smtClean="0"/>
-              <a:t>‹#›</a:t>
             </a:fld>
             <a:endParaRPr lang="zh-CN" altLang="en-US"/>
           </a:p>
         </p:txBody>
       </p:sp>
     </p:spTree>
-    <p:extLst>
-      <p:ext uri="{BB962C8B-B14F-4D97-AF65-F5344CB8AC3E}">
-        <p14:creationId xmlns:p14="http://schemas.microsoft.com/office/powerpoint/2010/main" val="1109987940"/>
-      </p:ext>
-    </p:extLst>
   </p:cSld>
   <p:clrMapOvr>
     <a:masterClrMapping/>
@@ -5295,6 +5172,7 @@
               <a:rPr lang="zh-CN" altLang="en-US"/>
               <a:t>单击此处编辑母版标题样式</a:t>
             </a:r>
+            <a:endParaRPr lang="zh-CN" altLang="en-US"/>
           </a:p>
         </p:txBody>
       </p:sp>
@@ -5328,6 +5206,7 @@
               <a:rPr lang="zh-CN" altLang="en-US"/>
               <a:t>单击此处编辑母版文本样式</a:t>
             </a:r>
+            <a:endParaRPr lang="zh-CN" altLang="en-US"/>
           </a:p>
           <a:p>
             <a:pPr lvl="1"/>
@@ -5335,6 +5214,7 @@
               <a:rPr lang="zh-CN" altLang="en-US"/>
               <a:t>第二级</a:t>
             </a:r>
+            <a:endParaRPr lang="zh-CN" altLang="en-US"/>
           </a:p>
           <a:p>
             <a:pPr lvl="2"/>
@@ -5342,6 +5222,7 @@
               <a:rPr lang="zh-CN" altLang="en-US"/>
               <a:t>第三级</a:t>
             </a:r>
+            <a:endParaRPr lang="zh-CN" altLang="en-US"/>
           </a:p>
           <a:p>
             <a:pPr lvl="3"/>
@@ -5349,6 +5230,7 @@
               <a:rPr lang="zh-CN" altLang="en-US"/>
               <a:t>第四级</a:t>
             </a:r>
+            <a:endParaRPr lang="zh-CN" altLang="en-US"/>
           </a:p>
           <a:p>
             <a:pPr lvl="4"/>
@@ -5356,6 +5238,7 @@
               <a:rPr lang="zh-CN" altLang="en-US"/>
               <a:t>第五级</a:t>
             </a:r>
+            <a:endParaRPr lang="zh-CN" altLang="en-US"/>
           </a:p>
         </p:txBody>
       </p:sp>
@@ -5394,7 +5277,6 @@
           <a:p>
             <a:fld id="{9235DC95-CA93-4412-83B5-44E84C2AB4A2}" type="datetimeFigureOut">
               <a:rPr lang="zh-CN" altLang="en-US" smtClean="0"/>
-              <a:t>2021/2/19</a:t>
             </a:fld>
             <a:endParaRPr lang="zh-CN" altLang="en-US"/>
           </a:p>
@@ -5472,18 +5354,12 @@
           <a:p>
             <a:fld id="{41663981-0834-4737-95F4-37FF14E266D2}" type="slidenum">
               <a:rPr lang="zh-CN" altLang="en-US" smtClean="0"/>
-              <a:t>‹#›</a:t>
             </a:fld>
             <a:endParaRPr lang="zh-CN" altLang="en-US"/>
           </a:p>
         </p:txBody>
       </p:sp>
     </p:spTree>
-    <p:extLst>
-      <p:ext uri="{BB962C8B-B14F-4D97-AF65-F5344CB8AC3E}">
-        <p14:creationId xmlns:p14="http://schemas.microsoft.com/office/powerpoint/2010/main" val="2583678263"/>
-      </p:ext>
-    </p:extLst>
   </p:cSld>
   <p:clrMap bg1="lt1" tx1="dk1" bg2="lt2" tx2="dk2" accent1="accent1" accent2="accent2" accent3="accent3" accent4="accent4" accent5="accent5" accent6="accent6" hlink="hlink" folHlink="folHlink"/>
   <p:sldLayoutIdLst>
@@ -5827,15 +5703,11 @@
           <p:nvPr/>
         </p:nvPicPr>
         <p:blipFill rotWithShape="1">
-          <a:blip r:embed="rId2" cstate="screen">
-            <a:extLst>
-              <a:ext uri="{28A0092B-C50C-407E-A947-70E740481C1C}">
-                <a14:useLocalDpi xmlns:a14="http://schemas.microsoft.com/office/drawing/2010/main"/>
-              </a:ext>
-            </a:extLst>
-          </a:blip>
+          <a:blip r:embed="rId1" cstate="screen"/>
           <a:srcRect/>
-          <a:stretch/>
+          <a:stretch>
+            <a:fillRect/>
+          </a:stretch>
         </p:blipFill>
         <p:spPr>
           <a:xfrm>
@@ -5856,7 +5728,7 @@
           <p:nvPr/>
         </p:nvPicPr>
         <p:blipFill>
-          <a:blip r:embed="rId3"/>
+          <a:blip r:embed="rId2"/>
           <a:stretch>
             <a:fillRect/>
           </a:stretch>
@@ -5874,9 +5746,7 @@
       <p:sp>
         <p:nvSpPr>
           <p:cNvPr id="7" name="文本占位符 17"/>
-          <p:cNvSpPr txBox="1">
-            <a:spLocks/>
-          </p:cNvSpPr>
+          <p:cNvSpPr txBox="1"/>
           <p:nvPr/>
         </p:nvSpPr>
         <p:spPr>
@@ -6088,9 +5958,7 @@
       <p:sp>
         <p:nvSpPr>
           <p:cNvPr id="8" name="文本占位符 18"/>
-          <p:cNvSpPr txBox="1">
-            <a:spLocks/>
-          </p:cNvSpPr>
+          <p:cNvSpPr txBox="1"/>
           <p:nvPr/>
         </p:nvSpPr>
         <p:spPr>
@@ -6324,6 +6192,13 @@
               </a:rPr>
               <a:t>导师：周长义</a:t>
             </a:r>
+            <a:endParaRPr kumimoji="1" lang="zh-CN" altLang="en-US" sz="2000" dirty="0">
+              <a:solidFill>
+                <a:schemeClr val="bg1"/>
+              </a:solidFill>
+              <a:latin typeface="vivo type CN简 Bold" panose="02000800000000000000" pitchFamily="50" charset="-122"/>
+              <a:ea typeface="vivo type CN简 Bold" panose="02000800000000000000" pitchFamily="50" charset="-122"/>
+            </a:endParaRPr>
           </a:p>
         </p:txBody>
       </p:sp>
@@ -6336,7 +6211,7 @@
           <p:nvPr/>
         </p:nvPicPr>
         <p:blipFill>
-          <a:blip r:embed="rId4"/>
+          <a:blip r:embed="rId3"/>
           <a:stretch>
             <a:fillRect/>
           </a:stretch>
@@ -6352,11 +6227,6 @@
         </p:spPr>
       </p:pic>
     </p:spTree>
-    <p:extLst>
-      <p:ext uri="{BB962C8B-B14F-4D97-AF65-F5344CB8AC3E}">
-        <p14:creationId xmlns:p14="http://schemas.microsoft.com/office/powerpoint/2010/main" val="2662769567"/>
-      </p:ext>
-    </p:extLst>
   </p:cSld>
   <p:clrMapOvr>
     <a:masterClrMapping/>
@@ -6390,7 +6260,7 @@
           <p:nvPr/>
         </p:nvPicPr>
         <p:blipFill>
-          <a:blip r:embed="rId2"/>
+          <a:blip r:embed="rId1"/>
           <a:stretch>
             <a:fillRect/>
           </a:stretch>
@@ -6408,7 +6278,7 @@
       <p:pic>
         <p:nvPicPr>
           <p:cNvPr id="15" name="图片 14">
-            <a:hlinkClick r:id="rId3" action="ppaction://hlinksldjump" tooltip="返回"/>
+            <a:hlinkClick r:id="rId2" tooltip="返回" action="ppaction://hlinksldjump"/>
           </p:cNvPr>
           <p:cNvPicPr>
             <a:picLocks noChangeAspect="1"/>
@@ -6416,7 +6286,7 @@
           <p:nvPr/>
         </p:nvPicPr>
         <p:blipFill>
-          <a:blip r:embed="rId4"/>
+          <a:blip r:embed="rId3"/>
           <a:stretch>
             <a:fillRect/>
           </a:stretch>
@@ -6440,7 +6310,7 @@
           <p:nvPr/>
         </p:nvPicPr>
         <p:blipFill>
-          <a:blip r:embed="rId2"/>
+          <a:blip r:embed="rId1"/>
           <a:stretch>
             <a:fillRect/>
           </a:stretch>
@@ -6458,9 +6328,7 @@
       <p:sp>
         <p:nvSpPr>
           <p:cNvPr id="17" name="标题 5"/>
-          <p:cNvSpPr txBox="1">
-            <a:spLocks/>
-          </p:cNvSpPr>
+          <p:cNvSpPr txBox="1"/>
           <p:nvPr/>
         </p:nvSpPr>
         <p:spPr>
@@ -6475,7 +6343,7 @@
         <p:txBody>
           <a:bodyPr/>
           <a:lstStyle>
-            <a:lvl1pPr algn="ctr" defTabSz="1279920" rtl="0" eaLnBrk="1" latinLnBrk="0" hangingPunct="1">
+            <a:lvl1pPr algn="ctr" defTabSz="1280160" rtl="0" eaLnBrk="1" latinLnBrk="0" hangingPunct="1">
               <a:spcBef>
                 <a:spcPct val="0"/>
               </a:spcBef>
@@ -6502,18 +6370,19 @@
               </a:rPr>
               <a:t>对基本行为准则的认知和感受</a:t>
             </a:r>
-          </a:p>
-        </p:txBody>
-      </p:sp>
-      <p:sp>
-        <p:nvSpPr>
-          <p:cNvPr id="10" name="矩形 9">
-            <a:extLst>
-              <a:ext uri="{FF2B5EF4-FFF2-40B4-BE49-F238E27FC236}">
-                <a16:creationId xmlns:a16="http://schemas.microsoft.com/office/drawing/2014/main" id="{3086342C-285A-4A25-ACE6-FF6ACA1EA5B9}"/>
-              </a:ext>
-            </a:extLst>
-          </p:cNvPr>
+            <a:endParaRPr lang="zh-CN" altLang="en-US" sz="2400" dirty="0">
+              <a:solidFill>
+                <a:schemeClr val="bg1"/>
+              </a:solidFill>
+              <a:latin typeface="vivo type CN简 Regular" panose="02000500000000000000" pitchFamily="50" charset="-122"/>
+              <a:ea typeface="vivo type CN简 Regular" panose="02000500000000000000" pitchFamily="50" charset="-122"/>
+            </a:endParaRPr>
+          </a:p>
+        </p:txBody>
+      </p:sp>
+      <p:sp>
+        <p:nvSpPr>
+          <p:cNvPr id="10" name="矩形 9"/>
           <p:cNvSpPr/>
           <p:nvPr/>
         </p:nvSpPr>
@@ -6589,11 +6458,6 @@
         </p:txBody>
       </p:sp>
     </p:spTree>
-    <p:extLst>
-      <p:ext uri="{BB962C8B-B14F-4D97-AF65-F5344CB8AC3E}">
-        <p14:creationId xmlns:p14="http://schemas.microsoft.com/office/powerpoint/2010/main" val="2976331072"/>
-      </p:ext>
-    </p:extLst>
   </p:cSld>
   <p:clrMapOvr>
     <a:masterClrMapping/>
@@ -6627,7 +6491,7 @@
           <p:nvPr/>
         </p:nvPicPr>
         <p:blipFill>
-          <a:blip r:embed="rId2"/>
+          <a:blip r:embed="rId1"/>
           <a:stretch>
             <a:fillRect/>
           </a:stretch>
@@ -6651,7 +6515,7 @@
           <p:nvPr/>
         </p:nvPicPr>
         <p:blipFill>
-          <a:blip r:embed="rId3"/>
+          <a:blip r:embed="rId2"/>
           <a:stretch>
             <a:fillRect/>
           </a:stretch>
@@ -6675,7 +6539,7 @@
           <p:nvPr/>
         </p:nvPicPr>
         <p:blipFill>
-          <a:blip r:embed="rId2"/>
+          <a:blip r:embed="rId1"/>
           <a:stretch>
             <a:fillRect/>
           </a:stretch>
@@ -6693,9 +6557,7 @@
       <p:sp>
         <p:nvSpPr>
           <p:cNvPr id="17" name="标题 5"/>
-          <p:cNvSpPr txBox="1">
-            <a:spLocks/>
-          </p:cNvSpPr>
+          <p:cNvSpPr txBox="1"/>
           <p:nvPr/>
         </p:nvSpPr>
         <p:spPr>
@@ -6710,7 +6572,7 @@
         <p:txBody>
           <a:bodyPr/>
           <a:lstStyle>
-            <a:lvl1pPr algn="ctr" defTabSz="1279920" rtl="0" eaLnBrk="1" latinLnBrk="0" hangingPunct="1">
+            <a:lvl1pPr algn="ctr" defTabSz="1280160" rtl="0" eaLnBrk="1" latinLnBrk="0" hangingPunct="1">
               <a:spcBef>
                 <a:spcPct val="0"/>
               </a:spcBef>
@@ -6737,18 +6599,19 @@
               </a:rPr>
               <a:t>二、试用期工作目标及达成情况总结</a:t>
             </a:r>
-          </a:p>
-        </p:txBody>
-      </p:sp>
-      <p:sp>
-        <p:nvSpPr>
-          <p:cNvPr id="2" name="矩形 1">
-            <a:extLst>
-              <a:ext uri="{FF2B5EF4-FFF2-40B4-BE49-F238E27FC236}">
-                <a16:creationId xmlns:a16="http://schemas.microsoft.com/office/drawing/2014/main" id="{5EE4779D-AC2B-4DFF-994E-B0A16C71E69A}"/>
-              </a:ext>
-            </a:extLst>
-          </p:cNvPr>
+            <a:endParaRPr lang="zh-CN" altLang="en-US" sz="2400" dirty="0">
+              <a:solidFill>
+                <a:schemeClr val="bg1"/>
+              </a:solidFill>
+              <a:latin typeface="vivo type CN简 Regular" panose="02000500000000000000" pitchFamily="50" charset="-122"/>
+              <a:ea typeface="vivo type CN简 Regular" panose="02000500000000000000" pitchFamily="50" charset="-122"/>
+            </a:endParaRPr>
+          </a:p>
+        </p:txBody>
+      </p:sp>
+      <p:sp>
+        <p:nvSpPr>
+          <p:cNvPr id="2" name="矩形 1"/>
           <p:cNvSpPr/>
           <p:nvPr/>
         </p:nvSpPr>
@@ -6801,18 +6664,13 @@
               <a:rPr lang="zh-CN" altLang="en-US" dirty="0"/>
               <a:t>性能和稳定性问题</a:t>
             </a:r>
-          </a:p>
-        </p:txBody>
-      </p:sp>
-      <p:sp>
-        <p:nvSpPr>
-          <p:cNvPr id="8" name="矩形 7">
-            <a:extLst>
-              <a:ext uri="{FF2B5EF4-FFF2-40B4-BE49-F238E27FC236}">
-                <a16:creationId xmlns:a16="http://schemas.microsoft.com/office/drawing/2014/main" id="{AF7D3FF5-CDFD-4C27-B2E7-6E3CAC5E28A6}"/>
-              </a:ext>
-            </a:extLst>
-          </p:cNvPr>
+            <a:endParaRPr lang="zh-CN" altLang="en-US" dirty="0"/>
+          </a:p>
+        </p:txBody>
+      </p:sp>
+      <p:sp>
+        <p:nvSpPr>
+          <p:cNvPr id="8" name="矩形 7"/>
           <p:cNvSpPr/>
           <p:nvPr/>
         </p:nvSpPr>
@@ -6880,18 +6738,13 @@
               <a:rPr lang="zh-CN" altLang="en-US" dirty="0"/>
               <a:t>新需求开发</a:t>
             </a:r>
-          </a:p>
-        </p:txBody>
-      </p:sp>
-      <p:sp>
-        <p:nvSpPr>
-          <p:cNvPr id="9" name="矩形 8">
-            <a:extLst>
-              <a:ext uri="{FF2B5EF4-FFF2-40B4-BE49-F238E27FC236}">
-                <a16:creationId xmlns:a16="http://schemas.microsoft.com/office/drawing/2014/main" id="{0BE42964-7161-499E-BF3C-3300C26FEC39}"/>
-              </a:ext>
-            </a:extLst>
-          </p:cNvPr>
+            <a:endParaRPr lang="zh-CN" altLang="en-US" dirty="0"/>
+          </a:p>
+        </p:txBody>
+      </p:sp>
+      <p:sp>
+        <p:nvSpPr>
+          <p:cNvPr id="9" name="矩形 8"/>
           <p:cNvSpPr/>
           <p:nvPr/>
         </p:nvSpPr>
@@ -6967,15 +6820,11 @@
               <a:rPr lang="zh-CN" altLang="en-US" dirty="0"/>
               <a:t>新需求开发</a:t>
             </a:r>
+            <a:endParaRPr lang="zh-CN" altLang="en-US" dirty="0"/>
           </a:p>
         </p:txBody>
       </p:sp>
     </p:spTree>
-    <p:extLst>
-      <p:ext uri="{BB962C8B-B14F-4D97-AF65-F5344CB8AC3E}">
-        <p14:creationId xmlns:p14="http://schemas.microsoft.com/office/powerpoint/2010/main" val="2020272073"/>
-      </p:ext>
-    </p:extLst>
   </p:cSld>
   <p:clrMapOvr>
     <a:masterClrMapping/>
@@ -7009,7 +6858,7 @@
           <p:nvPr/>
         </p:nvPicPr>
         <p:blipFill>
-          <a:blip r:embed="rId2"/>
+          <a:blip r:embed="rId1"/>
           <a:stretch>
             <a:fillRect/>
           </a:stretch>
@@ -7033,7 +6882,7 @@
           <p:nvPr/>
         </p:nvPicPr>
         <p:blipFill>
-          <a:blip r:embed="rId3"/>
+          <a:blip r:embed="rId2"/>
           <a:stretch>
             <a:fillRect/>
           </a:stretch>
@@ -7057,7 +6906,7 @@
           <p:nvPr/>
         </p:nvPicPr>
         <p:blipFill>
-          <a:blip r:embed="rId2"/>
+          <a:blip r:embed="rId1"/>
           <a:stretch>
             <a:fillRect/>
           </a:stretch>
@@ -7075,9 +6924,7 @@
       <p:sp>
         <p:nvSpPr>
           <p:cNvPr id="17" name="标题 5"/>
-          <p:cNvSpPr txBox="1">
-            <a:spLocks/>
-          </p:cNvSpPr>
+          <p:cNvSpPr txBox="1"/>
           <p:nvPr/>
         </p:nvSpPr>
         <p:spPr>
@@ -7092,7 +6939,7 @@
         <p:txBody>
           <a:bodyPr/>
           <a:lstStyle>
-            <a:lvl1pPr algn="ctr" defTabSz="1279920" rtl="0" eaLnBrk="1" latinLnBrk="0" hangingPunct="1">
+            <a:lvl1pPr algn="ctr" defTabSz="1280160" rtl="0" eaLnBrk="1" latinLnBrk="0" hangingPunct="1">
               <a:spcBef>
                 <a:spcPct val="0"/>
               </a:spcBef>
@@ -7141,13 +6988,7 @@
       </p:sp>
       <p:sp>
         <p:nvSpPr>
-          <p:cNvPr id="2" name="文本框 1">
-            <a:extLst>
-              <a:ext uri="{FF2B5EF4-FFF2-40B4-BE49-F238E27FC236}">
-                <a16:creationId xmlns:a16="http://schemas.microsoft.com/office/drawing/2014/main" id="{CDB47534-ECCA-420C-92A8-09D93BE9981C}"/>
-              </a:ext>
-            </a:extLst>
-          </p:cNvPr>
+          <p:cNvPr id="2" name="文本框 1"/>
           <p:cNvSpPr txBox="1"/>
           <p:nvPr/>
         </p:nvSpPr>
@@ -7225,15 +7066,11 @@
               <a:rPr lang="zh-CN" altLang="en-US" sz="1600" dirty="0"/>
               <a:t>系统关于提交缺陷与查看缺陷的功能打通；</a:t>
             </a:r>
+            <a:endParaRPr lang="zh-CN" altLang="en-US" sz="1600" dirty="0"/>
           </a:p>
         </p:txBody>
       </p:sp>
     </p:spTree>
-    <p:extLst>
-      <p:ext uri="{BB962C8B-B14F-4D97-AF65-F5344CB8AC3E}">
-        <p14:creationId xmlns:p14="http://schemas.microsoft.com/office/powerpoint/2010/main" val="2964896804"/>
-      </p:ext>
-    </p:extLst>
   </p:cSld>
   <p:clrMapOvr>
     <a:masterClrMapping/>
@@ -7267,7 +7104,7 @@
           <p:nvPr/>
         </p:nvPicPr>
         <p:blipFill>
-          <a:blip r:embed="rId2"/>
+          <a:blip r:embed="rId1"/>
           <a:stretch>
             <a:fillRect/>
           </a:stretch>
@@ -7291,7 +7128,7 @@
           <p:nvPr/>
         </p:nvPicPr>
         <p:blipFill>
-          <a:blip r:embed="rId3"/>
+          <a:blip r:embed="rId2"/>
           <a:stretch>
             <a:fillRect/>
           </a:stretch>
@@ -7315,7 +7152,7 @@
           <p:nvPr/>
         </p:nvPicPr>
         <p:blipFill>
-          <a:blip r:embed="rId2"/>
+          <a:blip r:embed="rId1"/>
           <a:stretch>
             <a:fillRect/>
           </a:stretch>
@@ -7333,9 +7170,7 @@
       <p:sp>
         <p:nvSpPr>
           <p:cNvPr id="17" name="标题 5"/>
-          <p:cNvSpPr txBox="1">
-            <a:spLocks/>
-          </p:cNvSpPr>
+          <p:cNvSpPr txBox="1"/>
           <p:nvPr/>
         </p:nvSpPr>
         <p:spPr>
@@ -7350,7 +7185,7 @@
         <p:txBody>
           <a:bodyPr/>
           <a:lstStyle>
-            <a:lvl1pPr algn="ctr" defTabSz="1279920" rtl="0" eaLnBrk="1" latinLnBrk="0" hangingPunct="1">
+            <a:lvl1pPr algn="ctr" defTabSz="1280160" rtl="0" eaLnBrk="1" latinLnBrk="0" hangingPunct="1">
               <a:spcBef>
                 <a:spcPct val="0"/>
               </a:spcBef>
@@ -7399,13 +7234,7 @@
       </p:sp>
       <p:sp>
         <p:nvSpPr>
-          <p:cNvPr id="4" name="文本框 3">
-            <a:extLst>
-              <a:ext uri="{FF2B5EF4-FFF2-40B4-BE49-F238E27FC236}">
-                <a16:creationId xmlns:a16="http://schemas.microsoft.com/office/drawing/2014/main" id="{4E99EB8A-D264-49FD-9F3E-5C547775456C}"/>
-              </a:ext>
-            </a:extLst>
-          </p:cNvPr>
+          <p:cNvPr id="4" name="文本框 3"/>
           <p:cNvSpPr txBox="1"/>
           <p:nvPr/>
         </p:nvSpPr>
@@ -7505,15 +7334,11 @@
               <a:rPr lang="zh-CN" altLang="en-US" sz="1600" dirty="0"/>
               <a:t>任务详情页图片列表查询速度慢问题优化；</a:t>
             </a:r>
+            <a:endParaRPr lang="zh-CN" altLang="en-US" sz="1600" dirty="0"/>
           </a:p>
         </p:txBody>
       </p:sp>
     </p:spTree>
-    <p:extLst>
-      <p:ext uri="{BB962C8B-B14F-4D97-AF65-F5344CB8AC3E}">
-        <p14:creationId xmlns:p14="http://schemas.microsoft.com/office/powerpoint/2010/main" val="1681467919"/>
-      </p:ext>
-    </p:extLst>
   </p:cSld>
   <p:clrMapOvr>
     <a:masterClrMapping/>
@@ -7547,7 +7372,7 @@
           <p:nvPr/>
         </p:nvPicPr>
         <p:blipFill>
-          <a:blip r:embed="rId2"/>
+          <a:blip r:embed="rId1"/>
           <a:stretch>
             <a:fillRect/>
           </a:stretch>
@@ -7571,7 +7396,7 @@
           <p:nvPr/>
         </p:nvPicPr>
         <p:blipFill>
-          <a:blip r:embed="rId3"/>
+          <a:blip r:embed="rId2"/>
           <a:stretch>
             <a:fillRect/>
           </a:stretch>
@@ -7595,7 +7420,7 @@
           <p:nvPr/>
         </p:nvPicPr>
         <p:blipFill>
-          <a:blip r:embed="rId2"/>
+          <a:blip r:embed="rId1"/>
           <a:stretch>
             <a:fillRect/>
           </a:stretch>
@@ -7613,9 +7438,7 @@
       <p:sp>
         <p:nvSpPr>
           <p:cNvPr id="17" name="标题 5"/>
-          <p:cNvSpPr txBox="1">
-            <a:spLocks/>
-          </p:cNvSpPr>
+          <p:cNvSpPr txBox="1"/>
           <p:nvPr/>
         </p:nvSpPr>
         <p:spPr>
@@ -7630,7 +7453,7 @@
         <p:txBody>
           <a:bodyPr/>
           <a:lstStyle>
-            <a:lvl1pPr algn="ctr" defTabSz="1279920" rtl="0" eaLnBrk="1" latinLnBrk="0" hangingPunct="1">
+            <a:lvl1pPr algn="ctr" defTabSz="1280160" rtl="0" eaLnBrk="1" latinLnBrk="0" hangingPunct="1">
               <a:spcBef>
                 <a:spcPct val="0"/>
               </a:spcBef>
@@ -7679,13 +7502,7 @@
       </p:sp>
       <p:sp>
         <p:nvSpPr>
-          <p:cNvPr id="4" name="文本框 3">
-            <a:extLst>
-              <a:ext uri="{FF2B5EF4-FFF2-40B4-BE49-F238E27FC236}">
-                <a16:creationId xmlns:a16="http://schemas.microsoft.com/office/drawing/2014/main" id="{4E99EB8A-D264-49FD-9F3E-5C547775456C}"/>
-              </a:ext>
-            </a:extLst>
-          </p:cNvPr>
+          <p:cNvPr id="4" name="文本框 3"/>
           <p:cNvSpPr txBox="1"/>
           <p:nvPr/>
         </p:nvSpPr>
@@ -7737,15 +7554,11 @@
               <a:rPr lang="zh-CN" altLang="en-US" sz="1400" dirty="0"/>
               <a:t>日志采集与监控平台；</a:t>
             </a:r>
+            <a:endParaRPr lang="zh-CN" altLang="en-US" sz="1400" dirty="0"/>
           </a:p>
         </p:txBody>
       </p:sp>
     </p:spTree>
-    <p:extLst>
-      <p:ext uri="{BB962C8B-B14F-4D97-AF65-F5344CB8AC3E}">
-        <p14:creationId xmlns:p14="http://schemas.microsoft.com/office/powerpoint/2010/main" val="1750376831"/>
-      </p:ext>
-    </p:extLst>
   </p:cSld>
   <p:clrMapOvr>
     <a:masterClrMapping/>
@@ -7779,7 +7592,7 @@
           <p:nvPr/>
         </p:nvPicPr>
         <p:blipFill>
-          <a:blip r:embed="rId2"/>
+          <a:blip r:embed="rId1"/>
           <a:stretch>
             <a:fillRect/>
           </a:stretch>
@@ -7803,7 +7616,7 @@
           <p:nvPr/>
         </p:nvPicPr>
         <p:blipFill>
-          <a:blip r:embed="rId3"/>
+          <a:blip r:embed="rId2"/>
           <a:stretch>
             <a:fillRect/>
           </a:stretch>
@@ -7827,7 +7640,7 @@
           <p:nvPr/>
         </p:nvPicPr>
         <p:blipFill>
-          <a:blip r:embed="rId2"/>
+          <a:blip r:embed="rId1"/>
           <a:stretch>
             <a:fillRect/>
           </a:stretch>
@@ -7845,9 +7658,7 @@
       <p:sp>
         <p:nvSpPr>
           <p:cNvPr id="17" name="标题 5"/>
-          <p:cNvSpPr txBox="1">
-            <a:spLocks/>
-          </p:cNvSpPr>
+          <p:cNvSpPr txBox="1"/>
           <p:nvPr/>
         </p:nvSpPr>
         <p:spPr>
@@ -7862,7 +7673,7 @@
         <p:txBody>
           <a:bodyPr/>
           <a:lstStyle>
-            <a:lvl1pPr algn="ctr" defTabSz="1279920" rtl="0" eaLnBrk="1" latinLnBrk="0" hangingPunct="1">
+            <a:lvl1pPr algn="ctr" defTabSz="1280160" rtl="0" eaLnBrk="1" latinLnBrk="0" hangingPunct="1">
               <a:spcBef>
                 <a:spcPct val="0"/>
               </a:spcBef>
@@ -7889,18 +7700,19 @@
               </a:rPr>
               <a:t>三、负责工作模块的意见、想法及规划</a:t>
             </a:r>
-          </a:p>
-        </p:txBody>
-      </p:sp>
-      <p:sp>
-        <p:nvSpPr>
-          <p:cNvPr id="2" name="文本框 1">
-            <a:extLst>
-              <a:ext uri="{FF2B5EF4-FFF2-40B4-BE49-F238E27FC236}">
-                <a16:creationId xmlns:a16="http://schemas.microsoft.com/office/drawing/2014/main" id="{CDB47534-ECCA-420C-92A8-09D93BE9981C}"/>
-              </a:ext>
-            </a:extLst>
-          </p:cNvPr>
+            <a:endParaRPr lang="zh-CN" altLang="en-US" sz="2400" dirty="0">
+              <a:solidFill>
+                <a:schemeClr val="bg1"/>
+              </a:solidFill>
+              <a:latin typeface="vivo type CN简 Regular" panose="02000500000000000000" pitchFamily="50" charset="-122"/>
+              <a:ea typeface="vivo type CN简 Regular" panose="02000500000000000000" pitchFamily="50" charset="-122"/>
+            </a:endParaRPr>
+          </a:p>
+        </p:txBody>
+      </p:sp>
+      <p:sp>
+        <p:nvSpPr>
+          <p:cNvPr id="2" name="文本框 1"/>
           <p:cNvSpPr txBox="1"/>
           <p:nvPr/>
         </p:nvSpPr>
@@ -8036,11 +7848,6 @@
         </p:txBody>
       </p:sp>
     </p:spTree>
-    <p:extLst>
-      <p:ext uri="{BB962C8B-B14F-4D97-AF65-F5344CB8AC3E}">
-        <p14:creationId xmlns:p14="http://schemas.microsoft.com/office/powerpoint/2010/main" val="1398722509"/>
-      </p:ext>
-    </p:extLst>
   </p:cSld>
   <p:clrMapOvr>
     <a:masterClrMapping/>
@@ -8074,7 +7881,7 @@
           <p:nvPr/>
         </p:nvPicPr>
         <p:blipFill>
-          <a:blip r:embed="rId2"/>
+          <a:blip r:embed="rId1"/>
           <a:stretch>
             <a:fillRect/>
           </a:stretch>
@@ -8098,7 +7905,7 @@
           <p:nvPr/>
         </p:nvPicPr>
         <p:blipFill>
-          <a:blip r:embed="rId3"/>
+          <a:blip r:embed="rId2"/>
           <a:stretch>
             <a:fillRect/>
           </a:stretch>
@@ -8122,7 +7929,7 @@
           <p:nvPr/>
         </p:nvPicPr>
         <p:blipFill>
-          <a:blip r:embed="rId2"/>
+          <a:blip r:embed="rId1"/>
           <a:stretch>
             <a:fillRect/>
           </a:stretch>
@@ -8140,9 +7947,7 @@
       <p:sp>
         <p:nvSpPr>
           <p:cNvPr id="17" name="标题 5"/>
-          <p:cNvSpPr txBox="1">
-            <a:spLocks/>
-          </p:cNvSpPr>
+          <p:cNvSpPr txBox="1"/>
           <p:nvPr/>
         </p:nvSpPr>
         <p:spPr>
@@ -8157,7 +7962,7 @@
         <p:txBody>
           <a:bodyPr/>
           <a:lstStyle>
-            <a:lvl1pPr algn="ctr" defTabSz="1279920" rtl="0" eaLnBrk="1" latinLnBrk="0" hangingPunct="1">
+            <a:lvl1pPr algn="ctr" defTabSz="1280160" rtl="0" eaLnBrk="1" latinLnBrk="0" hangingPunct="1">
               <a:spcBef>
                 <a:spcPct val="0"/>
               </a:spcBef>
@@ -8184,25 +7989,50 @@
               </a:rPr>
               <a:t>四、原有优秀工作经验介绍</a:t>
             </a:r>
-          </a:p>
-        </p:txBody>
-      </p:sp>
-      <p:sp>
-        <p:nvSpPr>
-          <p:cNvPr id="2" name="文本框 1">
-            <a:extLst>
-              <a:ext uri="{FF2B5EF4-FFF2-40B4-BE49-F238E27FC236}">
-                <a16:creationId xmlns:a16="http://schemas.microsoft.com/office/drawing/2014/main" id="{F73EADA2-E6A4-4E8E-A4EC-015237339F36}"/>
-              </a:ext>
-            </a:extLst>
-          </p:cNvPr>
+            <a:endParaRPr lang="zh-CN" altLang="en-US" sz="2400" dirty="0">
+              <a:solidFill>
+                <a:schemeClr val="bg1"/>
+              </a:solidFill>
+              <a:latin typeface="vivo type CN简 Regular" panose="02000500000000000000" pitchFamily="50" charset="-122"/>
+              <a:ea typeface="vivo type CN简 Regular" panose="02000500000000000000" pitchFamily="50" charset="-122"/>
+            </a:endParaRPr>
+          </a:p>
+        </p:txBody>
+      </p:sp>
+      <p:pic>
+        <p:nvPicPr>
+          <p:cNvPr id="3" name="图片 2" descr="微服务技术架构"/>
+          <p:cNvPicPr>
+            <a:picLocks noChangeAspect="1"/>
+          </p:cNvPicPr>
+          <p:nvPr/>
+        </p:nvPicPr>
+        <p:blipFill>
+          <a:blip r:embed="rId3"/>
+          <a:stretch>
+            <a:fillRect/>
+          </a:stretch>
+        </p:blipFill>
+        <p:spPr>
+          <a:xfrm>
+            <a:off x="1369695" y="1344930"/>
+            <a:ext cx="9730740" cy="5194300"/>
+          </a:xfrm>
+          <a:prstGeom prst="rect">
+            <a:avLst/>
+          </a:prstGeom>
+        </p:spPr>
+      </p:pic>
+      <p:sp>
+        <p:nvSpPr>
+          <p:cNvPr id="4" name="文本框 3"/>
           <p:cNvSpPr txBox="1"/>
           <p:nvPr/>
         </p:nvSpPr>
         <p:spPr>
           <a:xfrm>
-            <a:off x="640861" y="1445846"/>
-            <a:ext cx="3821723" cy="646331"/>
+            <a:off x="1369695" y="976630"/>
+            <a:ext cx="1325880" cy="368300"/>
           </a:xfrm>
           <a:prstGeom prst="rect">
             <a:avLst/>
@@ -8210,35 +8040,19 @@
           <a:noFill/>
         </p:spPr>
         <p:txBody>
-          <a:bodyPr wrap="square" rtlCol="0">
+          <a:bodyPr wrap="none" rtlCol="0">
             <a:spAutoFit/>
           </a:bodyPr>
-          <a:lstStyle/>
-          <a:p>
-            <a:r>
-              <a:rPr lang="en-US" altLang="zh-CN" dirty="0"/>
-              <a:t>ELK</a:t>
-            </a:r>
-            <a:r>
-              <a:rPr lang="zh-CN" altLang="en-US" dirty="0"/>
-              <a:t>日志采集与监控</a:t>
-            </a:r>
-            <a:endParaRPr lang="en-US" altLang="zh-CN" dirty="0"/>
-          </a:p>
-          <a:p>
-            <a:r>
-              <a:rPr lang="zh-CN" altLang="en-US" dirty="0"/>
+          <a:p>
+            <a:r>
+              <a:rPr lang="zh-CN" altLang="en-US"/>
               <a:t>微服务架构</a:t>
             </a:r>
+            <a:endParaRPr lang="zh-CN" altLang="en-US"/>
           </a:p>
         </p:txBody>
       </p:sp>
     </p:spTree>
-    <p:extLst>
-      <p:ext uri="{BB962C8B-B14F-4D97-AF65-F5344CB8AC3E}">
-        <p14:creationId xmlns:p14="http://schemas.microsoft.com/office/powerpoint/2010/main" val="2137129939"/>
-      </p:ext>
-    </p:extLst>
   </p:cSld>
   <p:clrMapOvr>
     <a:masterClrMapping/>
@@ -8272,7 +8086,7 @@
           <p:nvPr/>
         </p:nvPicPr>
         <p:blipFill>
-          <a:blip r:embed="rId2"/>
+          <a:blip r:embed="rId1"/>
           <a:stretch>
             <a:fillRect/>
           </a:stretch>
@@ -8296,7 +8110,7 @@
           <p:nvPr/>
         </p:nvPicPr>
         <p:blipFill>
-          <a:blip r:embed="rId3"/>
+          <a:blip r:embed="rId2"/>
           <a:stretch>
             <a:fillRect/>
           </a:stretch>
@@ -8320,7 +8134,7 @@
           <p:nvPr/>
         </p:nvPicPr>
         <p:blipFill>
-          <a:blip r:embed="rId2"/>
+          <a:blip r:embed="rId1"/>
           <a:stretch>
             <a:fillRect/>
           </a:stretch>
@@ -8338,9 +8152,7 @@
       <p:sp>
         <p:nvSpPr>
           <p:cNvPr id="17" name="标题 5"/>
-          <p:cNvSpPr txBox="1">
-            <a:spLocks/>
-          </p:cNvSpPr>
+          <p:cNvSpPr txBox="1"/>
           <p:nvPr/>
         </p:nvSpPr>
         <p:spPr>
@@ -8355,7 +8167,7 @@
         <p:txBody>
           <a:bodyPr/>
           <a:lstStyle>
-            <a:lvl1pPr algn="ctr" defTabSz="1279920" rtl="0" eaLnBrk="1" latinLnBrk="0" hangingPunct="1">
+            <a:lvl1pPr algn="ctr" defTabSz="1280160" rtl="0" eaLnBrk="1" latinLnBrk="0" hangingPunct="1">
               <a:spcBef>
                 <a:spcPct val="0"/>
               </a:spcBef>
@@ -8380,27 +8192,28 @@
                 <a:latin typeface="vivo type CN简 Regular" panose="02000500000000000000" pitchFamily="50" charset="-122"/>
                 <a:ea typeface="vivo type CN简 Regular" panose="02000500000000000000" pitchFamily="50" charset="-122"/>
               </a:rPr>
-              <a:t>五、自我评价与规划</a:t>
-            </a:r>
-          </a:p>
-        </p:txBody>
-      </p:sp>
-      <p:sp>
-        <p:nvSpPr>
-          <p:cNvPr id="2" name="文本框 1">
-            <a:extLst>
-              <a:ext uri="{FF2B5EF4-FFF2-40B4-BE49-F238E27FC236}">
-                <a16:creationId xmlns:a16="http://schemas.microsoft.com/office/drawing/2014/main" id="{EAC91281-CA1A-4446-BA8F-17BF188B6006}"/>
-              </a:ext>
-            </a:extLst>
-          </p:cNvPr>
+              <a:t>四、原有优秀工作经验介绍</a:t>
+            </a:r>
+            <a:endParaRPr lang="zh-CN" altLang="en-US" sz="2400" dirty="0">
+              <a:solidFill>
+                <a:schemeClr val="bg1"/>
+              </a:solidFill>
+              <a:latin typeface="vivo type CN简 Regular" panose="02000500000000000000" pitchFamily="50" charset="-122"/>
+              <a:ea typeface="vivo type CN简 Regular" panose="02000500000000000000" pitchFamily="50" charset="-122"/>
+            </a:endParaRPr>
+          </a:p>
+        </p:txBody>
+      </p:sp>
+      <p:sp>
+        <p:nvSpPr>
+          <p:cNvPr id="2" name="文本框 1"/>
           <p:cNvSpPr txBox="1"/>
           <p:nvPr/>
         </p:nvSpPr>
         <p:spPr>
           <a:xfrm>
-            <a:off x="625231" y="1516185"/>
-            <a:ext cx="5595815" cy="1754326"/>
+            <a:off x="1704340" y="1089660"/>
+            <a:ext cx="1554480" cy="368300"/>
           </a:xfrm>
           <a:prstGeom prst="rect">
             <a:avLst/>
@@ -8408,104 +8221,43 @@
           <a:noFill/>
         </p:spPr>
         <p:txBody>
-          <a:bodyPr wrap="square" rtlCol="0">
+          <a:bodyPr wrap="none" rtlCol="0">
             <a:spAutoFit/>
           </a:bodyPr>
-          <a:lstStyle/>
-          <a:p>
-            <a:r>
-              <a:rPr lang="zh-CN" altLang="en-US" dirty="0"/>
-              <a:t>自我评价：</a:t>
-            </a:r>
-            <a:endParaRPr lang="en-US" altLang="zh-CN" dirty="0"/>
-          </a:p>
-          <a:p>
-            <a:r>
-              <a:rPr lang="zh-CN" altLang="en-US" dirty="0"/>
-              <a:t>主要从事服务端开发，前端开发经验不足；</a:t>
-            </a:r>
-            <a:endParaRPr lang="en-US" altLang="zh-CN" dirty="0"/>
-          </a:p>
-          <a:p>
-            <a:r>
-              <a:rPr lang="zh-CN" altLang="en-US" dirty="0"/>
-              <a:t>主要的开发语言是</a:t>
-            </a:r>
-            <a:r>
-              <a:rPr lang="en-US" altLang="zh-CN" dirty="0"/>
-              <a:t>Java</a:t>
-            </a:r>
-            <a:r>
-              <a:rPr lang="zh-CN" altLang="en-US" dirty="0"/>
-              <a:t>，</a:t>
-            </a:r>
-            <a:r>
-              <a:rPr lang="en-US" altLang="zh-CN" dirty="0" err="1"/>
-              <a:t>golang</a:t>
-            </a:r>
-            <a:r>
-              <a:rPr lang="zh-CN" altLang="en-US" dirty="0"/>
-              <a:t>与</a:t>
-            </a:r>
-            <a:r>
-              <a:rPr lang="en-US" altLang="zh-CN" dirty="0"/>
-              <a:t>python</a:t>
-            </a:r>
-            <a:r>
-              <a:rPr lang="zh-CN" altLang="en-US" dirty="0"/>
-              <a:t>开发经验不足；</a:t>
-            </a:r>
-            <a:endParaRPr lang="en-US" altLang="zh-CN" dirty="0"/>
-          </a:p>
-          <a:p>
-            <a:endParaRPr lang="en-US" altLang="zh-CN" dirty="0"/>
-          </a:p>
-          <a:p>
-            <a:r>
-              <a:rPr lang="zh-CN" altLang="en-US" dirty="0"/>
-              <a:t>规划：</a:t>
-            </a:r>
-            <a:endParaRPr lang="en-US" altLang="zh-CN" dirty="0"/>
-          </a:p>
-          <a:p>
-            <a:r>
-              <a:rPr lang="zh-CN" altLang="en-US" dirty="0"/>
-              <a:t>学习</a:t>
-            </a:r>
-            <a:r>
-              <a:rPr lang="en-US" altLang="zh-CN" dirty="0" err="1"/>
-              <a:t>vue</a:t>
-            </a:r>
-            <a:r>
-              <a:rPr lang="zh-CN" altLang="en-US" dirty="0"/>
-              <a:t>，</a:t>
-            </a:r>
-            <a:r>
-              <a:rPr lang="en-US" altLang="zh-CN" dirty="0" err="1"/>
-              <a:t>golang</a:t>
-            </a:r>
-            <a:r>
-              <a:rPr lang="zh-CN" altLang="en-US" dirty="0"/>
-              <a:t>，</a:t>
-            </a:r>
-            <a:r>
-              <a:rPr lang="en-US" altLang="zh-CN" dirty="0"/>
-              <a:t>python</a:t>
-            </a:r>
+          <a:p>
             <a:r>
               <a:rPr lang="zh-CN" altLang="en-US"/>
-              <a:t>，全栈开发</a:t>
-            </a:r>
-            <a:endParaRPr lang="zh-CN" altLang="en-US" dirty="0"/>
-          </a:p>
-        </p:txBody>
-      </p:sp>
+              <a:t>业务模块划分</a:t>
+            </a:r>
+            <a:endParaRPr lang="zh-CN" altLang="en-US"/>
+          </a:p>
+        </p:txBody>
+      </p:sp>
+      <p:pic>
+        <p:nvPicPr>
+          <p:cNvPr id="3" name="图片 2" descr="微服务架构图"/>
+          <p:cNvPicPr>
+            <a:picLocks noChangeAspect="1"/>
+          </p:cNvPicPr>
+          <p:nvPr/>
+        </p:nvPicPr>
+        <p:blipFill>
+          <a:blip r:embed="rId3"/>
+          <a:stretch>
+            <a:fillRect/>
+          </a:stretch>
+        </p:blipFill>
+        <p:spPr>
+          <a:xfrm>
+            <a:off x="1704340" y="1457960"/>
+            <a:ext cx="8655685" cy="5342890"/>
+          </a:xfrm>
+          <a:prstGeom prst="rect">
+            <a:avLst/>
+          </a:prstGeom>
+        </p:spPr>
+      </p:pic>
     </p:spTree>
-    <p:extLst>
-      <p:ext uri="{BB962C8B-B14F-4D97-AF65-F5344CB8AC3E}">
-        <p14:creationId xmlns:p14="http://schemas.microsoft.com/office/powerpoint/2010/main" val="3266835942"/>
-      </p:ext>
-    </p:extLst>
   </p:cSld>
   <p:clrMapOvr>
     <a:masterClrMapping/>
@@ -8539,7 +8291,7 @@
           <p:nvPr/>
         </p:nvPicPr>
         <p:blipFill>
-          <a:blip r:embed="rId2"/>
+          <a:blip r:embed="rId1"/>
           <a:stretch>
             <a:fillRect/>
           </a:stretch>
@@ -8563,7 +8315,7 @@
           <p:nvPr/>
         </p:nvPicPr>
         <p:blipFill>
-          <a:blip r:embed="rId3"/>
+          <a:blip r:embed="rId2"/>
           <a:stretch>
             <a:fillRect/>
           </a:stretch>
@@ -8587,7 +8339,7 @@
           <p:nvPr/>
         </p:nvPicPr>
         <p:blipFill>
-          <a:blip r:embed="rId2"/>
+          <a:blip r:embed="rId1"/>
           <a:stretch>
             <a:fillRect/>
           </a:stretch>
@@ -8605,9 +8357,7 @@
       <p:sp>
         <p:nvSpPr>
           <p:cNvPr id="17" name="标题 5"/>
-          <p:cNvSpPr txBox="1">
-            <a:spLocks/>
-          </p:cNvSpPr>
+          <p:cNvSpPr txBox="1"/>
           <p:nvPr/>
         </p:nvSpPr>
         <p:spPr>
@@ -8622,7 +8372,7 @@
         <p:txBody>
           <a:bodyPr/>
           <a:lstStyle>
-            <a:lvl1pPr algn="ctr" defTabSz="1279920" rtl="0" eaLnBrk="1" latinLnBrk="0" hangingPunct="1">
+            <a:lvl1pPr algn="ctr" defTabSz="1280160" rtl="0" eaLnBrk="1" latinLnBrk="0" hangingPunct="1">
               <a:spcBef>
                 <a:spcPct val="0"/>
               </a:spcBef>
@@ -8647,17 +8397,7 @@
                 <a:latin typeface="vivo type CN简 Regular" panose="02000500000000000000" pitchFamily="50" charset="-122"/>
                 <a:ea typeface="vivo type CN简 Regular" panose="02000500000000000000" pitchFamily="50" charset="-122"/>
               </a:rPr>
-              <a:t>六、</a:t>
-            </a:r>
-            <a:r>
-              <a:rPr lang="en-US" altLang="zh-CN" sz="2400" dirty="0">
-                <a:solidFill>
-                  <a:schemeClr val="bg1"/>
-                </a:solidFill>
-                <a:latin typeface="vivo type CN简 Regular" panose="02000500000000000000" pitchFamily="50" charset="-122"/>
-                <a:ea typeface="vivo type CN简 Regular" panose="02000500000000000000" pitchFamily="50" charset="-122"/>
-              </a:rPr>
-              <a:t>Q&amp;A</a:t>
+              <a:t>五、自我评价与规划</a:t>
             </a:r>
             <a:endParaRPr lang="zh-CN" altLang="en-US" sz="2400" dirty="0">
               <a:solidFill>
@@ -8669,12 +8409,116 @@
           </a:p>
         </p:txBody>
       </p:sp>
+      <p:sp>
+        <p:nvSpPr>
+          <p:cNvPr id="2" name="文本框 1"/>
+          <p:cNvSpPr txBox="1"/>
+          <p:nvPr/>
+        </p:nvSpPr>
+        <p:spPr>
+          <a:xfrm>
+            <a:off x="625231" y="1516185"/>
+            <a:ext cx="5595815" cy="1754326"/>
+          </a:xfrm>
+          <a:prstGeom prst="rect">
+            <a:avLst/>
+          </a:prstGeom>
+          <a:noFill/>
+        </p:spPr>
+        <p:txBody>
+          <a:bodyPr wrap="square" rtlCol="0">
+            <a:spAutoFit/>
+          </a:bodyPr>
+          <a:lstStyle/>
+          <a:p>
+            <a:r>
+              <a:rPr lang="zh-CN" altLang="en-US" dirty="0"/>
+              <a:t>自我评价：</a:t>
+            </a:r>
+            <a:endParaRPr lang="en-US" altLang="zh-CN" dirty="0"/>
+          </a:p>
+          <a:p>
+            <a:r>
+              <a:rPr lang="zh-CN" altLang="en-US" dirty="0"/>
+              <a:t>主要从事服务端开发，前端开发经验不足；</a:t>
+            </a:r>
+            <a:endParaRPr lang="en-US" altLang="zh-CN" dirty="0"/>
+          </a:p>
+          <a:p>
+            <a:r>
+              <a:rPr lang="zh-CN" altLang="en-US" dirty="0"/>
+              <a:t>主要的开发语言是</a:t>
+            </a:r>
+            <a:r>
+              <a:rPr lang="en-US" altLang="zh-CN" dirty="0"/>
+              <a:t>Java</a:t>
+            </a:r>
+            <a:r>
+              <a:rPr lang="zh-CN" altLang="en-US" dirty="0"/>
+              <a:t>，</a:t>
+            </a:r>
+            <a:r>
+              <a:rPr lang="en-US" altLang="zh-CN" dirty="0" err="1"/>
+              <a:t>golang</a:t>
+            </a:r>
+            <a:r>
+              <a:rPr lang="zh-CN" altLang="en-US" dirty="0"/>
+              <a:t>与</a:t>
+            </a:r>
+            <a:r>
+              <a:rPr lang="en-US" altLang="zh-CN" dirty="0"/>
+              <a:t>python</a:t>
+            </a:r>
+            <a:r>
+              <a:rPr lang="zh-CN" altLang="en-US" dirty="0"/>
+              <a:t>开发经验不足；</a:t>
+            </a:r>
+            <a:endParaRPr lang="en-US" altLang="zh-CN" dirty="0"/>
+          </a:p>
+          <a:p>
+            <a:endParaRPr lang="en-US" altLang="zh-CN" dirty="0"/>
+          </a:p>
+          <a:p>
+            <a:r>
+              <a:rPr lang="zh-CN" altLang="en-US" dirty="0"/>
+              <a:t>规划：</a:t>
+            </a:r>
+            <a:endParaRPr lang="en-US" altLang="zh-CN" dirty="0"/>
+          </a:p>
+          <a:p>
+            <a:r>
+              <a:rPr lang="zh-CN" altLang="en-US" dirty="0"/>
+              <a:t>学习</a:t>
+            </a:r>
+            <a:r>
+              <a:rPr lang="en-US" altLang="zh-CN" dirty="0" err="1"/>
+              <a:t>vue</a:t>
+            </a:r>
+            <a:r>
+              <a:rPr lang="zh-CN" altLang="en-US" dirty="0"/>
+              <a:t>，</a:t>
+            </a:r>
+            <a:r>
+              <a:rPr lang="en-US" altLang="zh-CN" dirty="0" err="1"/>
+              <a:t>golang</a:t>
+            </a:r>
+            <a:r>
+              <a:rPr lang="zh-CN" altLang="en-US" dirty="0"/>
+              <a:t>，</a:t>
+            </a:r>
+            <a:r>
+              <a:rPr lang="en-US" altLang="zh-CN" dirty="0"/>
+              <a:t>python</a:t>
+            </a:r>
+            <a:r>
+              <a:rPr lang="zh-CN" altLang="en-US"/>
+              <a:t>，全栈开发</a:t>
+            </a:r>
+            <a:endParaRPr lang="zh-CN" altLang="en-US" dirty="0"/>
+          </a:p>
+        </p:txBody>
+      </p:sp>
     </p:spTree>
-    <p:extLst>
-      <p:ext uri="{BB962C8B-B14F-4D97-AF65-F5344CB8AC3E}">
-        <p14:creationId xmlns:p14="http://schemas.microsoft.com/office/powerpoint/2010/main" val="3174357032"/>
-      </p:ext>
-    </p:extLst>
   </p:cSld>
   <p:clrMapOvr>
     <a:masterClrMapping/>
@@ -8708,7 +8552,7 @@
           <p:nvPr/>
         </p:nvPicPr>
         <p:blipFill>
-          <a:blip r:embed="rId2"/>
+          <a:blip r:embed="rId1"/>
           <a:stretch>
             <a:fillRect/>
           </a:stretch>
@@ -8732,7 +8576,7 @@
           <p:nvPr/>
         </p:nvPicPr>
         <p:blipFill>
-          <a:blip r:embed="rId3"/>
+          <a:blip r:embed="rId2"/>
           <a:stretch>
             <a:fillRect/>
           </a:stretch>
@@ -8740,7 +8584,7 @@
         <p:spPr>
           <a:xfrm>
             <a:off x="0" y="-2842"/>
-            <a:ext cx="12192000" cy="6860842"/>
+            <a:ext cx="12192000" cy="979358"/>
           </a:xfrm>
           <a:prstGeom prst="rect">
             <a:avLst/>
@@ -8756,7 +8600,7 @@
           <p:nvPr/>
         </p:nvPicPr>
         <p:blipFill>
-          <a:blip r:embed="rId2"/>
+          <a:blip r:embed="rId1"/>
           <a:stretch>
             <a:fillRect/>
           </a:stretch>
@@ -8773,61 +8617,70 @@
       </p:pic>
       <p:sp>
         <p:nvSpPr>
-          <p:cNvPr id="2" name="文本框 1"/>
+          <p:cNvPr id="17" name="标题 5"/>
           <p:cNvSpPr txBox="1"/>
           <p:nvPr/>
         </p:nvSpPr>
         <p:spPr>
           <a:xfrm>
-            <a:off x="816076" y="572877"/>
-            <a:ext cx="7160136" cy="3631763"/>
-          </a:xfrm>
-          <a:prstGeom prst="rect">
-            <a:avLst/>
-          </a:prstGeom>
-          <a:noFill/>
-        </p:spPr>
-        <p:txBody>
-          <a:bodyPr wrap="square" rtlCol="0">
-            <a:spAutoFit/>
-          </a:bodyPr>
-          <a:lstStyle/>
-          <a:p>
-            <a:r>
-              <a:rPr lang="en-US" altLang="zh-CN" sz="11500" dirty="0">
+            <a:off x="561861" y="349776"/>
+            <a:ext cx="6063523" cy="625520"/>
+          </a:xfrm>
+          <a:prstGeom prst="rect">
+            <a:avLst/>
+          </a:prstGeom>
+        </p:spPr>
+        <p:txBody>
+          <a:bodyPr/>
+          <a:lstStyle>
+            <a:lvl1pPr algn="ctr" defTabSz="1280160" rtl="0" eaLnBrk="1" latinLnBrk="0" hangingPunct="1">
+              <a:spcBef>
+                <a:spcPct val="0"/>
+              </a:spcBef>
+              <a:buNone/>
+              <a:defRPr sz="6100" kern="1200">
+                <a:solidFill>
+                  <a:schemeClr val="tx1"/>
+                </a:solidFill>
+                <a:latin typeface="+mj-lt"/>
+                <a:ea typeface="+mj-ea"/>
+                <a:cs typeface="+mj-cs"/>
+              </a:defRPr>
+            </a:lvl1pPr>
+          </a:lstStyle>
+          <a:p>
+            <a:pPr algn="l"/>
+            <a:r>
+              <a:rPr lang="zh-CN" altLang="en-US" sz="2400" dirty="0">
                 <a:solidFill>
                   <a:schemeClr val="bg1"/>
                 </a:solidFill>
-                <a:latin typeface="vivo Bold" panose="00000800000000000000" pitchFamily="2" charset="0"/>
+                <a:latin typeface="vivo type CN简 Regular" panose="02000500000000000000" pitchFamily="50" charset="-122"/>
+                <a:ea typeface="vivo type CN简 Regular" panose="02000500000000000000" pitchFamily="50" charset="-122"/>
               </a:rPr>
-              <a:t>THANK</a:t>
-            </a:r>
-          </a:p>
-          <a:p>
-            <a:r>
-              <a:rPr lang="en-US" altLang="zh-CN" sz="11500" dirty="0">
+              <a:t>六、</a:t>
+            </a:r>
+            <a:r>
+              <a:rPr lang="en-US" altLang="zh-CN" sz="2400" dirty="0">
                 <a:solidFill>
                   <a:schemeClr val="bg1"/>
                 </a:solidFill>
-                <a:latin typeface="vivo Bold" panose="00000800000000000000" pitchFamily="2" charset="0"/>
+                <a:latin typeface="vivo type CN简 Regular" panose="02000500000000000000" pitchFamily="50" charset="-122"/>
+                <a:ea typeface="vivo type CN简 Regular" panose="02000500000000000000" pitchFamily="50" charset="-122"/>
               </a:rPr>
-              <a:t>YOU</a:t>
-            </a:r>
-            <a:endParaRPr lang="zh-CN" altLang="en-US" sz="11500" dirty="0">
+              <a:t>Q&amp;A</a:t>
+            </a:r>
+            <a:endParaRPr lang="zh-CN" altLang="en-US" sz="2400" dirty="0">
               <a:solidFill>
                 <a:schemeClr val="bg1"/>
               </a:solidFill>
-              <a:latin typeface="vivo Bold" panose="00000800000000000000" pitchFamily="2" charset="0"/>
+              <a:latin typeface="vivo type CN简 Regular" panose="02000500000000000000" pitchFamily="50" charset="-122"/>
+              <a:ea typeface="vivo type CN简 Regular" panose="02000500000000000000" pitchFamily="50" charset="-122"/>
             </a:endParaRPr>
           </a:p>
         </p:txBody>
       </p:sp>
     </p:spTree>
-    <p:extLst>
-      <p:ext uri="{BB962C8B-B14F-4D97-AF65-F5344CB8AC3E}">
-        <p14:creationId xmlns:p14="http://schemas.microsoft.com/office/powerpoint/2010/main" val="3678893227"/>
-      </p:ext>
-    </p:extLst>
   </p:cSld>
   <p:clrMapOvr>
     <a:masterClrMapping/>
@@ -8861,7 +8714,7 @@
           <p:nvPr/>
         </p:nvPicPr>
         <p:blipFill>
-          <a:blip r:embed="rId2"/>
+          <a:blip r:embed="rId1"/>
           <a:stretch>
             <a:fillRect/>
           </a:stretch>
@@ -8885,7 +8738,7 @@
           <p:nvPr/>
         </p:nvPicPr>
         <p:blipFill>
-          <a:blip r:embed="rId2"/>
+          <a:blip r:embed="rId1"/>
           <a:stretch>
             <a:fillRect/>
           </a:stretch>
@@ -8903,9 +8756,7 @@
       <p:sp>
         <p:nvSpPr>
           <p:cNvPr id="7" name="文本占位符 17"/>
-          <p:cNvSpPr txBox="1">
-            <a:spLocks/>
-          </p:cNvSpPr>
+          <p:cNvSpPr txBox="1"/>
           <p:nvPr/>
         </p:nvSpPr>
         <p:spPr>
@@ -9097,6 +8948,13 @@
               </a:rPr>
               <a:t>目录</a:t>
             </a:r>
+            <a:endParaRPr kumimoji="1" lang="zh-CN" altLang="en-US" sz="3200" dirty="0">
+              <a:solidFill>
+                <a:schemeClr val="bg1"/>
+              </a:solidFill>
+              <a:latin typeface="vivo type CN简 Regular" panose="02000500000000000000" pitchFamily="50" charset="-122"/>
+              <a:ea typeface="vivo type CN简 Regular" panose="02000500000000000000" pitchFamily="50" charset="-122"/>
+            </a:endParaRPr>
           </a:p>
         </p:txBody>
       </p:sp>
@@ -9109,7 +8967,7 @@
           <p:nvPr/>
         </p:nvPicPr>
         <p:blipFill>
-          <a:blip r:embed="rId3"/>
+          <a:blip r:embed="rId2"/>
           <a:stretch>
             <a:fillRect/>
           </a:stretch>
@@ -9553,6 +9411,10 @@
               </a:rPr>
               <a:t>— Q&amp;A</a:t>
             </a:r>
+            <a:endParaRPr lang="en-US" altLang="zh-CN" sz="1600" dirty="0">
+              <a:latin typeface="vivo type CN简 Light" panose="02000400000000000000" pitchFamily="50" charset="-122"/>
+              <a:ea typeface="vivo type CN简 Light" panose="02000400000000000000" pitchFamily="50" charset="-122"/>
+            </a:endParaRPr>
           </a:p>
         </p:txBody>
       </p:sp>
@@ -9712,11 +9574,160 @@
         </p:txBody>
       </p:sp>
     </p:spTree>
-    <p:extLst>
-      <p:ext uri="{BB962C8B-B14F-4D97-AF65-F5344CB8AC3E}">
-        <p14:creationId xmlns:p14="http://schemas.microsoft.com/office/powerpoint/2010/main" val="2634231042"/>
-      </p:ext>
-    </p:extLst>
+  </p:cSld>
+  <p:clrMapOvr>
+    <a:masterClrMapping/>
+  </p:clrMapOvr>
+</p:sld>
+</file>
+
+<file path=ppt/slides/slide20.xml><?xml version="1.0" encoding="utf-8"?>
+<p:sld xmlns:a="http://schemas.openxmlformats.org/drawingml/2006/main" xmlns:r="http://schemas.openxmlformats.org/officeDocument/2006/relationships" xmlns:p="http://schemas.openxmlformats.org/presentationml/2006/main">
+  <p:cSld>
+    <p:spTree>
+      <p:nvGrpSpPr>
+        <p:cNvPr id="1" name=""/>
+        <p:cNvGrpSpPr/>
+        <p:nvPr/>
+      </p:nvGrpSpPr>
+      <p:grpSpPr>
+        <a:xfrm>
+          <a:off x="0" y="0"/>
+          <a:ext cx="0" cy="0"/>
+          <a:chOff x="0" y="0"/>
+          <a:chExt cx="0" cy="0"/>
+        </a:xfrm>
+      </p:grpSpPr>
+      <p:pic>
+        <p:nvPicPr>
+          <p:cNvPr id="6" name="图片 5"/>
+          <p:cNvPicPr>
+            <a:picLocks noChangeAspect="1"/>
+          </p:cNvPicPr>
+          <p:nvPr/>
+        </p:nvPicPr>
+        <p:blipFill>
+          <a:blip r:embed="rId1"/>
+          <a:stretch>
+            <a:fillRect/>
+          </a:stretch>
+        </p:blipFill>
+        <p:spPr>
+          <a:xfrm>
+            <a:off x="816076" y="299538"/>
+            <a:ext cx="1415848" cy="373378"/>
+          </a:xfrm>
+          <a:prstGeom prst="rect">
+            <a:avLst/>
+          </a:prstGeom>
+        </p:spPr>
+      </p:pic>
+      <p:pic>
+        <p:nvPicPr>
+          <p:cNvPr id="15" name="图片 14"/>
+          <p:cNvPicPr>
+            <a:picLocks noChangeAspect="1"/>
+          </p:cNvPicPr>
+          <p:nvPr/>
+        </p:nvPicPr>
+        <p:blipFill>
+          <a:blip r:embed="rId2"/>
+          <a:stretch>
+            <a:fillRect/>
+          </a:stretch>
+        </p:blipFill>
+        <p:spPr>
+          <a:xfrm>
+            <a:off x="0" y="-2842"/>
+            <a:ext cx="12192000" cy="6860842"/>
+          </a:xfrm>
+          <a:prstGeom prst="rect">
+            <a:avLst/>
+          </a:prstGeom>
+        </p:spPr>
+      </p:pic>
+      <p:pic>
+        <p:nvPicPr>
+          <p:cNvPr id="16" name="图片 15"/>
+          <p:cNvPicPr>
+            <a:picLocks noChangeAspect="1"/>
+          </p:cNvPicPr>
+          <p:nvPr/>
+        </p:nvPicPr>
+        <p:blipFill>
+          <a:blip r:embed="rId1"/>
+          <a:stretch>
+            <a:fillRect/>
+          </a:stretch>
+        </p:blipFill>
+        <p:spPr>
+          <a:xfrm>
+            <a:off x="10235498" y="300148"/>
+            <a:ext cx="1415848" cy="373378"/>
+          </a:xfrm>
+          <a:prstGeom prst="rect">
+            <a:avLst/>
+          </a:prstGeom>
+        </p:spPr>
+      </p:pic>
+      <p:sp>
+        <p:nvSpPr>
+          <p:cNvPr id="2" name="文本框 1"/>
+          <p:cNvSpPr txBox="1"/>
+          <p:nvPr/>
+        </p:nvSpPr>
+        <p:spPr>
+          <a:xfrm>
+            <a:off x="816076" y="572877"/>
+            <a:ext cx="7160136" cy="3631763"/>
+          </a:xfrm>
+          <a:prstGeom prst="rect">
+            <a:avLst/>
+          </a:prstGeom>
+          <a:noFill/>
+        </p:spPr>
+        <p:txBody>
+          <a:bodyPr wrap="square" rtlCol="0">
+            <a:spAutoFit/>
+          </a:bodyPr>
+          <a:lstStyle/>
+          <a:p>
+            <a:r>
+              <a:rPr lang="en-US" altLang="zh-CN" sz="11500" dirty="0">
+                <a:solidFill>
+                  <a:schemeClr val="bg1"/>
+                </a:solidFill>
+                <a:latin typeface="vivo Bold" panose="00000800000000000000" pitchFamily="2" charset="0"/>
+              </a:rPr>
+              <a:t>THANK</a:t>
+            </a:r>
+            <a:endParaRPr lang="en-US" altLang="zh-CN" sz="11500" dirty="0">
+              <a:solidFill>
+                <a:schemeClr val="bg1"/>
+              </a:solidFill>
+              <a:latin typeface="vivo Bold" panose="00000800000000000000" pitchFamily="2" charset="0"/>
+            </a:endParaRPr>
+          </a:p>
+          <a:p>
+            <a:r>
+              <a:rPr lang="en-US" altLang="zh-CN" sz="11500" dirty="0">
+                <a:solidFill>
+                  <a:schemeClr val="bg1"/>
+                </a:solidFill>
+                <a:latin typeface="vivo Bold" panose="00000800000000000000" pitchFamily="2" charset="0"/>
+              </a:rPr>
+              <a:t>YOU</a:t>
+            </a:r>
+            <a:endParaRPr lang="zh-CN" altLang="en-US" sz="11500" dirty="0">
+              <a:solidFill>
+                <a:schemeClr val="bg1"/>
+              </a:solidFill>
+              <a:latin typeface="vivo Bold" panose="00000800000000000000" pitchFamily="2" charset="0"/>
+            </a:endParaRPr>
+          </a:p>
+        </p:txBody>
+      </p:sp>
+    </p:spTree>
   </p:cSld>
   <p:clrMapOvr>
     <a:masterClrMapping/>
@@ -9769,7 +9780,7 @@
           <p:nvPr/>
         </p:nvPicPr>
         <p:blipFill>
-          <a:blip r:embed="rId2">
+          <a:blip r:embed="rId1">
             <a:extLst>
               <a:ext uri="{28A0092B-C50C-407E-A947-70E740481C1C}">
                 <a14:useLocalDpi xmlns:a14="http://schemas.microsoft.com/office/drawing/2010/main" val="0"/>
@@ -9799,7 +9810,7 @@
           <p:nvPr/>
         </p:nvPicPr>
         <p:blipFill>
-          <a:blip r:embed="rId3"/>
+          <a:blip r:embed="rId2"/>
           <a:stretch>
             <a:fillRect/>
           </a:stretch>
@@ -9817,9 +9828,7 @@
       <p:sp>
         <p:nvSpPr>
           <p:cNvPr id="12" name="TextBox 6"/>
-          <p:cNvSpPr txBox="1">
-            <a:spLocks/>
-          </p:cNvSpPr>
+          <p:cNvSpPr txBox="1"/>
           <p:nvPr/>
         </p:nvSpPr>
         <p:spPr>
@@ -9843,10 +9852,10 @@
                 <a:spcPct val="120000"/>
               </a:lnSpc>
               <a:spcBef>
-                <a:spcPts val="592"/>
+                <a:spcPts val="590"/>
               </a:spcBef>
               <a:spcAft>
-                <a:spcPts val="1578"/>
+                <a:spcPts val="1580"/>
               </a:spcAft>
             </a:pPr>
             <a:r>
@@ -9856,7 +9865,7 @@
                 </a:solidFill>
                 <a:latin typeface="vivo type CN简 Bold" panose="02000800000000000000" pitchFamily="50" charset="-122"/>
                 <a:ea typeface="vivo type CN简 Bold" panose="02000800000000000000" pitchFamily="50" charset="-122"/>
-                <a:cs typeface="黑体"/>
+                <a:cs typeface="黑体" panose="02010609060101010101" charset="-122"/>
               </a:rPr>
               <a:t>导师篇</a:t>
             </a:r>
@@ -9866,7 +9875,7 @@
               </a:solidFill>
               <a:latin typeface="vivo type CN简 Bold" panose="02000800000000000000" pitchFamily="50" charset="-122"/>
               <a:ea typeface="vivo type CN简 Bold" panose="02000800000000000000" pitchFamily="50" charset="-122"/>
-              <a:cs typeface="黑体"/>
+              <a:cs typeface="黑体" panose="02010609060101010101" charset="-122"/>
             </a:endParaRPr>
           </a:p>
         </p:txBody>
@@ -9880,7 +9889,7 @@
           <p:nvPr/>
         </p:nvPicPr>
         <p:blipFill>
-          <a:blip r:embed="rId4"/>
+          <a:blip r:embed="rId3"/>
           <a:stretch>
             <a:fillRect/>
           </a:stretch>
@@ -9896,11 +9905,6 @@
         </p:spPr>
       </p:pic>
     </p:spTree>
-    <p:extLst>
-      <p:ext uri="{BB962C8B-B14F-4D97-AF65-F5344CB8AC3E}">
-        <p14:creationId xmlns:p14="http://schemas.microsoft.com/office/powerpoint/2010/main" val="998061274"/>
-      </p:ext>
-    </p:extLst>
   </p:cSld>
   <p:clrMapOvr>
     <a:masterClrMapping/>
@@ -9934,7 +9938,7 @@
           <p:nvPr/>
         </p:nvPicPr>
         <p:blipFill>
-          <a:blip r:embed="rId2"/>
+          <a:blip r:embed="rId1"/>
           <a:stretch>
             <a:fillRect/>
           </a:stretch>
@@ -9958,7 +9962,7 @@
           <p:nvPr/>
         </p:nvPicPr>
         <p:blipFill>
-          <a:blip r:embed="rId3"/>
+          <a:blip r:embed="rId2"/>
           <a:stretch>
             <a:fillRect/>
           </a:stretch>
@@ -10366,11 +10370,6 @@
         </p:txBody>
       </p:sp>
     </p:spTree>
-    <p:extLst>
-      <p:ext uri="{BB962C8B-B14F-4D97-AF65-F5344CB8AC3E}">
-        <p14:creationId xmlns:p14="http://schemas.microsoft.com/office/powerpoint/2010/main" val="3718544238"/>
-      </p:ext>
-    </p:extLst>
   </p:cSld>
   <p:clrMapOvr>
     <a:masterClrMapping/>
@@ -10423,7 +10422,7 @@
           <p:nvPr/>
         </p:nvPicPr>
         <p:blipFill>
-          <a:blip r:embed="rId2">
+          <a:blip r:embed="rId1">
             <a:extLst>
               <a:ext uri="{28A0092B-C50C-407E-A947-70E740481C1C}">
                 <a14:useLocalDpi xmlns:a14="http://schemas.microsoft.com/office/drawing/2010/main" val="0"/>
@@ -10453,7 +10452,7 @@
           <p:nvPr/>
         </p:nvPicPr>
         <p:blipFill>
-          <a:blip r:embed="rId3"/>
+          <a:blip r:embed="rId2"/>
           <a:stretch>
             <a:fillRect/>
           </a:stretch>
@@ -10471,9 +10470,7 @@
       <p:sp>
         <p:nvSpPr>
           <p:cNvPr id="8" name="TextBox 6"/>
-          <p:cNvSpPr txBox="1">
-            <a:spLocks/>
-          </p:cNvSpPr>
+          <p:cNvSpPr txBox="1"/>
           <p:nvPr/>
         </p:nvSpPr>
         <p:spPr>
@@ -10497,10 +10494,10 @@
                 <a:spcPct val="120000"/>
               </a:lnSpc>
               <a:spcBef>
-                <a:spcPts val="592"/>
+                <a:spcPts val="590"/>
               </a:spcBef>
               <a:spcAft>
-                <a:spcPts val="1578"/>
+                <a:spcPts val="1580"/>
               </a:spcAft>
             </a:pPr>
             <a:r>
@@ -10510,7 +10507,7 @@
                 </a:solidFill>
                 <a:latin typeface="vivo type CN简 Bold" panose="02000800000000000000" pitchFamily="50" charset="-122"/>
                 <a:ea typeface="vivo type CN简 Bold" panose="02000800000000000000" pitchFamily="50" charset="-122"/>
-                <a:cs typeface="黑体"/>
+                <a:cs typeface="黑体" panose="02010609060101010101" charset="-122"/>
               </a:rPr>
               <a:t>学员篇</a:t>
             </a:r>
@@ -10520,7 +10517,7 @@
               </a:solidFill>
               <a:latin typeface="vivo type CN简 Bold" panose="02000800000000000000" pitchFamily="50" charset="-122"/>
               <a:ea typeface="vivo type CN简 Bold" panose="02000800000000000000" pitchFamily="50" charset="-122"/>
-              <a:cs typeface="黑体"/>
+              <a:cs typeface="黑体" panose="02010609060101010101" charset="-122"/>
             </a:endParaRPr>
           </a:p>
         </p:txBody>
@@ -10534,7 +10531,7 @@
           <p:nvPr/>
         </p:nvPicPr>
         <p:blipFill>
-          <a:blip r:embed="rId4"/>
+          <a:blip r:embed="rId3"/>
           <a:stretch>
             <a:fillRect/>
           </a:stretch>
@@ -10550,11 +10547,6 @@
         </p:spPr>
       </p:pic>
     </p:spTree>
-    <p:extLst>
-      <p:ext uri="{BB962C8B-B14F-4D97-AF65-F5344CB8AC3E}">
-        <p14:creationId xmlns:p14="http://schemas.microsoft.com/office/powerpoint/2010/main" val="2268897181"/>
-      </p:ext>
-    </p:extLst>
   </p:cSld>
   <p:clrMapOvr>
     <a:masterClrMapping/>
@@ -10588,7 +10580,7 @@
           <p:nvPr/>
         </p:nvPicPr>
         <p:blipFill>
-          <a:blip r:embed="rId2"/>
+          <a:blip r:embed="rId1"/>
           <a:stretch>
             <a:fillRect/>
           </a:stretch>
@@ -10612,7 +10604,7 @@
           <p:nvPr/>
         </p:nvPicPr>
         <p:blipFill>
-          <a:blip r:embed="rId3"/>
+          <a:blip r:embed="rId2"/>
           <a:stretch>
             <a:fillRect/>
           </a:stretch>
@@ -10636,7 +10628,7 @@
           <p:nvPr/>
         </p:nvPicPr>
         <p:blipFill>
-          <a:blip r:embed="rId2"/>
+          <a:blip r:embed="rId1"/>
           <a:stretch>
             <a:fillRect/>
           </a:stretch>
@@ -10654,9 +10646,7 @@
       <p:sp>
         <p:nvSpPr>
           <p:cNvPr id="17" name="标题 5"/>
-          <p:cNvSpPr txBox="1">
-            <a:spLocks/>
-          </p:cNvSpPr>
+          <p:cNvSpPr txBox="1"/>
           <p:nvPr/>
         </p:nvSpPr>
         <p:spPr>
@@ -10671,7 +10661,7 @@
         <p:txBody>
           <a:bodyPr/>
           <a:lstStyle>
-            <a:lvl1pPr algn="ctr" defTabSz="1279920" rtl="0" eaLnBrk="1" latinLnBrk="0" hangingPunct="1">
+            <a:lvl1pPr algn="ctr" defTabSz="1280160" rtl="0" eaLnBrk="1" latinLnBrk="0" hangingPunct="1">
               <a:spcBef>
                 <a:spcPct val="0"/>
               </a:spcBef>
@@ -10698,26 +10688,21 @@
               </a:rPr>
               <a:t>一、对企业文化的认知和感受</a:t>
             </a:r>
+            <a:endParaRPr lang="zh-CN" altLang="en-US" sz="2400" dirty="0">
+              <a:solidFill>
+                <a:schemeClr val="bg1"/>
+              </a:solidFill>
+              <a:latin typeface="vivo type CN简 Regular" panose="02000500000000000000" pitchFamily="50" charset="-122"/>
+              <a:ea typeface="vivo type CN简 Regular" panose="02000500000000000000" pitchFamily="50" charset="-122"/>
+            </a:endParaRPr>
           </a:p>
         </p:txBody>
       </p:sp>
       <p:graphicFrame>
         <p:nvGraphicFramePr>
-          <p:cNvPr id="7" name="图示 6">
-            <a:extLst>
-              <a:ext uri="{FF2B5EF4-FFF2-40B4-BE49-F238E27FC236}">
-                <a16:creationId xmlns:a16="http://schemas.microsoft.com/office/drawing/2014/main" id="{1909A773-42CB-4403-8CCF-07146EB8836E}"/>
-              </a:ext>
-            </a:extLst>
-          </p:cNvPr>
+          <p:cNvPr id="7" name="图示 6"/>
           <p:cNvGraphicFramePr/>
-          <p:nvPr>
-            <p:extLst>
-              <p:ext uri="{D42A27DB-BD31-4B8C-83A1-F6EECF244321}">
-                <p14:modId xmlns:p14="http://schemas.microsoft.com/office/powerpoint/2010/main" val="3466462967"/>
-              </p:ext>
-            </p:extLst>
-          </p:nvPr>
+          <p:nvPr/>
         </p:nvGraphicFramePr>
         <p:xfrm>
           <a:off x="1006707" y="1492738"/>
@@ -10725,16 +10710,11 @@
         </p:xfrm>
         <a:graphic>
           <a:graphicData uri="http://schemas.openxmlformats.org/drawingml/2006/diagram">
-            <dgm:relIds xmlns:dgm="http://schemas.openxmlformats.org/drawingml/2006/diagram" xmlns:r="http://schemas.openxmlformats.org/officeDocument/2006/relationships" r:dm="rId4" r:lo="rId5" r:qs="rId6" r:cs="rId7"/>
+            <dgm:relIds xmlns:dgm="http://schemas.openxmlformats.org/drawingml/2006/diagram" xmlns:r="http://schemas.openxmlformats.org/officeDocument/2006/relationships" r:dm="rId3" r:lo="rId4" r:qs="rId5" r:cs="rId6"/>
           </a:graphicData>
         </a:graphic>
       </p:graphicFrame>
     </p:spTree>
-    <p:extLst>
-      <p:ext uri="{BB962C8B-B14F-4D97-AF65-F5344CB8AC3E}">
-        <p14:creationId xmlns:p14="http://schemas.microsoft.com/office/powerpoint/2010/main" val="3397679244"/>
-      </p:ext>
-    </p:extLst>
   </p:cSld>
   <p:clrMapOvr>
     <a:masterClrMapping/>
@@ -10768,7 +10748,7 @@
           <p:nvPr/>
         </p:nvPicPr>
         <p:blipFill>
-          <a:blip r:embed="rId2"/>
+          <a:blip r:embed="rId1"/>
           <a:stretch>
             <a:fillRect/>
           </a:stretch>
@@ -10786,7 +10766,7 @@
       <p:pic>
         <p:nvPicPr>
           <p:cNvPr id="15" name="图片 14">
-            <a:hlinkClick r:id="rId3" action="ppaction://hlinksldjump" tooltip="返回"/>
+            <a:hlinkClick r:id="rId2" tooltip="返回" action="ppaction://hlinksldjump"/>
           </p:cNvPr>
           <p:cNvPicPr>
             <a:picLocks noChangeAspect="1"/>
@@ -10794,7 +10774,7 @@
           <p:nvPr/>
         </p:nvPicPr>
         <p:blipFill>
-          <a:blip r:embed="rId4"/>
+          <a:blip r:embed="rId3"/>
           <a:stretch>
             <a:fillRect/>
           </a:stretch>
@@ -10818,7 +10798,7 @@
           <p:nvPr/>
         </p:nvPicPr>
         <p:blipFill>
-          <a:blip r:embed="rId2"/>
+          <a:blip r:embed="rId1"/>
           <a:stretch>
             <a:fillRect/>
           </a:stretch>
@@ -10836,9 +10816,7 @@
       <p:sp>
         <p:nvSpPr>
           <p:cNvPr id="17" name="标题 5"/>
-          <p:cNvSpPr txBox="1">
-            <a:spLocks/>
-          </p:cNvSpPr>
+          <p:cNvSpPr txBox="1"/>
           <p:nvPr/>
         </p:nvSpPr>
         <p:spPr>
@@ -10853,7 +10831,7 @@
         <p:txBody>
           <a:bodyPr/>
           <a:lstStyle>
-            <a:lvl1pPr algn="ctr" defTabSz="1279920" rtl="0" eaLnBrk="1" latinLnBrk="0" hangingPunct="1">
+            <a:lvl1pPr algn="ctr" defTabSz="1280160" rtl="0" eaLnBrk="1" latinLnBrk="0" hangingPunct="1">
               <a:spcBef>
                 <a:spcPct val="0"/>
               </a:spcBef>
@@ -10880,25 +10858,26 @@
               </a:rPr>
               <a:t>对使命的认知和感受</a:t>
             </a:r>
+            <a:endParaRPr lang="zh-CN" altLang="en-US" sz="2400" dirty="0">
+              <a:solidFill>
+                <a:schemeClr val="bg1"/>
+              </a:solidFill>
+              <a:latin typeface="vivo type CN简 Regular" panose="02000500000000000000" pitchFamily="50" charset="-122"/>
+              <a:ea typeface="vivo type CN简 Regular" panose="02000500000000000000" pitchFamily="50" charset="-122"/>
+            </a:endParaRPr>
           </a:p>
         </p:txBody>
       </p:sp>
       <p:pic>
         <p:nvPicPr>
-          <p:cNvPr id="9" name="图片 8">
-            <a:extLst>
-              <a:ext uri="{FF2B5EF4-FFF2-40B4-BE49-F238E27FC236}">
-                <a16:creationId xmlns:a16="http://schemas.microsoft.com/office/drawing/2014/main" id="{29E9B8DD-4E9D-4EFA-A6DB-A8E55872A23F}"/>
-              </a:ext>
-            </a:extLst>
-          </p:cNvPr>
+          <p:cNvPr id="9" name="图片 8"/>
           <p:cNvPicPr>
             <a:picLocks noChangeAspect="1"/>
           </p:cNvPicPr>
           <p:nvPr/>
         </p:nvPicPr>
         <p:blipFill>
-          <a:blip r:embed="rId5">
+          <a:blip r:embed="rId4">
             <a:extLst>
               <a:ext uri="{28A0092B-C50C-407E-A947-70E740481C1C}">
                 <a14:useLocalDpi xmlns:a14="http://schemas.microsoft.com/office/drawing/2010/main" val="0"/>
@@ -10921,13 +10900,7 @@
       </p:pic>
       <p:sp>
         <p:nvSpPr>
-          <p:cNvPr id="10" name="矩形 9">
-            <a:extLst>
-              <a:ext uri="{FF2B5EF4-FFF2-40B4-BE49-F238E27FC236}">
-                <a16:creationId xmlns:a16="http://schemas.microsoft.com/office/drawing/2014/main" id="{3086342C-285A-4A25-ACE6-FF6ACA1EA5B9}"/>
-              </a:ext>
-            </a:extLst>
-          </p:cNvPr>
+          <p:cNvPr id="10" name="矩形 9"/>
           <p:cNvSpPr/>
           <p:nvPr/>
         </p:nvSpPr>
@@ -10979,11 +10952,6 @@
         </p:txBody>
       </p:sp>
     </p:spTree>
-    <p:extLst>
-      <p:ext uri="{BB962C8B-B14F-4D97-AF65-F5344CB8AC3E}">
-        <p14:creationId xmlns:p14="http://schemas.microsoft.com/office/powerpoint/2010/main" val="3387247837"/>
-      </p:ext>
-    </p:extLst>
   </p:cSld>
   <p:clrMapOvr>
     <a:masterClrMapping/>
@@ -11017,7 +10985,7 @@
           <p:nvPr/>
         </p:nvPicPr>
         <p:blipFill>
-          <a:blip r:embed="rId2"/>
+          <a:blip r:embed="rId1"/>
           <a:stretch>
             <a:fillRect/>
           </a:stretch>
@@ -11035,7 +11003,7 @@
       <p:pic>
         <p:nvPicPr>
           <p:cNvPr id="15" name="图片 14">
-            <a:hlinkClick r:id="rId3" action="ppaction://hlinksldjump" tooltip="返回"/>
+            <a:hlinkClick r:id="rId2" tooltip="返回" action="ppaction://hlinksldjump"/>
           </p:cNvPr>
           <p:cNvPicPr>
             <a:picLocks noChangeAspect="1"/>
@@ -11043,7 +11011,7 @@
           <p:nvPr/>
         </p:nvPicPr>
         <p:blipFill>
-          <a:blip r:embed="rId4"/>
+          <a:blip r:embed="rId3"/>
           <a:stretch>
             <a:fillRect/>
           </a:stretch>
@@ -11067,7 +11035,7 @@
           <p:nvPr/>
         </p:nvPicPr>
         <p:blipFill>
-          <a:blip r:embed="rId2"/>
+          <a:blip r:embed="rId1"/>
           <a:stretch>
             <a:fillRect/>
           </a:stretch>
@@ -11085,9 +11053,7 @@
       <p:sp>
         <p:nvSpPr>
           <p:cNvPr id="17" name="标题 5"/>
-          <p:cNvSpPr txBox="1">
-            <a:spLocks/>
-          </p:cNvSpPr>
+          <p:cNvSpPr txBox="1"/>
           <p:nvPr/>
         </p:nvSpPr>
         <p:spPr>
@@ -11102,7 +11068,7 @@
         <p:txBody>
           <a:bodyPr/>
           <a:lstStyle>
-            <a:lvl1pPr algn="ctr" defTabSz="1279920" rtl="0" eaLnBrk="1" latinLnBrk="0" hangingPunct="1">
+            <a:lvl1pPr algn="ctr" defTabSz="1280160" rtl="0" eaLnBrk="1" latinLnBrk="0" hangingPunct="1">
               <a:spcBef>
                 <a:spcPct val="0"/>
               </a:spcBef>
@@ -11129,18 +11095,19 @@
               </a:rPr>
               <a:t>对愿景的认知和感受</a:t>
             </a:r>
-          </a:p>
-        </p:txBody>
-      </p:sp>
-      <p:sp>
-        <p:nvSpPr>
-          <p:cNvPr id="10" name="矩形 9">
-            <a:extLst>
-              <a:ext uri="{FF2B5EF4-FFF2-40B4-BE49-F238E27FC236}">
-                <a16:creationId xmlns:a16="http://schemas.microsoft.com/office/drawing/2014/main" id="{3086342C-285A-4A25-ACE6-FF6ACA1EA5B9}"/>
-              </a:ext>
-            </a:extLst>
-          </p:cNvPr>
+            <a:endParaRPr lang="zh-CN" altLang="en-US" sz="2400" dirty="0">
+              <a:solidFill>
+                <a:schemeClr val="bg1"/>
+              </a:solidFill>
+              <a:latin typeface="vivo type CN简 Regular" panose="02000500000000000000" pitchFamily="50" charset="-122"/>
+              <a:ea typeface="vivo type CN简 Regular" panose="02000500000000000000" pitchFamily="50" charset="-122"/>
+            </a:endParaRPr>
+          </a:p>
+        </p:txBody>
+      </p:sp>
+      <p:sp>
+        <p:nvSpPr>
+          <p:cNvPr id="10" name="矩形 9"/>
           <p:cNvSpPr/>
           <p:nvPr/>
         </p:nvSpPr>
@@ -11216,11 +11183,6 @@
         </p:txBody>
       </p:sp>
     </p:spTree>
-    <p:extLst>
-      <p:ext uri="{BB962C8B-B14F-4D97-AF65-F5344CB8AC3E}">
-        <p14:creationId xmlns:p14="http://schemas.microsoft.com/office/powerpoint/2010/main" val="2336877432"/>
-      </p:ext>
-    </p:extLst>
   </p:cSld>
   <p:clrMapOvr>
     <a:masterClrMapping/>
@@ -11254,7 +11216,7 @@
           <p:nvPr/>
         </p:nvPicPr>
         <p:blipFill>
-          <a:blip r:embed="rId2"/>
+          <a:blip r:embed="rId1"/>
           <a:stretch>
             <a:fillRect/>
           </a:stretch>
@@ -11272,7 +11234,7 @@
       <p:pic>
         <p:nvPicPr>
           <p:cNvPr id="15" name="图片 14">
-            <a:hlinkClick r:id="rId3" action="ppaction://hlinksldjump" tooltip="返回"/>
+            <a:hlinkClick r:id="rId2" tooltip="返回" action="ppaction://hlinksldjump"/>
           </p:cNvPr>
           <p:cNvPicPr>
             <a:picLocks noChangeAspect="1"/>
@@ -11280,7 +11242,7 @@
           <p:nvPr/>
         </p:nvPicPr>
         <p:blipFill>
-          <a:blip r:embed="rId4"/>
+          <a:blip r:embed="rId3"/>
           <a:stretch>
             <a:fillRect/>
           </a:stretch>
@@ -11304,7 +11266,7 @@
           <p:nvPr/>
         </p:nvPicPr>
         <p:blipFill>
-          <a:blip r:embed="rId2"/>
+          <a:blip r:embed="rId1"/>
           <a:stretch>
             <a:fillRect/>
           </a:stretch>
@@ -11322,9 +11284,7 @@
       <p:sp>
         <p:nvSpPr>
           <p:cNvPr id="17" name="标题 5"/>
-          <p:cNvSpPr txBox="1">
-            <a:spLocks/>
-          </p:cNvSpPr>
+          <p:cNvSpPr txBox="1"/>
           <p:nvPr/>
         </p:nvSpPr>
         <p:spPr>
@@ -11339,7 +11299,7 @@
         <p:txBody>
           <a:bodyPr/>
           <a:lstStyle>
-            <a:lvl1pPr algn="ctr" defTabSz="1279920" rtl="0" eaLnBrk="1" latinLnBrk="0" hangingPunct="1">
+            <a:lvl1pPr algn="ctr" defTabSz="1280160" rtl="0" eaLnBrk="1" latinLnBrk="0" hangingPunct="1">
               <a:spcBef>
                 <a:spcPct val="0"/>
               </a:spcBef>
@@ -11366,18 +11326,19 @@
               </a:rPr>
               <a:t>对核心价值观的认知和感受</a:t>
             </a:r>
-          </a:p>
-        </p:txBody>
-      </p:sp>
-      <p:sp>
-        <p:nvSpPr>
-          <p:cNvPr id="10" name="矩形 9">
-            <a:extLst>
-              <a:ext uri="{FF2B5EF4-FFF2-40B4-BE49-F238E27FC236}">
-                <a16:creationId xmlns:a16="http://schemas.microsoft.com/office/drawing/2014/main" id="{3086342C-285A-4A25-ACE6-FF6ACA1EA5B9}"/>
-              </a:ext>
-            </a:extLst>
-          </p:cNvPr>
+            <a:endParaRPr lang="zh-CN" altLang="en-US" sz="2400" dirty="0">
+              <a:solidFill>
+                <a:schemeClr val="bg1"/>
+              </a:solidFill>
+              <a:latin typeface="vivo type CN简 Regular" panose="02000500000000000000" pitchFamily="50" charset="-122"/>
+              <a:ea typeface="vivo type CN简 Regular" panose="02000500000000000000" pitchFamily="50" charset="-122"/>
+            </a:endParaRPr>
+          </a:p>
+        </p:txBody>
+      </p:sp>
+      <p:sp>
+        <p:nvSpPr>
+          <p:cNvPr id="10" name="矩形 9"/>
           <p:cNvSpPr/>
           <p:nvPr/>
         </p:nvSpPr>
@@ -11514,25 +11475,24 @@
               </a:rPr>
               <a:t>消费者导向：做消费者真正需要的产品</a:t>
             </a:r>
+            <a:endParaRPr lang="zh-CN" altLang="en-US" sz="1200" dirty="0">
+              <a:solidFill>
+                <a:schemeClr val="tx1"/>
+              </a:solidFill>
+            </a:endParaRPr>
           </a:p>
         </p:txBody>
       </p:sp>
       <p:pic>
         <p:nvPicPr>
-          <p:cNvPr id="3" name="图片 2">
-            <a:extLst>
-              <a:ext uri="{FF2B5EF4-FFF2-40B4-BE49-F238E27FC236}">
-                <a16:creationId xmlns:a16="http://schemas.microsoft.com/office/drawing/2014/main" id="{9FE489DF-EB99-4B02-A153-401299B2B30A}"/>
-              </a:ext>
-            </a:extLst>
-          </p:cNvPr>
+          <p:cNvPr id="3" name="图片 2"/>
           <p:cNvPicPr>
             <a:picLocks noChangeAspect="1"/>
           </p:cNvPicPr>
           <p:nvPr/>
         </p:nvPicPr>
         <p:blipFill>
-          <a:blip r:embed="rId5">
+          <a:blip r:embed="rId4">
             <a:extLst>
               <a:ext uri="{28A0092B-C50C-407E-A947-70E740481C1C}">
                 <a14:useLocalDpi xmlns:a14="http://schemas.microsoft.com/office/drawing/2010/main" val="0"/>
@@ -11554,11 +11514,6 @@
         </p:spPr>
       </p:pic>
     </p:spTree>
-    <p:extLst>
-      <p:ext uri="{BB962C8B-B14F-4D97-AF65-F5344CB8AC3E}">
-        <p14:creationId xmlns:p14="http://schemas.microsoft.com/office/powerpoint/2010/main" val="967435500"/>
-      </p:ext>
-    </p:extLst>
   </p:cSld>
   <p:clrMapOvr>
     <a:masterClrMapping/>
@@ -11609,7 +11564,7 @@
     </a:clrScheme>
     <a:fontScheme name="Office">
       <a:majorFont>
-        <a:latin typeface="Calibri Light" panose="020F0302020204030204"/>
+        <a:latin typeface="Calibri Light"/>
         <a:ea typeface=""/>
         <a:cs typeface=""/>
         <a:font script="Jpan" typeface="ＭＳ Ｐゴシック"/>
@@ -11644,7 +11599,7 @@
         <a:font script="Geor" typeface="Sylfaen"/>
       </a:majorFont>
       <a:minorFont>
-        <a:latin typeface="Calibri" panose="020F0502020204030204"/>
+        <a:latin typeface="Calibri"/>
         <a:ea typeface=""/>
         <a:cs typeface=""/>
         <a:font script="Jpan" typeface="ＭＳ Ｐゴシック"/>
@@ -11817,8 +11772,6 @@
       </a:bgFillStyleLst>
     </a:fmtScheme>
   </a:themeElements>
-  <a:objectDefaults/>
-  <a:extraClrSchemeLst/>
   <a:extLst>
     <a:ext uri="{05A4C25C-085E-4340-85A3-A5531E510DB2}">
       <thm15:themeFamily xmlns:thm15="http://schemas.microsoft.com/office/thememl/2012/main" name="Office Theme" id="{62F939B6-93AF-4DB8-9C6B-D6C7DFDC589F}" vid="{4A3C46E8-61CC-4603-A589-7422A47A8E4A}"/>
